--- a/experiment/subject_recruitment/מודעות גיוס.pptx
+++ b/experiment/subject_recruitment/מודעות גיוס.pptx
@@ -6,6 +6,7 @@
   </p:sldMasterIdLst>
   <p:sldIdLst>
     <p:sldId id="256" r:id="rId2"/>
+    <p:sldId id="257" r:id="rId3"/>
   </p:sldIdLst>
   <p:sldSz cx="12192000" cy="6858000"/>
   <p:notesSz cx="6858000" cy="9144000"/>
@@ -104,6 +105,11 @@
       </a:defRPr>
     </a:lvl9pPr>
   </p:defaultTextStyle>
+  <p:extLst>
+    <p:ext uri="{EFAFB233-063F-42B5-8137-9DF3F51BA10A}">
+      <p15:sldGuideLst xmlns:p15="http://schemas.microsoft.com/office/powerpoint/2012/main"/>
+    </p:ext>
+  </p:extLst>
 </p:presentation>
 </file>
 
@@ -256,7 +262,7 @@
           <a:p>
             <a:fld id="{351EEA5B-5A71-4DF3-A5C7-778567C98FB4}" type="datetimeFigureOut">
               <a:rPr lang="he-IL" smtClean="0"/>
-              <a:t>כ"ג/אב/תשפ"א</a:t>
+              <a:t>כ"א/אלול/תשפ"א</a:t>
             </a:fld>
             <a:endParaRPr lang="he-IL"/>
           </a:p>
@@ -456,7 +462,7 @@
           <a:p>
             <a:fld id="{351EEA5B-5A71-4DF3-A5C7-778567C98FB4}" type="datetimeFigureOut">
               <a:rPr lang="he-IL" smtClean="0"/>
-              <a:t>כ"ג/אב/תשפ"א</a:t>
+              <a:t>כ"א/אלול/תשפ"א</a:t>
             </a:fld>
             <a:endParaRPr lang="he-IL"/>
           </a:p>
@@ -666,7 +672,7 @@
           <a:p>
             <a:fld id="{351EEA5B-5A71-4DF3-A5C7-778567C98FB4}" type="datetimeFigureOut">
               <a:rPr lang="he-IL" smtClean="0"/>
-              <a:t>כ"ג/אב/תשפ"א</a:t>
+              <a:t>כ"א/אלול/תשפ"א</a:t>
             </a:fld>
             <a:endParaRPr lang="he-IL"/>
           </a:p>
@@ -866,7 +872,7 @@
           <a:p>
             <a:fld id="{351EEA5B-5A71-4DF3-A5C7-778567C98FB4}" type="datetimeFigureOut">
               <a:rPr lang="he-IL" smtClean="0"/>
-              <a:t>כ"ג/אב/תשפ"א</a:t>
+              <a:t>כ"א/אלול/תשפ"א</a:t>
             </a:fld>
             <a:endParaRPr lang="he-IL"/>
           </a:p>
@@ -1142,7 +1148,7 @@
           <a:p>
             <a:fld id="{351EEA5B-5A71-4DF3-A5C7-778567C98FB4}" type="datetimeFigureOut">
               <a:rPr lang="he-IL" smtClean="0"/>
-              <a:t>כ"ג/אב/תשפ"א</a:t>
+              <a:t>כ"א/אלול/תשפ"א</a:t>
             </a:fld>
             <a:endParaRPr lang="he-IL"/>
           </a:p>
@@ -1410,7 +1416,7 @@
           <a:p>
             <a:fld id="{351EEA5B-5A71-4DF3-A5C7-778567C98FB4}" type="datetimeFigureOut">
               <a:rPr lang="he-IL" smtClean="0"/>
-              <a:t>כ"ג/אב/תשפ"א</a:t>
+              <a:t>כ"א/אלול/תשפ"א</a:t>
             </a:fld>
             <a:endParaRPr lang="he-IL"/>
           </a:p>
@@ -1825,7 +1831,7 @@
           <a:p>
             <a:fld id="{351EEA5B-5A71-4DF3-A5C7-778567C98FB4}" type="datetimeFigureOut">
               <a:rPr lang="he-IL" smtClean="0"/>
-              <a:t>כ"ג/אב/תשפ"א</a:t>
+              <a:t>כ"א/אלול/תשפ"א</a:t>
             </a:fld>
             <a:endParaRPr lang="he-IL"/>
           </a:p>
@@ -1967,7 +1973,7 @@
           <a:p>
             <a:fld id="{351EEA5B-5A71-4DF3-A5C7-778567C98FB4}" type="datetimeFigureOut">
               <a:rPr lang="he-IL" smtClean="0"/>
-              <a:t>כ"ג/אב/תשפ"א</a:t>
+              <a:t>כ"א/אלול/תשפ"א</a:t>
             </a:fld>
             <a:endParaRPr lang="he-IL"/>
           </a:p>
@@ -2080,7 +2086,7 @@
           <a:p>
             <a:fld id="{351EEA5B-5A71-4DF3-A5C7-778567C98FB4}" type="datetimeFigureOut">
               <a:rPr lang="he-IL" smtClean="0"/>
-              <a:t>כ"ג/אב/תשפ"א</a:t>
+              <a:t>כ"א/אלול/תשפ"א</a:t>
             </a:fld>
             <a:endParaRPr lang="he-IL"/>
           </a:p>
@@ -2393,7 +2399,7 @@
           <a:p>
             <a:fld id="{351EEA5B-5A71-4DF3-A5C7-778567C98FB4}" type="datetimeFigureOut">
               <a:rPr lang="he-IL" smtClean="0"/>
-              <a:t>כ"ג/אב/תשפ"א</a:t>
+              <a:t>כ"א/אלול/תשפ"א</a:t>
             </a:fld>
             <a:endParaRPr lang="he-IL"/>
           </a:p>
@@ -2682,7 +2688,7 @@
           <a:p>
             <a:fld id="{351EEA5B-5A71-4DF3-A5C7-778567C98FB4}" type="datetimeFigureOut">
               <a:rPr lang="he-IL" smtClean="0"/>
-              <a:t>כ"ג/אב/תשפ"א</a:t>
+              <a:t>כ"א/אלול/תשפ"א</a:t>
             </a:fld>
             <a:endParaRPr lang="he-IL"/>
           </a:p>
@@ -2925,7 +2931,7 @@
           <a:p>
             <a:fld id="{351EEA5B-5A71-4DF3-A5C7-778567C98FB4}" type="datetimeFigureOut">
               <a:rPr lang="he-IL" smtClean="0"/>
-              <a:t>כ"ג/אב/תשפ"א</a:t>
+              <a:t>כ"א/אלול/תשפ"א</a:t>
             </a:fld>
             <a:endParaRPr lang="he-IL"/>
           </a:p>
@@ -3692,6 +3698,410 @@
 </p:sld>
 </file>
 
+<file path=ppt/slides/slide2.xml><?xml version="1.0" encoding="utf-8"?>
+<p:sld xmlns:a="http://schemas.openxmlformats.org/drawingml/2006/main" xmlns:r="http://schemas.openxmlformats.org/officeDocument/2006/relationships" xmlns:p="http://schemas.openxmlformats.org/presentationml/2006/main">
+  <p:cSld>
+    <p:spTree>
+      <p:nvGrpSpPr>
+        <p:cNvPr id="1" name=""/>
+        <p:cNvGrpSpPr/>
+        <p:nvPr/>
+      </p:nvGrpSpPr>
+      <p:grpSpPr>
+        <a:xfrm>
+          <a:off x="0" y="0"/>
+          <a:ext cx="0" cy="0"/>
+          <a:chOff x="0" y="0"/>
+          <a:chExt cx="0" cy="0"/>
+        </a:xfrm>
+      </p:grpSpPr>
+      <p:pic>
+        <p:nvPicPr>
+          <p:cNvPr id="5" name="Picture 4" descr="A dog looking at a computer&#10;&#10;Description automatically generated with medium confidence">
+            <a:extLst>
+              <a:ext uri="{FF2B5EF4-FFF2-40B4-BE49-F238E27FC236}">
+                <a16:creationId xmlns:a16="http://schemas.microsoft.com/office/drawing/2014/main" id="{787A8A51-6B78-4086-836D-3DE6CB859905}"/>
+              </a:ext>
+            </a:extLst>
+          </p:cNvPr>
+          <p:cNvPicPr>
+            <a:picLocks noChangeAspect="1"/>
+          </p:cNvPicPr>
+          <p:nvPr/>
+        </p:nvPicPr>
+        <p:blipFill>
+          <a:blip r:embed="rId2">
+            <a:extLst>
+              <a:ext uri="{28A0092B-C50C-407E-A947-70E740481C1C}">
+                <a14:useLocalDpi xmlns:a14="http://schemas.microsoft.com/office/drawing/2010/main" val="0"/>
+              </a:ext>
+            </a:extLst>
+          </a:blip>
+          <a:stretch>
+            <a:fillRect/>
+          </a:stretch>
+        </p:blipFill>
+        <p:spPr>
+          <a:xfrm>
+            <a:off x="2183728" y="492094"/>
+            <a:ext cx="9163276" cy="5291252"/>
+          </a:xfrm>
+          <a:prstGeom prst="rect">
+            <a:avLst/>
+          </a:prstGeom>
+        </p:spPr>
+      </p:pic>
+      <p:sp>
+        <p:nvSpPr>
+          <p:cNvPr id="7" name="Rectangle 6">
+            <a:extLst>
+              <a:ext uri="{FF2B5EF4-FFF2-40B4-BE49-F238E27FC236}">
+                <a16:creationId xmlns:a16="http://schemas.microsoft.com/office/drawing/2014/main" id="{D2458800-57BC-4893-BE11-DC146BD84648}"/>
+              </a:ext>
+            </a:extLst>
+          </p:cNvPr>
+          <p:cNvSpPr/>
+          <p:nvPr/>
+        </p:nvSpPr>
+        <p:spPr>
+          <a:xfrm>
+            <a:off x="2623741" y="0"/>
+            <a:ext cx="6944529" cy="923330"/>
+          </a:xfrm>
+          <a:prstGeom prst="rect">
+            <a:avLst/>
+          </a:prstGeom>
+          <a:noFill/>
+        </p:spPr>
+        <p:txBody>
+          <a:bodyPr wrap="none" lIns="91440" tIns="45720" rIns="91440" bIns="45720">
+            <a:spAutoFit/>
+          </a:bodyPr>
+          <a:lstStyle/>
+          <a:p>
+            <a:pPr algn="ctr"/>
+            <a:r>
+              <a:rPr lang="he-IL" sz="5400" b="1" cap="none" spc="0" dirty="0">
+                <a:ln w="9525">
+                  <a:solidFill>
+                    <a:schemeClr val="bg1"/>
+                  </a:solidFill>
+                  <a:prstDash val="solid"/>
+                </a:ln>
+                <a:solidFill>
+                  <a:schemeClr val="accent5"/>
+                </a:solidFill>
+                <a:effectLst>
+                  <a:outerShdw blurRad="12700" dist="38100" dir="2700000" algn="tl" rotWithShape="0">
+                    <a:schemeClr val="accent5">
+                      <a:lumMod val="60000"/>
+                      <a:lumOff val="40000"/>
+                    </a:schemeClr>
+                  </a:outerShdw>
+                </a:effectLst>
+              </a:rPr>
+              <a:t>ניסוי במעקב אחר תנועה</a:t>
+            </a:r>
+            <a:endParaRPr lang="en-US" sz="5400" b="1" cap="none" spc="0" dirty="0">
+              <a:ln w="9525">
+                <a:solidFill>
+                  <a:schemeClr val="bg1"/>
+                </a:solidFill>
+                <a:prstDash val="solid"/>
+              </a:ln>
+              <a:solidFill>
+                <a:schemeClr val="accent5"/>
+              </a:solidFill>
+              <a:effectLst>
+                <a:outerShdw blurRad="12700" dist="38100" dir="2700000" algn="tl" rotWithShape="0">
+                  <a:schemeClr val="accent5">
+                    <a:lumMod val="60000"/>
+                    <a:lumOff val="40000"/>
+                  </a:schemeClr>
+                </a:outerShdw>
+              </a:effectLst>
+            </a:endParaRPr>
+          </a:p>
+        </p:txBody>
+      </p:sp>
+      <p:sp>
+        <p:nvSpPr>
+          <p:cNvPr id="9" name="TextBox 8">
+            <a:extLst>
+              <a:ext uri="{FF2B5EF4-FFF2-40B4-BE49-F238E27FC236}">
+                <a16:creationId xmlns:a16="http://schemas.microsoft.com/office/drawing/2014/main" id="{1487C03B-BC0F-4484-BF6E-CBFA484A2495}"/>
+              </a:ext>
+            </a:extLst>
+          </p:cNvPr>
+          <p:cNvSpPr txBox="1"/>
+          <p:nvPr/>
+        </p:nvSpPr>
+        <p:spPr>
+          <a:xfrm>
+            <a:off x="-122548" y="5240205"/>
+            <a:ext cx="12851874" cy="1692771"/>
+          </a:xfrm>
+          <a:prstGeom prst="rect">
+            <a:avLst/>
+          </a:prstGeom>
+          <a:noFill/>
+        </p:spPr>
+        <p:txBody>
+          <a:bodyPr wrap="square" rtlCol="1">
+            <a:spAutoFit/>
+          </a:bodyPr>
+          <a:lstStyle/>
+          <a:p>
+            <a:pPr algn="ctr" rtl="1"/>
+            <a:r>
+              <a:rPr lang="he-IL" sz="3200" b="1" dirty="0">
+                <a:ln>
+                  <a:solidFill>
+                    <a:schemeClr val="tx1">
+                      <a:lumMod val="65000"/>
+                      <a:lumOff val="35000"/>
+                    </a:schemeClr>
+                  </a:solidFill>
+                </a:ln>
+                <a:solidFill>
+                  <a:schemeClr val="accent5">
+                    <a:lumMod val="75000"/>
+                  </a:schemeClr>
+                </a:solidFill>
+              </a:rPr>
+              <a:t>מיועד לגילאי 18-35, יד ימין דומיננטית, ללא הפרעות קשב וריכוז</a:t>
+            </a:r>
+            <a:endParaRPr lang="en-US" sz="3200" b="1" dirty="0">
+              <a:ln>
+                <a:solidFill>
+                  <a:schemeClr val="tx1">
+                    <a:lumMod val="65000"/>
+                    <a:lumOff val="35000"/>
+                  </a:schemeClr>
+                </a:solidFill>
+              </a:ln>
+              <a:solidFill>
+                <a:schemeClr val="accent5">
+                  <a:lumMod val="75000"/>
+                </a:schemeClr>
+              </a:solidFill>
+            </a:endParaRPr>
+          </a:p>
+          <a:p>
+            <a:pPr algn="ctr" rtl="1"/>
+            <a:r>
+              <a:rPr lang="he-IL" sz="2400" b="1" dirty="0">
+                <a:ln>
+                  <a:solidFill>
+                    <a:schemeClr val="tx1">
+                      <a:lumMod val="65000"/>
+                      <a:lumOff val="35000"/>
+                    </a:schemeClr>
+                  </a:solidFill>
+                </a:ln>
+                <a:solidFill>
+                  <a:schemeClr val="accent5">
+                    <a:lumMod val="75000"/>
+                  </a:schemeClr>
+                </a:solidFill>
+              </a:rPr>
+              <a:t>בניין שרת, חדר 118, אוניברסיטת תל אביב</a:t>
+            </a:r>
+          </a:p>
+          <a:p>
+            <a:pPr algn="ctr" rtl="1"/>
+            <a:r>
+              <a:rPr lang="he-IL" sz="2400" b="1" dirty="0">
+                <a:ln>
+                  <a:solidFill>
+                    <a:schemeClr val="tx1">
+                      <a:lumMod val="65000"/>
+                      <a:lumOff val="35000"/>
+                    </a:schemeClr>
+                  </a:solidFill>
+                </a:ln>
+                <a:solidFill>
+                  <a:schemeClr val="accent5">
+                    <a:lumMod val="75000"/>
+                  </a:schemeClr>
+                </a:solidFill>
+              </a:rPr>
+              <a:t>הניסוי נערך ב-2 ימים עוקבים, היום הראשון נמשך 30 דקות והשני 90 דקות</a:t>
+            </a:r>
+            <a:endParaRPr lang="en-US" sz="2400" b="1" dirty="0">
+              <a:ln>
+                <a:solidFill>
+                  <a:schemeClr val="tx1">
+                    <a:lumMod val="65000"/>
+                    <a:lumOff val="35000"/>
+                  </a:schemeClr>
+                </a:solidFill>
+              </a:ln>
+              <a:solidFill>
+                <a:schemeClr val="accent5">
+                  <a:lumMod val="75000"/>
+                </a:schemeClr>
+              </a:solidFill>
+            </a:endParaRPr>
+          </a:p>
+          <a:p>
+            <a:pPr algn="ctr" rtl="1"/>
+            <a:r>
+              <a:rPr lang="he-IL" sz="2400" b="1" dirty="0">
+                <a:ln>
+                  <a:solidFill>
+                    <a:schemeClr val="tx1">
+                      <a:lumMod val="65000"/>
+                      <a:lumOff val="35000"/>
+                    </a:schemeClr>
+                  </a:solidFill>
+                </a:ln>
+                <a:solidFill>
+                  <a:schemeClr val="accent5">
+                    <a:lumMod val="75000"/>
+                  </a:schemeClr>
+                </a:solidFill>
+              </a:rPr>
+              <a:t>לפרטים: </a:t>
+            </a:r>
+            <a:r>
+              <a:rPr lang="en-US" sz="2400" b="1" u="sng" dirty="0">
+                <a:ln>
+                  <a:solidFill>
+                    <a:schemeClr val="tx1">
+                      <a:lumMod val="65000"/>
+                      <a:lumOff val="35000"/>
+                    </a:schemeClr>
+                  </a:solidFill>
+                </a:ln>
+                <a:solidFill>
+                  <a:schemeClr val="accent5">
+                    <a:lumMod val="75000"/>
+                  </a:schemeClr>
+                </a:solidFill>
+              </a:rPr>
+              <a:t>khenheller@mail.tau.ac.il</a:t>
+            </a:r>
+            <a:endParaRPr lang="he-IL" sz="2400" b="1" u="sng" dirty="0">
+              <a:ln>
+                <a:solidFill>
+                  <a:schemeClr val="tx1">
+                    <a:lumMod val="65000"/>
+                    <a:lumOff val="35000"/>
+                  </a:schemeClr>
+                </a:solidFill>
+              </a:ln>
+              <a:solidFill>
+                <a:schemeClr val="accent5">
+                  <a:lumMod val="75000"/>
+                </a:schemeClr>
+              </a:solidFill>
+            </a:endParaRPr>
+          </a:p>
+        </p:txBody>
+      </p:sp>
+      <p:sp>
+        <p:nvSpPr>
+          <p:cNvPr id="10" name="Rectangle 9">
+            <a:extLst>
+              <a:ext uri="{FF2B5EF4-FFF2-40B4-BE49-F238E27FC236}">
+                <a16:creationId xmlns:a16="http://schemas.microsoft.com/office/drawing/2014/main" id="{A8714759-5C3C-479D-B957-02304E4D0F50}"/>
+              </a:ext>
+            </a:extLst>
+          </p:cNvPr>
+          <p:cNvSpPr/>
+          <p:nvPr/>
+        </p:nvSpPr>
+        <p:spPr>
+          <a:xfrm>
+            <a:off x="3672324" y="938461"/>
+            <a:ext cx="4886274" cy="769441"/>
+          </a:xfrm>
+          <a:prstGeom prst="rect">
+            <a:avLst/>
+          </a:prstGeom>
+          <a:noFill/>
+        </p:spPr>
+        <p:txBody>
+          <a:bodyPr wrap="none" lIns="91440" tIns="45720" rIns="91440" bIns="45720">
+            <a:spAutoFit/>
+            <a:scene3d>
+              <a:camera prst="perspectiveFront"/>
+              <a:lightRig rig="harsh" dir="t"/>
+            </a:scene3d>
+            <a:sp3d extrusionH="57150" prstMaterial="matte">
+              <a:bevelT w="63500" h="12700" prst="slope"/>
+              <a:contourClr>
+                <a:schemeClr val="bg1">
+                  <a:lumMod val="65000"/>
+                </a:schemeClr>
+              </a:contourClr>
+            </a:sp3d>
+          </a:bodyPr>
+          <a:lstStyle/>
+          <a:p>
+            <a:pPr algn="ctr" rtl="1"/>
+            <a:r>
+              <a:rPr lang="he-IL" sz="4400" b="1" dirty="0">
+                <a:ln/>
+                <a:solidFill>
+                  <a:srgbClr val="09FF32"/>
+                </a:solidFill>
+                <a:effectLst>
+                  <a:glow rad="787400">
+                    <a:schemeClr val="bg1">
+                      <a:alpha val="40000"/>
+                    </a:schemeClr>
+                  </a:glow>
+                </a:effectLst>
+              </a:rPr>
+              <a:t>120 </a:t>
+            </a:r>
+            <a:r>
+              <a:rPr lang="he-IL" sz="4400" b="1" cap="none" spc="0" dirty="0">
+                <a:ln/>
+                <a:solidFill>
+                  <a:srgbClr val="09FF32"/>
+                </a:solidFill>
+                <a:effectLst>
+                  <a:glow rad="787400">
+                    <a:schemeClr val="bg1">
+                      <a:alpha val="40000"/>
+                    </a:schemeClr>
+                  </a:glow>
+                </a:effectLst>
+              </a:rPr>
+              <a:t>דקות, 125 ש"ח</a:t>
+            </a:r>
+            <a:endParaRPr lang="en-US" sz="4400" b="1" cap="none" spc="0" dirty="0">
+              <a:ln/>
+              <a:solidFill>
+                <a:srgbClr val="09FF32"/>
+              </a:solidFill>
+              <a:effectLst>
+                <a:glow rad="787400">
+                  <a:schemeClr val="bg1">
+                    <a:alpha val="40000"/>
+                  </a:schemeClr>
+                </a:glow>
+              </a:effectLst>
+            </a:endParaRPr>
+          </a:p>
+        </p:txBody>
+      </p:sp>
+    </p:spTree>
+    <p:extLst>
+      <p:ext uri="{BB962C8B-B14F-4D97-AF65-F5344CB8AC3E}">
+        <p14:creationId xmlns:p14="http://schemas.microsoft.com/office/powerpoint/2010/main" val="3502369317"/>
+      </p:ext>
+    </p:extLst>
+  </p:cSld>
+  <p:clrMapOvr>
+    <a:masterClrMapping/>
+  </p:clrMapOvr>
+</p:sld>
+</file>
+
 <file path=ppt/theme/theme1.xml><?xml version="1.0" encoding="utf-8"?>
 <a:theme xmlns:a="http://schemas.openxmlformats.org/drawingml/2006/main" name="Office Theme">
   <a:themeElements>

--- a/experiment/subject_recruitment/מודעות גיוס.pptx
+++ b/experiment/subject_recruitment/מודעות גיוס.pptx
@@ -7,6 +7,7 @@
   <p:sldIdLst>
     <p:sldId id="256" r:id="rId2"/>
     <p:sldId id="257" r:id="rId3"/>
+    <p:sldId id="258" r:id="rId4"/>
   </p:sldIdLst>
   <p:sldSz cx="12192000" cy="6858000"/>
   <p:notesSz cx="6858000" cy="9144000"/>
@@ -262,7 +263,7 @@
           <a:p>
             <a:fld id="{351EEA5B-5A71-4DF3-A5C7-778567C98FB4}" type="datetimeFigureOut">
               <a:rPr lang="he-IL" smtClean="0"/>
-              <a:t>כ"א/אלול/תשפ"א</a:t>
+              <a:t>כ'/תשרי/תשפ"ב</a:t>
             </a:fld>
             <a:endParaRPr lang="he-IL"/>
           </a:p>
@@ -462,7 +463,7 @@
           <a:p>
             <a:fld id="{351EEA5B-5A71-4DF3-A5C7-778567C98FB4}" type="datetimeFigureOut">
               <a:rPr lang="he-IL" smtClean="0"/>
-              <a:t>כ"א/אלול/תשפ"א</a:t>
+              <a:t>כ'/תשרי/תשפ"ב</a:t>
             </a:fld>
             <a:endParaRPr lang="he-IL"/>
           </a:p>
@@ -672,7 +673,7 @@
           <a:p>
             <a:fld id="{351EEA5B-5A71-4DF3-A5C7-778567C98FB4}" type="datetimeFigureOut">
               <a:rPr lang="he-IL" smtClean="0"/>
-              <a:t>כ"א/אלול/תשפ"א</a:t>
+              <a:t>כ'/תשרי/תשפ"ב</a:t>
             </a:fld>
             <a:endParaRPr lang="he-IL"/>
           </a:p>
@@ -872,7 +873,7 @@
           <a:p>
             <a:fld id="{351EEA5B-5A71-4DF3-A5C7-778567C98FB4}" type="datetimeFigureOut">
               <a:rPr lang="he-IL" smtClean="0"/>
-              <a:t>כ"א/אלול/תשפ"א</a:t>
+              <a:t>כ'/תשרי/תשפ"ב</a:t>
             </a:fld>
             <a:endParaRPr lang="he-IL"/>
           </a:p>
@@ -1148,7 +1149,7 @@
           <a:p>
             <a:fld id="{351EEA5B-5A71-4DF3-A5C7-778567C98FB4}" type="datetimeFigureOut">
               <a:rPr lang="he-IL" smtClean="0"/>
-              <a:t>כ"א/אלול/תשפ"א</a:t>
+              <a:t>כ'/תשרי/תשפ"ב</a:t>
             </a:fld>
             <a:endParaRPr lang="he-IL"/>
           </a:p>
@@ -1416,7 +1417,7 @@
           <a:p>
             <a:fld id="{351EEA5B-5A71-4DF3-A5C7-778567C98FB4}" type="datetimeFigureOut">
               <a:rPr lang="he-IL" smtClean="0"/>
-              <a:t>כ"א/אלול/תשפ"א</a:t>
+              <a:t>כ'/תשרי/תשפ"ב</a:t>
             </a:fld>
             <a:endParaRPr lang="he-IL"/>
           </a:p>
@@ -1831,7 +1832,7 @@
           <a:p>
             <a:fld id="{351EEA5B-5A71-4DF3-A5C7-778567C98FB4}" type="datetimeFigureOut">
               <a:rPr lang="he-IL" smtClean="0"/>
-              <a:t>כ"א/אלול/תשפ"א</a:t>
+              <a:t>כ'/תשרי/תשפ"ב</a:t>
             </a:fld>
             <a:endParaRPr lang="he-IL"/>
           </a:p>
@@ -1973,7 +1974,7 @@
           <a:p>
             <a:fld id="{351EEA5B-5A71-4DF3-A5C7-778567C98FB4}" type="datetimeFigureOut">
               <a:rPr lang="he-IL" smtClean="0"/>
-              <a:t>כ"א/אלול/תשפ"א</a:t>
+              <a:t>כ'/תשרי/תשפ"ב</a:t>
             </a:fld>
             <a:endParaRPr lang="he-IL"/>
           </a:p>
@@ -2086,7 +2087,7 @@
           <a:p>
             <a:fld id="{351EEA5B-5A71-4DF3-A5C7-778567C98FB4}" type="datetimeFigureOut">
               <a:rPr lang="he-IL" smtClean="0"/>
-              <a:t>כ"א/אלול/תשפ"א</a:t>
+              <a:t>כ'/תשרי/תשפ"ב</a:t>
             </a:fld>
             <a:endParaRPr lang="he-IL"/>
           </a:p>
@@ -2399,7 +2400,7 @@
           <a:p>
             <a:fld id="{351EEA5B-5A71-4DF3-A5C7-778567C98FB4}" type="datetimeFigureOut">
               <a:rPr lang="he-IL" smtClean="0"/>
-              <a:t>כ"א/אלול/תשפ"א</a:t>
+              <a:t>כ'/תשרי/תשפ"ב</a:t>
             </a:fld>
             <a:endParaRPr lang="he-IL"/>
           </a:p>
@@ -2688,7 +2689,7 @@
           <a:p>
             <a:fld id="{351EEA5B-5A71-4DF3-A5C7-778567C98FB4}" type="datetimeFigureOut">
               <a:rPr lang="he-IL" smtClean="0"/>
-              <a:t>כ"א/אלול/תשפ"א</a:t>
+              <a:t>כ'/תשרי/תשפ"ב</a:t>
             </a:fld>
             <a:endParaRPr lang="he-IL"/>
           </a:p>
@@ -2931,7 +2932,7 @@
           <a:p>
             <a:fld id="{351EEA5B-5A71-4DF3-A5C7-778567C98FB4}" type="datetimeFigureOut">
               <a:rPr lang="he-IL" smtClean="0"/>
-              <a:t>כ"א/אלול/תשפ"א</a:t>
+              <a:t>כ'/תשרי/תשפ"ב</a:t>
             </a:fld>
             <a:endParaRPr lang="he-IL"/>
           </a:p>
@@ -4102,6 +4103,410 @@
 </p:sld>
 </file>
 
+<file path=ppt/slides/slide3.xml><?xml version="1.0" encoding="utf-8"?>
+<p:sld xmlns:a="http://schemas.openxmlformats.org/drawingml/2006/main" xmlns:r="http://schemas.openxmlformats.org/officeDocument/2006/relationships" xmlns:p="http://schemas.openxmlformats.org/presentationml/2006/main">
+  <p:cSld>
+    <p:spTree>
+      <p:nvGrpSpPr>
+        <p:cNvPr id="1" name=""/>
+        <p:cNvGrpSpPr/>
+        <p:nvPr/>
+      </p:nvGrpSpPr>
+      <p:grpSpPr>
+        <a:xfrm>
+          <a:off x="0" y="0"/>
+          <a:ext cx="0" cy="0"/>
+          <a:chOff x="0" y="0"/>
+          <a:chExt cx="0" cy="0"/>
+        </a:xfrm>
+      </p:grpSpPr>
+      <p:pic>
+        <p:nvPicPr>
+          <p:cNvPr id="5" name="Picture 4" descr="A dog looking at a computer&#10;&#10;Description automatically generated with medium confidence">
+            <a:extLst>
+              <a:ext uri="{FF2B5EF4-FFF2-40B4-BE49-F238E27FC236}">
+                <a16:creationId xmlns:a16="http://schemas.microsoft.com/office/drawing/2014/main" id="{787A8A51-6B78-4086-836D-3DE6CB859905}"/>
+              </a:ext>
+            </a:extLst>
+          </p:cNvPr>
+          <p:cNvPicPr>
+            <a:picLocks noChangeAspect="1"/>
+          </p:cNvPicPr>
+          <p:nvPr/>
+        </p:nvPicPr>
+        <p:blipFill>
+          <a:blip r:embed="rId2">
+            <a:extLst>
+              <a:ext uri="{28A0092B-C50C-407E-A947-70E740481C1C}">
+                <a14:useLocalDpi xmlns:a14="http://schemas.microsoft.com/office/drawing/2010/main" val="0"/>
+              </a:ext>
+            </a:extLst>
+          </a:blip>
+          <a:stretch>
+            <a:fillRect/>
+          </a:stretch>
+        </p:blipFill>
+        <p:spPr>
+          <a:xfrm>
+            <a:off x="2183728" y="492094"/>
+            <a:ext cx="9163276" cy="5291252"/>
+          </a:xfrm>
+          <a:prstGeom prst="rect">
+            <a:avLst/>
+          </a:prstGeom>
+        </p:spPr>
+      </p:pic>
+      <p:sp>
+        <p:nvSpPr>
+          <p:cNvPr id="7" name="Rectangle 6">
+            <a:extLst>
+              <a:ext uri="{FF2B5EF4-FFF2-40B4-BE49-F238E27FC236}">
+                <a16:creationId xmlns:a16="http://schemas.microsoft.com/office/drawing/2014/main" id="{D2458800-57BC-4893-BE11-DC146BD84648}"/>
+              </a:ext>
+            </a:extLst>
+          </p:cNvPr>
+          <p:cNvSpPr/>
+          <p:nvPr/>
+        </p:nvSpPr>
+        <p:spPr>
+          <a:xfrm>
+            <a:off x="2623741" y="0"/>
+            <a:ext cx="6944529" cy="923330"/>
+          </a:xfrm>
+          <a:prstGeom prst="rect">
+            <a:avLst/>
+          </a:prstGeom>
+          <a:noFill/>
+        </p:spPr>
+        <p:txBody>
+          <a:bodyPr wrap="none" lIns="91440" tIns="45720" rIns="91440" bIns="45720">
+            <a:spAutoFit/>
+          </a:bodyPr>
+          <a:lstStyle/>
+          <a:p>
+            <a:pPr algn="ctr"/>
+            <a:r>
+              <a:rPr lang="he-IL" sz="5400" b="1" cap="none" spc="0" dirty="0">
+                <a:ln w="9525">
+                  <a:solidFill>
+                    <a:schemeClr val="bg1"/>
+                  </a:solidFill>
+                  <a:prstDash val="solid"/>
+                </a:ln>
+                <a:solidFill>
+                  <a:schemeClr val="accent5"/>
+                </a:solidFill>
+                <a:effectLst>
+                  <a:outerShdw blurRad="12700" dist="38100" dir="2700000" algn="tl" rotWithShape="0">
+                    <a:schemeClr val="accent5">
+                      <a:lumMod val="60000"/>
+                      <a:lumOff val="40000"/>
+                    </a:schemeClr>
+                  </a:outerShdw>
+                </a:effectLst>
+              </a:rPr>
+              <a:t>ניסוי במעקב אחר תנועה</a:t>
+            </a:r>
+            <a:endParaRPr lang="en-US" sz="5400" b="1" cap="none" spc="0" dirty="0">
+              <a:ln w="9525">
+                <a:solidFill>
+                  <a:schemeClr val="bg1"/>
+                </a:solidFill>
+                <a:prstDash val="solid"/>
+              </a:ln>
+              <a:solidFill>
+                <a:schemeClr val="accent5"/>
+              </a:solidFill>
+              <a:effectLst>
+                <a:outerShdw blurRad="12700" dist="38100" dir="2700000" algn="tl" rotWithShape="0">
+                  <a:schemeClr val="accent5">
+                    <a:lumMod val="60000"/>
+                    <a:lumOff val="40000"/>
+                  </a:schemeClr>
+                </a:outerShdw>
+              </a:effectLst>
+            </a:endParaRPr>
+          </a:p>
+        </p:txBody>
+      </p:sp>
+      <p:sp>
+        <p:nvSpPr>
+          <p:cNvPr id="9" name="TextBox 8">
+            <a:extLst>
+              <a:ext uri="{FF2B5EF4-FFF2-40B4-BE49-F238E27FC236}">
+                <a16:creationId xmlns:a16="http://schemas.microsoft.com/office/drawing/2014/main" id="{1487C03B-BC0F-4484-BF6E-CBFA484A2495}"/>
+              </a:ext>
+            </a:extLst>
+          </p:cNvPr>
+          <p:cNvSpPr txBox="1"/>
+          <p:nvPr/>
+        </p:nvSpPr>
+        <p:spPr>
+          <a:xfrm>
+            <a:off x="-122548" y="5240205"/>
+            <a:ext cx="12851874" cy="1692771"/>
+          </a:xfrm>
+          <a:prstGeom prst="rect">
+            <a:avLst/>
+          </a:prstGeom>
+          <a:noFill/>
+        </p:spPr>
+        <p:txBody>
+          <a:bodyPr wrap="square" rtlCol="1">
+            <a:spAutoFit/>
+          </a:bodyPr>
+          <a:lstStyle/>
+          <a:p>
+            <a:pPr algn="ctr" rtl="1"/>
+            <a:r>
+              <a:rPr lang="he-IL" sz="3200" b="1" dirty="0">
+                <a:ln>
+                  <a:solidFill>
+                    <a:schemeClr val="tx1">
+                      <a:lumMod val="65000"/>
+                      <a:lumOff val="35000"/>
+                    </a:schemeClr>
+                  </a:solidFill>
+                </a:ln>
+                <a:solidFill>
+                  <a:schemeClr val="accent5">
+                    <a:lumMod val="75000"/>
+                  </a:schemeClr>
+                </a:solidFill>
+              </a:rPr>
+              <a:t>מיועד לגילאי 18-35, יד ימין דומיננטית, ללא הפרעות קשב וריכוז</a:t>
+            </a:r>
+            <a:endParaRPr lang="en-US" sz="3200" b="1" dirty="0">
+              <a:ln>
+                <a:solidFill>
+                  <a:schemeClr val="tx1">
+                    <a:lumMod val="65000"/>
+                    <a:lumOff val="35000"/>
+                  </a:schemeClr>
+                </a:solidFill>
+              </a:ln>
+              <a:solidFill>
+                <a:schemeClr val="accent5">
+                  <a:lumMod val="75000"/>
+                </a:schemeClr>
+              </a:solidFill>
+            </a:endParaRPr>
+          </a:p>
+          <a:p>
+            <a:pPr algn="ctr" rtl="1"/>
+            <a:r>
+              <a:rPr lang="he-IL" sz="2400" b="1" dirty="0">
+                <a:ln>
+                  <a:solidFill>
+                    <a:schemeClr val="tx1">
+                      <a:lumMod val="65000"/>
+                      <a:lumOff val="35000"/>
+                    </a:schemeClr>
+                  </a:solidFill>
+                </a:ln>
+                <a:solidFill>
+                  <a:schemeClr val="accent5">
+                    <a:lumMod val="75000"/>
+                  </a:schemeClr>
+                </a:solidFill>
+              </a:rPr>
+              <a:t>בניין שרת, חדר 118, אוניברסיטת תל אביב</a:t>
+            </a:r>
+          </a:p>
+          <a:p>
+            <a:pPr algn="ctr" rtl="1"/>
+            <a:r>
+              <a:rPr lang="he-IL" sz="2400" b="1" dirty="0">
+                <a:ln>
+                  <a:solidFill>
+                    <a:schemeClr val="tx1">
+                      <a:lumMod val="65000"/>
+                      <a:lumOff val="35000"/>
+                    </a:schemeClr>
+                  </a:solidFill>
+                </a:ln>
+                <a:solidFill>
+                  <a:schemeClr val="accent5">
+                    <a:lumMod val="75000"/>
+                  </a:schemeClr>
+                </a:solidFill>
+              </a:rPr>
+              <a:t>הניסוי נערך ב-2 ימים עוקבים, היום הראשון נמשך 30 דקות והשני 90 דקות</a:t>
+            </a:r>
+            <a:endParaRPr lang="en-US" sz="2400" b="1" dirty="0">
+              <a:ln>
+                <a:solidFill>
+                  <a:schemeClr val="tx1">
+                    <a:lumMod val="65000"/>
+                    <a:lumOff val="35000"/>
+                  </a:schemeClr>
+                </a:solidFill>
+              </a:ln>
+              <a:solidFill>
+                <a:schemeClr val="accent5">
+                  <a:lumMod val="75000"/>
+                </a:schemeClr>
+              </a:solidFill>
+            </a:endParaRPr>
+          </a:p>
+          <a:p>
+            <a:pPr algn="ctr" rtl="1"/>
+            <a:r>
+              <a:rPr lang="he-IL" sz="2400" b="1" dirty="0">
+                <a:ln>
+                  <a:solidFill>
+                    <a:schemeClr val="tx1">
+                      <a:lumMod val="65000"/>
+                      <a:lumOff val="35000"/>
+                    </a:schemeClr>
+                  </a:solidFill>
+                </a:ln>
+                <a:solidFill>
+                  <a:schemeClr val="accent5">
+                    <a:lumMod val="75000"/>
+                  </a:schemeClr>
+                </a:solidFill>
+              </a:rPr>
+              <a:t>לפרטים: </a:t>
+            </a:r>
+            <a:r>
+              <a:rPr lang="en-US" sz="2400" b="1" u="sng" dirty="0">
+                <a:ln>
+                  <a:solidFill>
+                    <a:schemeClr val="tx1">
+                      <a:lumMod val="65000"/>
+                      <a:lumOff val="35000"/>
+                    </a:schemeClr>
+                  </a:solidFill>
+                </a:ln>
+                <a:solidFill>
+                  <a:schemeClr val="accent5">
+                    <a:lumMod val="75000"/>
+                  </a:schemeClr>
+                </a:solidFill>
+              </a:rPr>
+              <a:t>khenheller@mail.tau.ac.il</a:t>
+            </a:r>
+            <a:endParaRPr lang="he-IL" sz="2400" b="1" u="sng" dirty="0">
+              <a:ln>
+                <a:solidFill>
+                  <a:schemeClr val="tx1">
+                    <a:lumMod val="65000"/>
+                    <a:lumOff val="35000"/>
+                  </a:schemeClr>
+                </a:solidFill>
+              </a:ln>
+              <a:solidFill>
+                <a:schemeClr val="accent5">
+                  <a:lumMod val="75000"/>
+                </a:schemeClr>
+              </a:solidFill>
+            </a:endParaRPr>
+          </a:p>
+        </p:txBody>
+      </p:sp>
+      <p:sp>
+        <p:nvSpPr>
+          <p:cNvPr id="10" name="Rectangle 9">
+            <a:extLst>
+              <a:ext uri="{FF2B5EF4-FFF2-40B4-BE49-F238E27FC236}">
+                <a16:creationId xmlns:a16="http://schemas.microsoft.com/office/drawing/2014/main" id="{A8714759-5C3C-479D-B957-02304E4D0F50}"/>
+              </a:ext>
+            </a:extLst>
+          </p:cNvPr>
+          <p:cNvSpPr/>
+          <p:nvPr/>
+        </p:nvSpPr>
+        <p:spPr>
+          <a:xfrm>
+            <a:off x="3672324" y="938461"/>
+            <a:ext cx="4886274" cy="769441"/>
+          </a:xfrm>
+          <a:prstGeom prst="rect">
+            <a:avLst/>
+          </a:prstGeom>
+          <a:noFill/>
+        </p:spPr>
+        <p:txBody>
+          <a:bodyPr wrap="none" lIns="91440" tIns="45720" rIns="91440" bIns="45720">
+            <a:spAutoFit/>
+            <a:scene3d>
+              <a:camera prst="perspectiveFront"/>
+              <a:lightRig rig="harsh" dir="t"/>
+            </a:scene3d>
+            <a:sp3d extrusionH="57150" prstMaterial="matte">
+              <a:bevelT w="63500" h="12700" prst="slope"/>
+              <a:contourClr>
+                <a:schemeClr val="bg1">
+                  <a:lumMod val="65000"/>
+                </a:schemeClr>
+              </a:contourClr>
+            </a:sp3d>
+          </a:bodyPr>
+          <a:lstStyle/>
+          <a:p>
+            <a:pPr algn="ctr" rtl="1"/>
+            <a:r>
+              <a:rPr lang="he-IL" sz="4400" b="1" dirty="0">
+                <a:ln/>
+                <a:solidFill>
+                  <a:srgbClr val="09FF32"/>
+                </a:solidFill>
+                <a:effectLst>
+                  <a:glow rad="787400">
+                    <a:schemeClr val="bg1">
+                      <a:alpha val="40000"/>
+                    </a:schemeClr>
+                  </a:glow>
+                </a:effectLst>
+              </a:rPr>
+              <a:t>120 </a:t>
+            </a:r>
+            <a:r>
+              <a:rPr lang="he-IL" sz="4400" b="1" cap="none" spc="0" dirty="0">
+                <a:ln/>
+                <a:solidFill>
+                  <a:srgbClr val="09FF32"/>
+                </a:solidFill>
+                <a:effectLst>
+                  <a:glow rad="787400">
+                    <a:schemeClr val="bg1">
+                      <a:alpha val="40000"/>
+                    </a:schemeClr>
+                  </a:glow>
+                </a:effectLst>
+              </a:rPr>
+              <a:t>דקות, 100 ש"ח</a:t>
+            </a:r>
+            <a:endParaRPr lang="en-US" sz="4400" b="1" cap="none" spc="0" dirty="0">
+              <a:ln/>
+              <a:solidFill>
+                <a:srgbClr val="09FF32"/>
+              </a:solidFill>
+              <a:effectLst>
+                <a:glow rad="787400">
+                  <a:schemeClr val="bg1">
+                    <a:alpha val="40000"/>
+                  </a:schemeClr>
+                </a:glow>
+              </a:effectLst>
+            </a:endParaRPr>
+          </a:p>
+        </p:txBody>
+      </p:sp>
+    </p:spTree>
+    <p:extLst>
+      <p:ext uri="{BB962C8B-B14F-4D97-AF65-F5344CB8AC3E}">
+        <p14:creationId xmlns:p14="http://schemas.microsoft.com/office/powerpoint/2010/main" val="3908578938"/>
+      </p:ext>
+    </p:extLst>
+  </p:cSld>
+  <p:clrMapOvr>
+    <a:masterClrMapping/>
+  </p:clrMapOvr>
+</p:sld>
+</file>
+
 <file path=ppt/theme/theme1.xml><?xml version="1.0" encoding="utf-8"?>
 <a:theme xmlns:a="http://schemas.openxmlformats.org/drawingml/2006/main" name="Office Theme">
   <a:themeElements>

--- a/experiment/subject_recruitment/מודעות גיוס.pptx
+++ b/experiment/subject_recruitment/מודעות גיוס.pptx
@@ -8,6 +8,7 @@
     <p:sldId id="256" r:id="rId2"/>
     <p:sldId id="257" r:id="rId3"/>
     <p:sldId id="258" r:id="rId4"/>
+    <p:sldId id="259" r:id="rId5"/>
   </p:sldIdLst>
   <p:sldSz cx="12192000" cy="6858000"/>
   <p:notesSz cx="6858000" cy="9144000"/>
@@ -263,7 +264,7 @@
           <a:p>
             <a:fld id="{351EEA5B-5A71-4DF3-A5C7-778567C98FB4}" type="datetimeFigureOut">
               <a:rPr lang="he-IL" smtClean="0"/>
-              <a:t>כ'/תשרי/תשפ"ב</a:t>
+              <a:t>כ"ט/תשרי/תשפ"ב</a:t>
             </a:fld>
             <a:endParaRPr lang="he-IL"/>
           </a:p>
@@ -463,7 +464,7 @@
           <a:p>
             <a:fld id="{351EEA5B-5A71-4DF3-A5C7-778567C98FB4}" type="datetimeFigureOut">
               <a:rPr lang="he-IL" smtClean="0"/>
-              <a:t>כ'/תשרי/תשפ"ב</a:t>
+              <a:t>כ"ט/תשרי/תשפ"ב</a:t>
             </a:fld>
             <a:endParaRPr lang="he-IL"/>
           </a:p>
@@ -673,7 +674,7 @@
           <a:p>
             <a:fld id="{351EEA5B-5A71-4DF3-A5C7-778567C98FB4}" type="datetimeFigureOut">
               <a:rPr lang="he-IL" smtClean="0"/>
-              <a:t>כ'/תשרי/תשפ"ב</a:t>
+              <a:t>כ"ט/תשרי/תשפ"ב</a:t>
             </a:fld>
             <a:endParaRPr lang="he-IL"/>
           </a:p>
@@ -873,7 +874,7 @@
           <a:p>
             <a:fld id="{351EEA5B-5A71-4DF3-A5C7-778567C98FB4}" type="datetimeFigureOut">
               <a:rPr lang="he-IL" smtClean="0"/>
-              <a:t>כ'/תשרי/תשפ"ב</a:t>
+              <a:t>כ"ט/תשרי/תשפ"ב</a:t>
             </a:fld>
             <a:endParaRPr lang="he-IL"/>
           </a:p>
@@ -1149,7 +1150,7 @@
           <a:p>
             <a:fld id="{351EEA5B-5A71-4DF3-A5C7-778567C98FB4}" type="datetimeFigureOut">
               <a:rPr lang="he-IL" smtClean="0"/>
-              <a:t>כ'/תשרי/תשפ"ב</a:t>
+              <a:t>כ"ט/תשרי/תשפ"ב</a:t>
             </a:fld>
             <a:endParaRPr lang="he-IL"/>
           </a:p>
@@ -1417,7 +1418,7 @@
           <a:p>
             <a:fld id="{351EEA5B-5A71-4DF3-A5C7-778567C98FB4}" type="datetimeFigureOut">
               <a:rPr lang="he-IL" smtClean="0"/>
-              <a:t>כ'/תשרי/תשפ"ב</a:t>
+              <a:t>כ"ט/תשרי/תשפ"ב</a:t>
             </a:fld>
             <a:endParaRPr lang="he-IL"/>
           </a:p>
@@ -1832,7 +1833,7 @@
           <a:p>
             <a:fld id="{351EEA5B-5A71-4DF3-A5C7-778567C98FB4}" type="datetimeFigureOut">
               <a:rPr lang="he-IL" smtClean="0"/>
-              <a:t>כ'/תשרי/תשפ"ב</a:t>
+              <a:t>כ"ט/תשרי/תשפ"ב</a:t>
             </a:fld>
             <a:endParaRPr lang="he-IL"/>
           </a:p>
@@ -1974,7 +1975,7 @@
           <a:p>
             <a:fld id="{351EEA5B-5A71-4DF3-A5C7-778567C98FB4}" type="datetimeFigureOut">
               <a:rPr lang="he-IL" smtClean="0"/>
-              <a:t>כ'/תשרי/תשפ"ב</a:t>
+              <a:t>כ"ט/תשרי/תשפ"ב</a:t>
             </a:fld>
             <a:endParaRPr lang="he-IL"/>
           </a:p>
@@ -2087,7 +2088,7 @@
           <a:p>
             <a:fld id="{351EEA5B-5A71-4DF3-A5C7-778567C98FB4}" type="datetimeFigureOut">
               <a:rPr lang="he-IL" smtClean="0"/>
-              <a:t>כ'/תשרי/תשפ"ב</a:t>
+              <a:t>כ"ט/תשרי/תשפ"ב</a:t>
             </a:fld>
             <a:endParaRPr lang="he-IL"/>
           </a:p>
@@ -2400,7 +2401,7 @@
           <a:p>
             <a:fld id="{351EEA5B-5A71-4DF3-A5C7-778567C98FB4}" type="datetimeFigureOut">
               <a:rPr lang="he-IL" smtClean="0"/>
-              <a:t>כ'/תשרי/תשפ"ב</a:t>
+              <a:t>כ"ט/תשרי/תשפ"ב</a:t>
             </a:fld>
             <a:endParaRPr lang="he-IL"/>
           </a:p>
@@ -2689,7 +2690,7 @@
           <a:p>
             <a:fld id="{351EEA5B-5A71-4DF3-A5C7-778567C98FB4}" type="datetimeFigureOut">
               <a:rPr lang="he-IL" smtClean="0"/>
-              <a:t>כ'/תשרי/תשפ"ב</a:t>
+              <a:t>כ"ט/תשרי/תשפ"ב</a:t>
             </a:fld>
             <a:endParaRPr lang="he-IL"/>
           </a:p>
@@ -2932,7 +2933,7 @@
           <a:p>
             <a:fld id="{351EEA5B-5A71-4DF3-A5C7-778567C98FB4}" type="datetimeFigureOut">
               <a:rPr lang="he-IL" smtClean="0"/>
-              <a:t>כ'/תשרי/תשפ"ב</a:t>
+              <a:t>כ"ט/תשרי/תשפ"ב</a:t>
             </a:fld>
             <a:endParaRPr lang="he-IL"/>
           </a:p>
@@ -4507,6 +4508,686 @@
 </p:sld>
 </file>
 
+<file path=ppt/slides/slide4.xml><?xml version="1.0" encoding="utf-8"?>
+<p:sld xmlns:a="http://schemas.openxmlformats.org/drawingml/2006/main" xmlns:r="http://schemas.openxmlformats.org/officeDocument/2006/relationships" xmlns:p="http://schemas.openxmlformats.org/presentationml/2006/main">
+  <p:cSld>
+    <p:spTree>
+      <p:nvGrpSpPr>
+        <p:cNvPr id="1" name=""/>
+        <p:cNvGrpSpPr/>
+        <p:nvPr/>
+      </p:nvGrpSpPr>
+      <p:grpSpPr>
+        <a:xfrm>
+          <a:off x="0" y="0"/>
+          <a:ext cx="0" cy="0"/>
+          <a:chOff x="0" y="0"/>
+          <a:chExt cx="0" cy="0"/>
+        </a:xfrm>
+      </p:grpSpPr>
+      <p:pic>
+        <p:nvPicPr>
+          <p:cNvPr id="5" name="Picture 4" descr="A dog looking at a computer&#10;&#10;Description automatically generated with medium confidence">
+            <a:extLst>
+              <a:ext uri="{FF2B5EF4-FFF2-40B4-BE49-F238E27FC236}">
+                <a16:creationId xmlns:a16="http://schemas.microsoft.com/office/drawing/2014/main" id="{787A8A51-6B78-4086-836D-3DE6CB859905}"/>
+              </a:ext>
+            </a:extLst>
+          </p:cNvPr>
+          <p:cNvPicPr>
+            <a:picLocks noChangeAspect="1"/>
+          </p:cNvPicPr>
+          <p:nvPr/>
+        </p:nvPicPr>
+        <p:blipFill>
+          <a:blip r:embed="rId2">
+            <a:alphaModFix amt="70000"/>
+            <a:extLst>
+              <a:ext uri="{28A0092B-C50C-407E-A947-70E740481C1C}">
+                <a14:useLocalDpi xmlns:a14="http://schemas.microsoft.com/office/drawing/2010/main" val="0"/>
+              </a:ext>
+            </a:extLst>
+          </a:blip>
+          <a:stretch>
+            <a:fillRect/>
+          </a:stretch>
+        </p:blipFill>
+        <p:spPr>
+          <a:xfrm>
+            <a:off x="2183728" y="492094"/>
+            <a:ext cx="9163276" cy="5291252"/>
+          </a:xfrm>
+          <a:prstGeom prst="rect">
+            <a:avLst/>
+          </a:prstGeom>
+        </p:spPr>
+      </p:pic>
+      <p:sp>
+        <p:nvSpPr>
+          <p:cNvPr id="7" name="Rectangle 6">
+            <a:extLst>
+              <a:ext uri="{FF2B5EF4-FFF2-40B4-BE49-F238E27FC236}">
+                <a16:creationId xmlns:a16="http://schemas.microsoft.com/office/drawing/2014/main" id="{D2458800-57BC-4893-BE11-DC146BD84648}"/>
+              </a:ext>
+            </a:extLst>
+          </p:cNvPr>
+          <p:cNvSpPr/>
+          <p:nvPr/>
+        </p:nvSpPr>
+        <p:spPr>
+          <a:xfrm>
+            <a:off x="2452225" y="-155648"/>
+            <a:ext cx="7287572" cy="1754326"/>
+          </a:xfrm>
+          <a:prstGeom prst="rect">
+            <a:avLst/>
+          </a:prstGeom>
+          <a:noFill/>
+        </p:spPr>
+        <p:txBody>
+          <a:bodyPr wrap="none" lIns="91440" tIns="45720" rIns="91440" bIns="45720">
+            <a:spAutoFit/>
+          </a:bodyPr>
+          <a:lstStyle/>
+          <a:p>
+            <a:pPr algn="ctr"/>
+            <a:r>
+              <a:rPr lang="he-IL" sz="5400" b="1" cap="none" spc="0" dirty="0">
+                <a:ln w="9525">
+                  <a:solidFill>
+                    <a:schemeClr val="bg1"/>
+                  </a:solidFill>
+                  <a:prstDash val="solid"/>
+                </a:ln>
+                <a:solidFill>
+                  <a:schemeClr val="accent5"/>
+                </a:solidFill>
+                <a:effectLst>
+                  <a:outerShdw blurRad="12700" dist="38100" dir="2700000" algn="tl" rotWithShape="0">
+                    <a:schemeClr val="accent5">
+                      <a:lumMod val="60000"/>
+                      <a:lumOff val="40000"/>
+                    </a:schemeClr>
+                  </a:outerShdw>
+                </a:effectLst>
+              </a:rPr>
+              <a:t>מחפשים משתתפים</a:t>
+            </a:r>
+          </a:p>
+          <a:p>
+            <a:pPr algn="ctr"/>
+            <a:r>
+              <a:rPr lang="he-IL" sz="5400" b="1" dirty="0">
+                <a:ln w="9525">
+                  <a:solidFill>
+                    <a:schemeClr val="bg1"/>
+                  </a:solidFill>
+                  <a:prstDash val="solid"/>
+                </a:ln>
+                <a:solidFill>
+                  <a:schemeClr val="accent5"/>
+                </a:solidFill>
+                <a:effectLst>
+                  <a:outerShdw blurRad="12700" dist="38100" dir="2700000" algn="tl" rotWithShape="0">
+                    <a:schemeClr val="accent5">
+                      <a:lumMod val="60000"/>
+                      <a:lumOff val="40000"/>
+                    </a:schemeClr>
+                  </a:outerShdw>
+                </a:effectLst>
+              </a:rPr>
+              <a:t>ל</a:t>
+            </a:r>
+            <a:r>
+              <a:rPr lang="he-IL" sz="5400" b="1" cap="none" spc="0" dirty="0">
+                <a:ln w="9525">
+                  <a:solidFill>
+                    <a:schemeClr val="bg1"/>
+                  </a:solidFill>
+                  <a:prstDash val="solid"/>
+                </a:ln>
+                <a:solidFill>
+                  <a:schemeClr val="accent5"/>
+                </a:solidFill>
+                <a:effectLst>
+                  <a:outerShdw blurRad="12700" dist="38100" dir="2700000" algn="tl" rotWithShape="0">
+                    <a:schemeClr val="accent5">
+                      <a:lumMod val="60000"/>
+                      <a:lumOff val="40000"/>
+                    </a:schemeClr>
+                  </a:outerShdw>
+                </a:effectLst>
+              </a:rPr>
+              <a:t>ניסוי במעקב אחר תנועה</a:t>
+            </a:r>
+            <a:endParaRPr lang="en-US" sz="5400" b="1" cap="none" spc="0" dirty="0">
+              <a:ln w="9525">
+                <a:solidFill>
+                  <a:schemeClr val="bg1"/>
+                </a:solidFill>
+                <a:prstDash val="solid"/>
+              </a:ln>
+              <a:solidFill>
+                <a:schemeClr val="accent5"/>
+              </a:solidFill>
+              <a:effectLst>
+                <a:outerShdw blurRad="12700" dist="38100" dir="2700000" algn="tl" rotWithShape="0">
+                  <a:schemeClr val="accent5">
+                    <a:lumMod val="60000"/>
+                    <a:lumOff val="40000"/>
+                  </a:schemeClr>
+                </a:outerShdw>
+              </a:effectLst>
+            </a:endParaRPr>
+          </a:p>
+        </p:txBody>
+      </p:sp>
+      <p:sp>
+        <p:nvSpPr>
+          <p:cNvPr id="9" name="TextBox 8">
+            <a:extLst>
+              <a:ext uri="{FF2B5EF4-FFF2-40B4-BE49-F238E27FC236}">
+                <a16:creationId xmlns:a16="http://schemas.microsoft.com/office/drawing/2014/main" id="{1487C03B-BC0F-4484-BF6E-CBFA484A2495}"/>
+              </a:ext>
+            </a:extLst>
+          </p:cNvPr>
+          <p:cNvSpPr txBox="1"/>
+          <p:nvPr/>
+        </p:nvSpPr>
+        <p:spPr>
+          <a:xfrm>
+            <a:off x="-122548" y="5240205"/>
+            <a:ext cx="12851874" cy="1692771"/>
+          </a:xfrm>
+          <a:prstGeom prst="rect">
+            <a:avLst/>
+          </a:prstGeom>
+          <a:noFill/>
+        </p:spPr>
+        <p:txBody>
+          <a:bodyPr wrap="square" rtlCol="1">
+            <a:spAutoFit/>
+          </a:bodyPr>
+          <a:lstStyle/>
+          <a:p>
+            <a:pPr algn="ctr" rtl="1"/>
+            <a:r>
+              <a:rPr lang="he-IL" sz="3200" b="1" dirty="0">
+                <a:ln>
+                  <a:solidFill>
+                    <a:schemeClr val="tx1">
+                      <a:lumMod val="65000"/>
+                      <a:lumOff val="35000"/>
+                    </a:schemeClr>
+                  </a:solidFill>
+                </a:ln>
+                <a:solidFill>
+                  <a:schemeClr val="accent5">
+                    <a:lumMod val="75000"/>
+                  </a:schemeClr>
+                </a:solidFill>
+              </a:rPr>
+              <a:t>מיועד לגילאי 18-35, יד ימין דומיננטית, ללא הפרעות קשב וריכוז</a:t>
+            </a:r>
+            <a:endParaRPr lang="en-US" sz="3200" b="1" dirty="0">
+              <a:ln>
+                <a:solidFill>
+                  <a:schemeClr val="tx1">
+                    <a:lumMod val="65000"/>
+                    <a:lumOff val="35000"/>
+                  </a:schemeClr>
+                </a:solidFill>
+              </a:ln>
+              <a:solidFill>
+                <a:schemeClr val="accent5">
+                  <a:lumMod val="75000"/>
+                </a:schemeClr>
+              </a:solidFill>
+            </a:endParaRPr>
+          </a:p>
+          <a:p>
+            <a:pPr algn="ctr" rtl="1"/>
+            <a:r>
+              <a:rPr lang="he-IL" sz="2400" b="1" dirty="0">
+                <a:ln>
+                  <a:solidFill>
+                    <a:schemeClr val="tx1">
+                      <a:lumMod val="65000"/>
+                      <a:lumOff val="35000"/>
+                    </a:schemeClr>
+                  </a:solidFill>
+                </a:ln>
+                <a:solidFill>
+                  <a:schemeClr val="accent5">
+                    <a:lumMod val="75000"/>
+                  </a:schemeClr>
+                </a:solidFill>
+              </a:rPr>
+              <a:t>בניין שרת, חדר 118, אוניברסיטת תל אביב</a:t>
+            </a:r>
+          </a:p>
+          <a:p>
+            <a:pPr algn="ctr" rtl="1"/>
+            <a:r>
+              <a:rPr lang="he-IL" sz="2400" b="1" dirty="0">
+                <a:ln>
+                  <a:solidFill>
+                    <a:schemeClr val="tx1">
+                      <a:lumMod val="65000"/>
+                      <a:lumOff val="35000"/>
+                    </a:schemeClr>
+                  </a:solidFill>
+                </a:ln>
+                <a:solidFill>
+                  <a:schemeClr val="accent5">
+                    <a:lumMod val="75000"/>
+                  </a:schemeClr>
+                </a:solidFill>
+              </a:rPr>
+              <a:t>הניסוי נערך ב-2 ימים עוקבים, היום הראשון נמשך 30 דקות והשני 90 דקות</a:t>
+            </a:r>
+            <a:endParaRPr lang="en-US" sz="2400" b="1" dirty="0">
+              <a:ln>
+                <a:solidFill>
+                  <a:schemeClr val="tx1">
+                    <a:lumMod val="65000"/>
+                    <a:lumOff val="35000"/>
+                  </a:schemeClr>
+                </a:solidFill>
+              </a:ln>
+              <a:solidFill>
+                <a:schemeClr val="accent5">
+                  <a:lumMod val="75000"/>
+                </a:schemeClr>
+              </a:solidFill>
+            </a:endParaRPr>
+          </a:p>
+          <a:p>
+            <a:pPr algn="ctr" rtl="1"/>
+            <a:r>
+              <a:rPr lang="he-IL" sz="2400" b="1" dirty="0">
+                <a:ln>
+                  <a:solidFill>
+                    <a:schemeClr val="tx1">
+                      <a:lumMod val="65000"/>
+                      <a:lumOff val="35000"/>
+                    </a:schemeClr>
+                  </a:solidFill>
+                </a:ln>
+                <a:solidFill>
+                  <a:schemeClr val="accent5">
+                    <a:lumMod val="75000"/>
+                  </a:schemeClr>
+                </a:solidFill>
+              </a:rPr>
+              <a:t>לפרטים: </a:t>
+            </a:r>
+            <a:r>
+              <a:rPr lang="en-US" sz="2400" b="1" u="sng" dirty="0">
+                <a:ln>
+                  <a:solidFill>
+                    <a:schemeClr val="tx1">
+                      <a:lumMod val="65000"/>
+                      <a:lumOff val="35000"/>
+                    </a:schemeClr>
+                  </a:solidFill>
+                </a:ln>
+                <a:solidFill>
+                  <a:schemeClr val="accent5">
+                    <a:lumMod val="75000"/>
+                  </a:schemeClr>
+                </a:solidFill>
+              </a:rPr>
+              <a:t>khenheller@mail.tau.ac.il</a:t>
+            </a:r>
+            <a:endParaRPr lang="he-IL" sz="2400" b="1" u="sng" dirty="0">
+              <a:ln>
+                <a:solidFill>
+                  <a:schemeClr val="tx1">
+                    <a:lumMod val="65000"/>
+                    <a:lumOff val="35000"/>
+                  </a:schemeClr>
+                </a:solidFill>
+              </a:ln>
+              <a:solidFill>
+                <a:schemeClr val="accent5">
+                  <a:lumMod val="75000"/>
+                </a:schemeClr>
+              </a:solidFill>
+            </a:endParaRPr>
+          </a:p>
+        </p:txBody>
+      </p:sp>
+      <p:sp>
+        <p:nvSpPr>
+          <p:cNvPr id="10" name="Rectangle 9">
+            <a:extLst>
+              <a:ext uri="{FF2B5EF4-FFF2-40B4-BE49-F238E27FC236}">
+                <a16:creationId xmlns:a16="http://schemas.microsoft.com/office/drawing/2014/main" id="{A8714759-5C3C-479D-B957-02304E4D0F50}"/>
+              </a:ext>
+            </a:extLst>
+          </p:cNvPr>
+          <p:cNvSpPr/>
+          <p:nvPr/>
+        </p:nvSpPr>
+        <p:spPr>
+          <a:xfrm>
+            <a:off x="4889003" y="3336197"/>
+            <a:ext cx="2452915" cy="769441"/>
+          </a:xfrm>
+          <a:prstGeom prst="rect">
+            <a:avLst/>
+          </a:prstGeom>
+          <a:noFill/>
+        </p:spPr>
+        <p:txBody>
+          <a:bodyPr wrap="none" lIns="91440" tIns="45720" rIns="91440" bIns="45720">
+            <a:spAutoFit/>
+            <a:scene3d>
+              <a:camera prst="perspectiveFront"/>
+              <a:lightRig rig="harsh" dir="t"/>
+            </a:scene3d>
+            <a:sp3d extrusionH="57150" prstMaterial="matte">
+              <a:bevelT w="63500" h="12700" prst="slope"/>
+              <a:contourClr>
+                <a:schemeClr val="bg1">
+                  <a:lumMod val="65000"/>
+                </a:schemeClr>
+              </a:contourClr>
+            </a:sp3d>
+          </a:bodyPr>
+          <a:lstStyle/>
+          <a:p>
+            <a:pPr algn="ctr" rtl="1"/>
+            <a:r>
+              <a:rPr lang="he-IL" sz="4400" b="1" dirty="0">
+                <a:ln/>
+                <a:solidFill>
+                  <a:srgbClr val="09FF32"/>
+                </a:solidFill>
+                <a:effectLst>
+                  <a:glow rad="1371600">
+                    <a:schemeClr val="bg1">
+                      <a:alpha val="78000"/>
+                    </a:schemeClr>
+                  </a:glow>
+                </a:effectLst>
+              </a:rPr>
+              <a:t>120 </a:t>
+            </a:r>
+            <a:r>
+              <a:rPr lang="he-IL" sz="4400" b="1" cap="none" spc="0" dirty="0">
+                <a:ln/>
+                <a:solidFill>
+                  <a:srgbClr val="09FF32"/>
+                </a:solidFill>
+                <a:effectLst>
+                  <a:glow rad="1371600">
+                    <a:schemeClr val="bg1">
+                      <a:alpha val="78000"/>
+                    </a:schemeClr>
+                  </a:glow>
+                </a:effectLst>
+              </a:rPr>
+              <a:t>דקות</a:t>
+            </a:r>
+          </a:p>
+        </p:txBody>
+      </p:sp>
+      <p:sp>
+        <p:nvSpPr>
+          <p:cNvPr id="12" name="Rectangle 11">
+            <a:extLst>
+              <a:ext uri="{FF2B5EF4-FFF2-40B4-BE49-F238E27FC236}">
+                <a16:creationId xmlns:a16="http://schemas.microsoft.com/office/drawing/2014/main" id="{52E00DE4-D74C-41C6-B61C-987C596DEA10}"/>
+              </a:ext>
+            </a:extLst>
+          </p:cNvPr>
+          <p:cNvSpPr/>
+          <p:nvPr/>
+        </p:nvSpPr>
+        <p:spPr>
+          <a:xfrm>
+            <a:off x="4989478" y="4640130"/>
+            <a:ext cx="2303836" cy="769441"/>
+          </a:xfrm>
+          <a:prstGeom prst="rect">
+            <a:avLst/>
+          </a:prstGeom>
+          <a:noFill/>
+        </p:spPr>
+        <p:txBody>
+          <a:bodyPr wrap="none" lIns="91440" tIns="45720" rIns="91440" bIns="45720">
+            <a:spAutoFit/>
+            <a:scene3d>
+              <a:camera prst="perspectiveFront"/>
+              <a:lightRig rig="harsh" dir="t"/>
+            </a:scene3d>
+            <a:sp3d extrusionH="57150" prstMaterial="matte">
+              <a:bevelT w="63500" h="12700" prst="slope"/>
+              <a:contourClr>
+                <a:schemeClr val="bg1">
+                  <a:lumMod val="65000"/>
+                </a:schemeClr>
+              </a:contourClr>
+            </a:sp3d>
+          </a:bodyPr>
+          <a:lstStyle/>
+          <a:p>
+            <a:pPr algn="ctr" rtl="1"/>
+            <a:r>
+              <a:rPr lang="he-IL" sz="4400" b="1" cap="none" spc="0" dirty="0">
+                <a:ln/>
+                <a:solidFill>
+                  <a:srgbClr val="09FF32"/>
+                </a:solidFill>
+                <a:effectLst>
+                  <a:glow rad="1371600">
+                    <a:schemeClr val="bg1">
+                      <a:alpha val="78000"/>
+                    </a:schemeClr>
+                  </a:glow>
+                </a:effectLst>
+              </a:rPr>
+              <a:t>100 ש"ח</a:t>
+            </a:r>
+            <a:endParaRPr lang="en-US" sz="4400" b="1" cap="none" spc="0" dirty="0">
+              <a:ln/>
+              <a:solidFill>
+                <a:srgbClr val="09FF32"/>
+              </a:solidFill>
+              <a:effectLst>
+                <a:glow rad="1371600">
+                  <a:schemeClr val="bg1">
+                    <a:alpha val="78000"/>
+                  </a:schemeClr>
+                </a:glow>
+              </a:effectLst>
+            </a:endParaRPr>
+          </a:p>
+        </p:txBody>
+      </p:sp>
+      <p:sp>
+        <p:nvSpPr>
+          <p:cNvPr id="11" name="Rectangle 10">
+            <a:extLst>
+              <a:ext uri="{FF2B5EF4-FFF2-40B4-BE49-F238E27FC236}">
+                <a16:creationId xmlns:a16="http://schemas.microsoft.com/office/drawing/2014/main" id="{8E05FD48-5C3C-4E26-BD75-37111E4ADE7E}"/>
+              </a:ext>
+            </a:extLst>
+          </p:cNvPr>
+          <p:cNvSpPr/>
+          <p:nvPr/>
+        </p:nvSpPr>
+        <p:spPr>
+          <a:xfrm>
+            <a:off x="4076952" y="3006571"/>
+            <a:ext cx="4051109" cy="1815882"/>
+          </a:xfrm>
+          <a:prstGeom prst="rect">
+            <a:avLst/>
+          </a:prstGeom>
+          <a:noFill/>
+          <a:effectLst>
+            <a:glow rad="469900">
+              <a:schemeClr val="bg1">
+                <a:alpha val="47000"/>
+              </a:schemeClr>
+            </a:glow>
+          </a:effectLst>
+        </p:spPr>
+        <p:txBody>
+          <a:bodyPr wrap="none" lIns="91440" tIns="45720" rIns="91440" bIns="45720">
+            <a:spAutoFit/>
+          </a:bodyPr>
+          <a:lstStyle/>
+          <a:p>
+            <a:pPr algn="ctr" rtl="1"/>
+            <a:r>
+              <a:rPr lang="he-IL" sz="2800" b="1" dirty="0">
+                <a:ln w="9525">
+                  <a:solidFill>
+                    <a:schemeClr val="bg1"/>
+                  </a:solidFill>
+                  <a:prstDash val="solid"/>
+                </a:ln>
+                <a:solidFill>
+                  <a:schemeClr val="accent5"/>
+                </a:solidFill>
+                <a:effectLst>
+                  <a:outerShdw blurRad="12700" dist="38100" dir="2700000" algn="tl" rotWithShape="0">
+                    <a:schemeClr val="accent5">
+                      <a:lumMod val="60000"/>
+                      <a:lumOff val="40000"/>
+                    </a:schemeClr>
+                  </a:outerShdw>
+                </a:effectLst>
+              </a:rPr>
+              <a:t>המטלה הממוחשבת עורכת</a:t>
+            </a:r>
+            <a:endParaRPr lang="en-US" sz="2800" b="1" dirty="0">
+              <a:ln w="9525">
+                <a:solidFill>
+                  <a:schemeClr val="bg1"/>
+                </a:solidFill>
+                <a:prstDash val="solid"/>
+              </a:ln>
+              <a:solidFill>
+                <a:schemeClr val="accent5"/>
+              </a:solidFill>
+              <a:effectLst>
+                <a:outerShdw blurRad="12700" dist="38100" dir="2700000" algn="tl" rotWithShape="0">
+                  <a:schemeClr val="accent5">
+                    <a:lumMod val="60000"/>
+                    <a:lumOff val="40000"/>
+                  </a:schemeClr>
+                </a:outerShdw>
+              </a:effectLst>
+            </a:endParaRPr>
+          </a:p>
+          <a:p>
+            <a:pPr algn="ctr" rtl="1"/>
+            <a:endParaRPr lang="he-IL" sz="2800" b="1" cap="none" spc="0" dirty="0">
+              <a:ln w="9525">
+                <a:solidFill>
+                  <a:schemeClr val="bg1"/>
+                </a:solidFill>
+                <a:prstDash val="solid"/>
+              </a:ln>
+              <a:solidFill>
+                <a:schemeClr val="accent5"/>
+              </a:solidFill>
+              <a:effectLst>
+                <a:outerShdw blurRad="12700" dist="38100" dir="2700000" algn="tl" rotWithShape="0">
+                  <a:schemeClr val="accent5">
+                    <a:lumMod val="60000"/>
+                    <a:lumOff val="40000"/>
+                  </a:schemeClr>
+                </a:outerShdw>
+              </a:effectLst>
+            </a:endParaRPr>
+          </a:p>
+          <a:p>
+            <a:pPr algn="ctr" rtl="1"/>
+            <a:endParaRPr lang="en-US" sz="2800" b="1" cap="none" spc="0" dirty="0">
+              <a:ln w="9525">
+                <a:solidFill>
+                  <a:schemeClr val="bg1"/>
+                </a:solidFill>
+                <a:prstDash val="solid"/>
+              </a:ln>
+              <a:solidFill>
+                <a:schemeClr val="accent5"/>
+              </a:solidFill>
+              <a:effectLst>
+                <a:outerShdw blurRad="12700" dist="38100" dir="2700000" algn="tl" rotWithShape="0">
+                  <a:schemeClr val="accent5">
+                    <a:lumMod val="60000"/>
+                    <a:lumOff val="40000"/>
+                  </a:schemeClr>
+                </a:outerShdw>
+              </a:effectLst>
+            </a:endParaRPr>
+          </a:p>
+          <a:p>
+            <a:pPr algn="ctr" rtl="1"/>
+            <a:r>
+              <a:rPr lang="he-IL" sz="2800" b="1" dirty="0">
+                <a:ln w="9525">
+                  <a:solidFill>
+                    <a:schemeClr val="bg1"/>
+                  </a:solidFill>
+                  <a:prstDash val="solid"/>
+                </a:ln>
+                <a:solidFill>
+                  <a:schemeClr val="accent5"/>
+                </a:solidFill>
+                <a:effectLst>
+                  <a:outerShdw blurRad="12700" dist="38100" dir="2700000" algn="tl" rotWithShape="0">
+                    <a:schemeClr val="accent5">
+                      <a:lumMod val="60000"/>
+                      <a:lumOff val="40000"/>
+                    </a:schemeClr>
+                  </a:outerShdw>
+                </a:effectLst>
+              </a:rPr>
+              <a:t>עבורה תקבלו</a:t>
+            </a:r>
+            <a:endParaRPr lang="en-US" sz="2800" b="1" cap="none" spc="0" dirty="0">
+              <a:ln w="9525">
+                <a:solidFill>
+                  <a:schemeClr val="bg1"/>
+                </a:solidFill>
+                <a:prstDash val="solid"/>
+              </a:ln>
+              <a:solidFill>
+                <a:schemeClr val="accent5"/>
+              </a:solidFill>
+              <a:effectLst>
+                <a:outerShdw blurRad="12700" dist="38100" dir="2700000" algn="tl" rotWithShape="0">
+                  <a:schemeClr val="accent5">
+                    <a:lumMod val="60000"/>
+                    <a:lumOff val="40000"/>
+                  </a:schemeClr>
+                </a:outerShdw>
+              </a:effectLst>
+            </a:endParaRPr>
+          </a:p>
+        </p:txBody>
+      </p:sp>
+    </p:spTree>
+    <p:extLst>
+      <p:ext uri="{BB962C8B-B14F-4D97-AF65-F5344CB8AC3E}">
+        <p14:creationId xmlns:p14="http://schemas.microsoft.com/office/powerpoint/2010/main" val="263530768"/>
+      </p:ext>
+    </p:extLst>
+  </p:cSld>
+  <p:clrMapOvr>
+    <a:masterClrMapping/>
+  </p:clrMapOvr>
+</p:sld>
+</file>
+
 <file path=ppt/theme/theme1.xml><?xml version="1.0" encoding="utf-8"?>
 <a:theme xmlns:a="http://schemas.openxmlformats.org/drawingml/2006/main" name="Office Theme">
   <a:themeElements>

--- a/experiment/subject_recruitment/מודעות גיוס.pptx
+++ b/experiment/subject_recruitment/מודעות גיוס.pptx
@@ -6,9 +6,10 @@
   </p:sldMasterIdLst>
   <p:sldIdLst>
     <p:sldId id="256" r:id="rId2"/>
-    <p:sldId id="257" r:id="rId3"/>
-    <p:sldId id="258" r:id="rId4"/>
-    <p:sldId id="259" r:id="rId5"/>
+    <p:sldId id="260" r:id="rId3"/>
+    <p:sldId id="257" r:id="rId4"/>
+    <p:sldId id="258" r:id="rId5"/>
+    <p:sldId id="259" r:id="rId6"/>
   </p:sldIdLst>
   <p:sldSz cx="12192000" cy="6858000"/>
   <p:notesSz cx="6858000" cy="9144000"/>
@@ -264,7 +265,7 @@
           <a:p>
             <a:fld id="{351EEA5B-5A71-4DF3-A5C7-778567C98FB4}" type="datetimeFigureOut">
               <a:rPr lang="he-IL" smtClean="0"/>
-              <a:t>כ"ט/תשרי/תשפ"ב</a:t>
+              <a:t>י"ח/אייר/תשפ"ב</a:t>
             </a:fld>
             <a:endParaRPr lang="he-IL"/>
           </a:p>
@@ -464,7 +465,7 @@
           <a:p>
             <a:fld id="{351EEA5B-5A71-4DF3-A5C7-778567C98FB4}" type="datetimeFigureOut">
               <a:rPr lang="he-IL" smtClean="0"/>
-              <a:t>כ"ט/תשרי/תשפ"ב</a:t>
+              <a:t>י"ח/אייר/תשפ"ב</a:t>
             </a:fld>
             <a:endParaRPr lang="he-IL"/>
           </a:p>
@@ -674,7 +675,7 @@
           <a:p>
             <a:fld id="{351EEA5B-5A71-4DF3-A5C7-778567C98FB4}" type="datetimeFigureOut">
               <a:rPr lang="he-IL" smtClean="0"/>
-              <a:t>כ"ט/תשרי/תשפ"ב</a:t>
+              <a:t>י"ח/אייר/תשפ"ב</a:t>
             </a:fld>
             <a:endParaRPr lang="he-IL"/>
           </a:p>
@@ -874,7 +875,7 @@
           <a:p>
             <a:fld id="{351EEA5B-5A71-4DF3-A5C7-778567C98FB4}" type="datetimeFigureOut">
               <a:rPr lang="he-IL" smtClean="0"/>
-              <a:t>כ"ט/תשרי/תשפ"ב</a:t>
+              <a:t>י"ח/אייר/תשפ"ב</a:t>
             </a:fld>
             <a:endParaRPr lang="he-IL"/>
           </a:p>
@@ -1150,7 +1151,7 @@
           <a:p>
             <a:fld id="{351EEA5B-5A71-4DF3-A5C7-778567C98FB4}" type="datetimeFigureOut">
               <a:rPr lang="he-IL" smtClean="0"/>
-              <a:t>כ"ט/תשרי/תשפ"ב</a:t>
+              <a:t>י"ח/אייר/תשפ"ב</a:t>
             </a:fld>
             <a:endParaRPr lang="he-IL"/>
           </a:p>
@@ -1418,7 +1419,7 @@
           <a:p>
             <a:fld id="{351EEA5B-5A71-4DF3-A5C7-778567C98FB4}" type="datetimeFigureOut">
               <a:rPr lang="he-IL" smtClean="0"/>
-              <a:t>כ"ט/תשרי/תשפ"ב</a:t>
+              <a:t>י"ח/אייר/תשפ"ב</a:t>
             </a:fld>
             <a:endParaRPr lang="he-IL"/>
           </a:p>
@@ -1833,7 +1834,7 @@
           <a:p>
             <a:fld id="{351EEA5B-5A71-4DF3-A5C7-778567C98FB4}" type="datetimeFigureOut">
               <a:rPr lang="he-IL" smtClean="0"/>
-              <a:t>כ"ט/תשרי/תשפ"ב</a:t>
+              <a:t>י"ח/אייר/תשפ"ב</a:t>
             </a:fld>
             <a:endParaRPr lang="he-IL"/>
           </a:p>
@@ -1975,7 +1976,7 @@
           <a:p>
             <a:fld id="{351EEA5B-5A71-4DF3-A5C7-778567C98FB4}" type="datetimeFigureOut">
               <a:rPr lang="he-IL" smtClean="0"/>
-              <a:t>כ"ט/תשרי/תשפ"ב</a:t>
+              <a:t>י"ח/אייר/תשפ"ב</a:t>
             </a:fld>
             <a:endParaRPr lang="he-IL"/>
           </a:p>
@@ -2088,7 +2089,7 @@
           <a:p>
             <a:fld id="{351EEA5B-5A71-4DF3-A5C7-778567C98FB4}" type="datetimeFigureOut">
               <a:rPr lang="he-IL" smtClean="0"/>
-              <a:t>כ"ט/תשרי/תשפ"ב</a:t>
+              <a:t>י"ח/אייר/תשפ"ב</a:t>
             </a:fld>
             <a:endParaRPr lang="he-IL"/>
           </a:p>
@@ -2401,7 +2402,7 @@
           <a:p>
             <a:fld id="{351EEA5B-5A71-4DF3-A5C7-778567C98FB4}" type="datetimeFigureOut">
               <a:rPr lang="he-IL" smtClean="0"/>
-              <a:t>כ"ט/תשרי/תשפ"ב</a:t>
+              <a:t>י"ח/אייר/תשפ"ב</a:t>
             </a:fld>
             <a:endParaRPr lang="he-IL"/>
           </a:p>
@@ -2690,7 +2691,7 @@
           <a:p>
             <a:fld id="{351EEA5B-5A71-4DF3-A5C7-778567C98FB4}" type="datetimeFigureOut">
               <a:rPr lang="he-IL" smtClean="0"/>
-              <a:t>כ"ט/תשרי/תשפ"ב</a:t>
+              <a:t>י"ח/אייר/תשפ"ב</a:t>
             </a:fld>
             <a:endParaRPr lang="he-IL"/>
           </a:p>
@@ -2933,7 +2934,7 @@
           <a:p>
             <a:fld id="{351EEA5B-5A71-4DF3-A5C7-778567C98FB4}" type="datetimeFigureOut">
               <a:rPr lang="he-IL" smtClean="0"/>
-              <a:t>כ"ט/תשרי/תשפ"ב</a:t>
+              <a:t>י"ח/אייר/תשפ"ב</a:t>
             </a:fld>
             <a:endParaRPr lang="he-IL"/>
           </a:p>
@@ -3840,8 +3841,8 @@
         </p:nvSpPr>
         <p:spPr>
           <a:xfrm>
-            <a:off x="-122548" y="5240205"/>
-            <a:ext cx="12851874" cy="1692771"/>
+            <a:off x="-122548" y="5353329"/>
+            <a:ext cx="12851874" cy="1323439"/>
           </a:xfrm>
           <a:prstGeom prst="rect">
             <a:avLst/>
@@ -3854,7 +3855,7 @@
           </a:bodyPr>
           <a:lstStyle/>
           <a:p>
-            <a:pPr algn="ctr" rtl="1"/>
+            <a:pPr algn="ctr"/>
             <a:r>
               <a:rPr lang="he-IL" sz="3200" b="1" dirty="0">
                 <a:ln>
@@ -3890,7 +3891,7 @@
             </a:endParaRPr>
           </a:p>
           <a:p>
-            <a:pPr algn="ctr" rtl="1"/>
+            <a:pPr algn="ctr"/>
             <a:r>
               <a:rPr lang="he-IL" sz="2400" b="1" dirty="0">
                 <a:ln>
@@ -3909,6 +3910,21 @@
               </a:rPr>
               <a:t>בניין שרת, חדר 118, אוניברסיטת תל אביב</a:t>
             </a:r>
+            <a:endParaRPr lang="en-US" sz="2400" b="1" dirty="0">
+              <a:ln>
+                <a:solidFill>
+                  <a:schemeClr val="tx1">
+                    <a:lumMod val="65000"/>
+                    <a:lumOff val="35000"/>
+                  </a:schemeClr>
+                </a:solidFill>
+              </a:ln>
+              <a:solidFill>
+                <a:schemeClr val="accent5">
+                  <a:lumMod val="75000"/>
+                </a:schemeClr>
+              </a:solidFill>
+            </a:endParaRPr>
           </a:p>
           <a:p>
             <a:pPr algn="ctr" rtl="1"/>
@@ -3928,42 +3944,6 @@
                   </a:schemeClr>
                 </a:solidFill>
               </a:rPr>
-              <a:t>הניסוי נערך ב-2 ימים עוקבים, היום הראשון נמשך 30 דקות והשני 90 דקות</a:t>
-            </a:r>
-            <a:endParaRPr lang="en-US" sz="2400" b="1" dirty="0">
-              <a:ln>
-                <a:solidFill>
-                  <a:schemeClr val="tx1">
-                    <a:lumMod val="65000"/>
-                    <a:lumOff val="35000"/>
-                  </a:schemeClr>
-                </a:solidFill>
-              </a:ln>
-              <a:solidFill>
-                <a:schemeClr val="accent5">
-                  <a:lumMod val="75000"/>
-                </a:schemeClr>
-              </a:solidFill>
-            </a:endParaRPr>
-          </a:p>
-          <a:p>
-            <a:pPr algn="ctr" rtl="1"/>
-            <a:r>
-              <a:rPr lang="he-IL" sz="2400" b="1" dirty="0">
-                <a:ln>
-                  <a:solidFill>
-                    <a:schemeClr val="tx1">
-                      <a:lumMod val="65000"/>
-                      <a:lumOff val="35000"/>
-                    </a:schemeClr>
-                  </a:solidFill>
-                </a:ln>
-                <a:solidFill>
-                  <a:schemeClr val="accent5">
-                    <a:lumMod val="75000"/>
-                  </a:schemeClr>
-                </a:solidFill>
-              </a:rPr>
               <a:t>לפרטים: </a:t>
             </a:r>
             <a:r>
@@ -4016,8 +3996,8 @@
         </p:nvSpPr>
         <p:spPr>
           <a:xfrm>
-            <a:off x="3672324" y="938461"/>
-            <a:ext cx="4886274" cy="769441"/>
+            <a:off x="3986512" y="938461"/>
+            <a:ext cx="4257897" cy="769441"/>
           </a:xfrm>
           <a:prstGeom prst="rect">
             <a:avLst/>
@@ -4042,9 +4022,9 @@
           </a:bodyPr>
           <a:lstStyle/>
           <a:p>
-            <a:pPr algn="ctr" rtl="1"/>
-            <a:r>
-              <a:rPr lang="he-IL" sz="4400" b="1" dirty="0">
+            <a:pPr algn="ctr"/>
+            <a:r>
+              <a:rPr lang="he-IL" sz="4400" b="1" cap="none" spc="0" dirty="0">
                 <a:ln/>
                 <a:solidFill>
                   <a:srgbClr val="09FF32"/>
@@ -4057,23 +4037,7 @@
                   </a:glow>
                 </a:effectLst>
               </a:rPr>
-              <a:t>120 </a:t>
-            </a:r>
-            <a:r>
-              <a:rPr lang="he-IL" sz="4400" b="1" cap="none" spc="0" dirty="0">
-                <a:ln/>
-                <a:solidFill>
-                  <a:srgbClr val="09FF32"/>
-                </a:solidFill>
-                <a:effectLst>
-                  <a:glow rad="787400">
-                    <a:schemeClr val="bg1">
-                      <a:alpha val="40000"/>
-                    </a:schemeClr>
-                  </a:glow>
-                </a:effectLst>
-              </a:rPr>
-              <a:t>דקות, 125 ש"ח</a:t>
+              <a:t>90 דקות, 60 ש"ח</a:t>
             </a:r>
             <a:endParaRPr lang="en-US" sz="4400" b="1" cap="none" spc="0" dirty="0">
               <a:ln/>
@@ -4094,7 +4058,7 @@
     </p:spTree>
     <p:extLst>
       <p:ext uri="{BB962C8B-B14F-4D97-AF65-F5344CB8AC3E}">
-        <p14:creationId xmlns:p14="http://schemas.microsoft.com/office/powerpoint/2010/main" val="3502369317"/>
+        <p14:creationId xmlns:p14="http://schemas.microsoft.com/office/powerpoint/2010/main" val="2712086489"/>
       </p:ext>
     </p:extLst>
   </p:cSld>
@@ -4477,6 +4441,410 @@
                   </a:glow>
                 </a:effectLst>
               </a:rPr>
+              <a:t>דקות, 125 ש"ח</a:t>
+            </a:r>
+            <a:endParaRPr lang="en-US" sz="4400" b="1" cap="none" spc="0" dirty="0">
+              <a:ln/>
+              <a:solidFill>
+                <a:srgbClr val="09FF32"/>
+              </a:solidFill>
+              <a:effectLst>
+                <a:glow rad="787400">
+                  <a:schemeClr val="bg1">
+                    <a:alpha val="40000"/>
+                  </a:schemeClr>
+                </a:glow>
+              </a:effectLst>
+            </a:endParaRPr>
+          </a:p>
+        </p:txBody>
+      </p:sp>
+    </p:spTree>
+    <p:extLst>
+      <p:ext uri="{BB962C8B-B14F-4D97-AF65-F5344CB8AC3E}">
+        <p14:creationId xmlns:p14="http://schemas.microsoft.com/office/powerpoint/2010/main" val="3502369317"/>
+      </p:ext>
+    </p:extLst>
+  </p:cSld>
+  <p:clrMapOvr>
+    <a:masterClrMapping/>
+  </p:clrMapOvr>
+</p:sld>
+</file>
+
+<file path=ppt/slides/slide4.xml><?xml version="1.0" encoding="utf-8"?>
+<p:sld xmlns:a="http://schemas.openxmlformats.org/drawingml/2006/main" xmlns:r="http://schemas.openxmlformats.org/officeDocument/2006/relationships" xmlns:p="http://schemas.openxmlformats.org/presentationml/2006/main">
+  <p:cSld>
+    <p:spTree>
+      <p:nvGrpSpPr>
+        <p:cNvPr id="1" name=""/>
+        <p:cNvGrpSpPr/>
+        <p:nvPr/>
+      </p:nvGrpSpPr>
+      <p:grpSpPr>
+        <a:xfrm>
+          <a:off x="0" y="0"/>
+          <a:ext cx="0" cy="0"/>
+          <a:chOff x="0" y="0"/>
+          <a:chExt cx="0" cy="0"/>
+        </a:xfrm>
+      </p:grpSpPr>
+      <p:pic>
+        <p:nvPicPr>
+          <p:cNvPr id="5" name="Picture 4" descr="A dog looking at a computer&#10;&#10;Description automatically generated with medium confidence">
+            <a:extLst>
+              <a:ext uri="{FF2B5EF4-FFF2-40B4-BE49-F238E27FC236}">
+                <a16:creationId xmlns:a16="http://schemas.microsoft.com/office/drawing/2014/main" id="{787A8A51-6B78-4086-836D-3DE6CB859905}"/>
+              </a:ext>
+            </a:extLst>
+          </p:cNvPr>
+          <p:cNvPicPr>
+            <a:picLocks noChangeAspect="1"/>
+          </p:cNvPicPr>
+          <p:nvPr/>
+        </p:nvPicPr>
+        <p:blipFill>
+          <a:blip r:embed="rId2">
+            <a:extLst>
+              <a:ext uri="{28A0092B-C50C-407E-A947-70E740481C1C}">
+                <a14:useLocalDpi xmlns:a14="http://schemas.microsoft.com/office/drawing/2010/main" val="0"/>
+              </a:ext>
+            </a:extLst>
+          </a:blip>
+          <a:stretch>
+            <a:fillRect/>
+          </a:stretch>
+        </p:blipFill>
+        <p:spPr>
+          <a:xfrm>
+            <a:off x="2183728" y="492094"/>
+            <a:ext cx="9163276" cy="5291252"/>
+          </a:xfrm>
+          <a:prstGeom prst="rect">
+            <a:avLst/>
+          </a:prstGeom>
+        </p:spPr>
+      </p:pic>
+      <p:sp>
+        <p:nvSpPr>
+          <p:cNvPr id="7" name="Rectangle 6">
+            <a:extLst>
+              <a:ext uri="{FF2B5EF4-FFF2-40B4-BE49-F238E27FC236}">
+                <a16:creationId xmlns:a16="http://schemas.microsoft.com/office/drawing/2014/main" id="{D2458800-57BC-4893-BE11-DC146BD84648}"/>
+              </a:ext>
+            </a:extLst>
+          </p:cNvPr>
+          <p:cNvSpPr/>
+          <p:nvPr/>
+        </p:nvSpPr>
+        <p:spPr>
+          <a:xfrm>
+            <a:off x="2623741" y="0"/>
+            <a:ext cx="6944529" cy="923330"/>
+          </a:xfrm>
+          <a:prstGeom prst="rect">
+            <a:avLst/>
+          </a:prstGeom>
+          <a:noFill/>
+        </p:spPr>
+        <p:txBody>
+          <a:bodyPr wrap="none" lIns="91440" tIns="45720" rIns="91440" bIns="45720">
+            <a:spAutoFit/>
+          </a:bodyPr>
+          <a:lstStyle/>
+          <a:p>
+            <a:pPr algn="ctr"/>
+            <a:r>
+              <a:rPr lang="he-IL" sz="5400" b="1" cap="none" spc="0" dirty="0">
+                <a:ln w="9525">
+                  <a:solidFill>
+                    <a:schemeClr val="bg1"/>
+                  </a:solidFill>
+                  <a:prstDash val="solid"/>
+                </a:ln>
+                <a:solidFill>
+                  <a:schemeClr val="accent5"/>
+                </a:solidFill>
+                <a:effectLst>
+                  <a:outerShdw blurRad="12700" dist="38100" dir="2700000" algn="tl" rotWithShape="0">
+                    <a:schemeClr val="accent5">
+                      <a:lumMod val="60000"/>
+                      <a:lumOff val="40000"/>
+                    </a:schemeClr>
+                  </a:outerShdw>
+                </a:effectLst>
+              </a:rPr>
+              <a:t>ניסוי במעקב אחר תנועה</a:t>
+            </a:r>
+            <a:endParaRPr lang="en-US" sz="5400" b="1" cap="none" spc="0" dirty="0">
+              <a:ln w="9525">
+                <a:solidFill>
+                  <a:schemeClr val="bg1"/>
+                </a:solidFill>
+                <a:prstDash val="solid"/>
+              </a:ln>
+              <a:solidFill>
+                <a:schemeClr val="accent5"/>
+              </a:solidFill>
+              <a:effectLst>
+                <a:outerShdw blurRad="12700" dist="38100" dir="2700000" algn="tl" rotWithShape="0">
+                  <a:schemeClr val="accent5">
+                    <a:lumMod val="60000"/>
+                    <a:lumOff val="40000"/>
+                  </a:schemeClr>
+                </a:outerShdw>
+              </a:effectLst>
+            </a:endParaRPr>
+          </a:p>
+        </p:txBody>
+      </p:sp>
+      <p:sp>
+        <p:nvSpPr>
+          <p:cNvPr id="9" name="TextBox 8">
+            <a:extLst>
+              <a:ext uri="{FF2B5EF4-FFF2-40B4-BE49-F238E27FC236}">
+                <a16:creationId xmlns:a16="http://schemas.microsoft.com/office/drawing/2014/main" id="{1487C03B-BC0F-4484-BF6E-CBFA484A2495}"/>
+              </a:ext>
+            </a:extLst>
+          </p:cNvPr>
+          <p:cNvSpPr txBox="1"/>
+          <p:nvPr/>
+        </p:nvSpPr>
+        <p:spPr>
+          <a:xfrm>
+            <a:off x="-122548" y="5240205"/>
+            <a:ext cx="12851874" cy="1692771"/>
+          </a:xfrm>
+          <a:prstGeom prst="rect">
+            <a:avLst/>
+          </a:prstGeom>
+          <a:noFill/>
+        </p:spPr>
+        <p:txBody>
+          <a:bodyPr wrap="square" rtlCol="1">
+            <a:spAutoFit/>
+          </a:bodyPr>
+          <a:lstStyle/>
+          <a:p>
+            <a:pPr algn="ctr" rtl="1"/>
+            <a:r>
+              <a:rPr lang="he-IL" sz="3200" b="1" dirty="0">
+                <a:ln>
+                  <a:solidFill>
+                    <a:schemeClr val="tx1">
+                      <a:lumMod val="65000"/>
+                      <a:lumOff val="35000"/>
+                    </a:schemeClr>
+                  </a:solidFill>
+                </a:ln>
+                <a:solidFill>
+                  <a:schemeClr val="accent5">
+                    <a:lumMod val="75000"/>
+                  </a:schemeClr>
+                </a:solidFill>
+              </a:rPr>
+              <a:t>מיועד לגילאי 18-35, יד ימין דומיננטית, ללא הפרעות קשב וריכוז</a:t>
+            </a:r>
+            <a:endParaRPr lang="en-US" sz="3200" b="1" dirty="0">
+              <a:ln>
+                <a:solidFill>
+                  <a:schemeClr val="tx1">
+                    <a:lumMod val="65000"/>
+                    <a:lumOff val="35000"/>
+                  </a:schemeClr>
+                </a:solidFill>
+              </a:ln>
+              <a:solidFill>
+                <a:schemeClr val="accent5">
+                  <a:lumMod val="75000"/>
+                </a:schemeClr>
+              </a:solidFill>
+            </a:endParaRPr>
+          </a:p>
+          <a:p>
+            <a:pPr algn="ctr" rtl="1"/>
+            <a:r>
+              <a:rPr lang="he-IL" sz="2400" b="1" dirty="0">
+                <a:ln>
+                  <a:solidFill>
+                    <a:schemeClr val="tx1">
+                      <a:lumMod val="65000"/>
+                      <a:lumOff val="35000"/>
+                    </a:schemeClr>
+                  </a:solidFill>
+                </a:ln>
+                <a:solidFill>
+                  <a:schemeClr val="accent5">
+                    <a:lumMod val="75000"/>
+                  </a:schemeClr>
+                </a:solidFill>
+              </a:rPr>
+              <a:t>בניין שרת, חדר 118, אוניברסיטת תל אביב</a:t>
+            </a:r>
+          </a:p>
+          <a:p>
+            <a:pPr algn="ctr" rtl="1"/>
+            <a:r>
+              <a:rPr lang="he-IL" sz="2400" b="1" dirty="0">
+                <a:ln>
+                  <a:solidFill>
+                    <a:schemeClr val="tx1">
+                      <a:lumMod val="65000"/>
+                      <a:lumOff val="35000"/>
+                    </a:schemeClr>
+                  </a:solidFill>
+                </a:ln>
+                <a:solidFill>
+                  <a:schemeClr val="accent5">
+                    <a:lumMod val="75000"/>
+                  </a:schemeClr>
+                </a:solidFill>
+              </a:rPr>
+              <a:t>הניסוי נערך ב-2 ימים עוקבים, היום הראשון נמשך 30 דקות והשני 90 דקות</a:t>
+            </a:r>
+            <a:endParaRPr lang="en-US" sz="2400" b="1" dirty="0">
+              <a:ln>
+                <a:solidFill>
+                  <a:schemeClr val="tx1">
+                    <a:lumMod val="65000"/>
+                    <a:lumOff val="35000"/>
+                  </a:schemeClr>
+                </a:solidFill>
+              </a:ln>
+              <a:solidFill>
+                <a:schemeClr val="accent5">
+                  <a:lumMod val="75000"/>
+                </a:schemeClr>
+              </a:solidFill>
+            </a:endParaRPr>
+          </a:p>
+          <a:p>
+            <a:pPr algn="ctr" rtl="1"/>
+            <a:r>
+              <a:rPr lang="he-IL" sz="2400" b="1" dirty="0">
+                <a:ln>
+                  <a:solidFill>
+                    <a:schemeClr val="tx1">
+                      <a:lumMod val="65000"/>
+                      <a:lumOff val="35000"/>
+                    </a:schemeClr>
+                  </a:solidFill>
+                </a:ln>
+                <a:solidFill>
+                  <a:schemeClr val="accent5">
+                    <a:lumMod val="75000"/>
+                  </a:schemeClr>
+                </a:solidFill>
+              </a:rPr>
+              <a:t>לפרטים: </a:t>
+            </a:r>
+            <a:r>
+              <a:rPr lang="en-US" sz="2400" b="1" u="sng" dirty="0">
+                <a:ln>
+                  <a:solidFill>
+                    <a:schemeClr val="tx1">
+                      <a:lumMod val="65000"/>
+                      <a:lumOff val="35000"/>
+                    </a:schemeClr>
+                  </a:solidFill>
+                </a:ln>
+                <a:solidFill>
+                  <a:schemeClr val="accent5">
+                    <a:lumMod val="75000"/>
+                  </a:schemeClr>
+                </a:solidFill>
+              </a:rPr>
+              <a:t>khenheller@mail.tau.ac.il</a:t>
+            </a:r>
+            <a:endParaRPr lang="he-IL" sz="2400" b="1" u="sng" dirty="0">
+              <a:ln>
+                <a:solidFill>
+                  <a:schemeClr val="tx1">
+                    <a:lumMod val="65000"/>
+                    <a:lumOff val="35000"/>
+                  </a:schemeClr>
+                </a:solidFill>
+              </a:ln>
+              <a:solidFill>
+                <a:schemeClr val="accent5">
+                  <a:lumMod val="75000"/>
+                </a:schemeClr>
+              </a:solidFill>
+            </a:endParaRPr>
+          </a:p>
+        </p:txBody>
+      </p:sp>
+      <p:sp>
+        <p:nvSpPr>
+          <p:cNvPr id="10" name="Rectangle 9">
+            <a:extLst>
+              <a:ext uri="{FF2B5EF4-FFF2-40B4-BE49-F238E27FC236}">
+                <a16:creationId xmlns:a16="http://schemas.microsoft.com/office/drawing/2014/main" id="{A8714759-5C3C-479D-B957-02304E4D0F50}"/>
+              </a:ext>
+            </a:extLst>
+          </p:cNvPr>
+          <p:cNvSpPr/>
+          <p:nvPr/>
+        </p:nvSpPr>
+        <p:spPr>
+          <a:xfrm>
+            <a:off x="3672324" y="938461"/>
+            <a:ext cx="4886274" cy="769441"/>
+          </a:xfrm>
+          <a:prstGeom prst="rect">
+            <a:avLst/>
+          </a:prstGeom>
+          <a:noFill/>
+        </p:spPr>
+        <p:txBody>
+          <a:bodyPr wrap="none" lIns="91440" tIns="45720" rIns="91440" bIns="45720">
+            <a:spAutoFit/>
+            <a:scene3d>
+              <a:camera prst="perspectiveFront"/>
+              <a:lightRig rig="harsh" dir="t"/>
+            </a:scene3d>
+            <a:sp3d extrusionH="57150" prstMaterial="matte">
+              <a:bevelT w="63500" h="12700" prst="slope"/>
+              <a:contourClr>
+                <a:schemeClr val="bg1">
+                  <a:lumMod val="65000"/>
+                </a:schemeClr>
+              </a:contourClr>
+            </a:sp3d>
+          </a:bodyPr>
+          <a:lstStyle/>
+          <a:p>
+            <a:pPr algn="ctr" rtl="1"/>
+            <a:r>
+              <a:rPr lang="he-IL" sz="4400" b="1" dirty="0">
+                <a:ln/>
+                <a:solidFill>
+                  <a:srgbClr val="09FF32"/>
+                </a:solidFill>
+                <a:effectLst>
+                  <a:glow rad="787400">
+                    <a:schemeClr val="bg1">
+                      <a:alpha val="40000"/>
+                    </a:schemeClr>
+                  </a:glow>
+                </a:effectLst>
+              </a:rPr>
+              <a:t>120 </a:t>
+            </a:r>
+            <a:r>
+              <a:rPr lang="he-IL" sz="4400" b="1" cap="none" spc="0" dirty="0">
+                <a:ln/>
+                <a:solidFill>
+                  <a:srgbClr val="09FF32"/>
+                </a:solidFill>
+                <a:effectLst>
+                  <a:glow rad="787400">
+                    <a:schemeClr val="bg1">
+                      <a:alpha val="40000"/>
+                    </a:schemeClr>
+                  </a:glow>
+                </a:effectLst>
+              </a:rPr>
               <a:t>דקות, 100 ש"ח</a:t>
             </a:r>
             <a:endParaRPr lang="en-US" sz="4400" b="1" cap="none" spc="0" dirty="0">
@@ -4508,7 +4876,7 @@
 </p:sld>
 </file>
 
-<file path=ppt/slides/slide4.xml><?xml version="1.0" encoding="utf-8"?>
+<file path=ppt/slides/slide5.xml><?xml version="1.0" encoding="utf-8"?>
 <p:sld xmlns:a="http://schemas.openxmlformats.org/drawingml/2006/main" xmlns:r="http://schemas.openxmlformats.org/officeDocument/2006/relationships" xmlns:p="http://schemas.openxmlformats.org/presentationml/2006/main">
   <p:cSld>
     <p:spTree>

--- a/experiment/subject_recruitment/מודעות גיוס.pptx
+++ b/experiment/subject_recruitment/מודעות גיוס.pptx
@@ -6,10 +6,11 @@
   </p:sldMasterIdLst>
   <p:sldIdLst>
     <p:sldId id="256" r:id="rId2"/>
-    <p:sldId id="260" r:id="rId3"/>
-    <p:sldId id="257" r:id="rId4"/>
-    <p:sldId id="258" r:id="rId5"/>
-    <p:sldId id="259" r:id="rId6"/>
+    <p:sldId id="261" r:id="rId3"/>
+    <p:sldId id="260" r:id="rId4"/>
+    <p:sldId id="257" r:id="rId5"/>
+    <p:sldId id="258" r:id="rId6"/>
+    <p:sldId id="259" r:id="rId7"/>
   </p:sldIdLst>
   <p:sldSz cx="12192000" cy="6858000"/>
   <p:notesSz cx="6858000" cy="9144000"/>
@@ -265,7 +266,7 @@
           <a:p>
             <a:fld id="{351EEA5B-5A71-4DF3-A5C7-778567C98FB4}" type="datetimeFigureOut">
               <a:rPr lang="he-IL" smtClean="0"/>
-              <a:t>י"ח/אייר/תשפ"ב</a:t>
+              <a:t>י"ג/סיון/תשפ"ב</a:t>
             </a:fld>
             <a:endParaRPr lang="he-IL"/>
           </a:p>
@@ -465,7 +466,7 @@
           <a:p>
             <a:fld id="{351EEA5B-5A71-4DF3-A5C7-778567C98FB4}" type="datetimeFigureOut">
               <a:rPr lang="he-IL" smtClean="0"/>
-              <a:t>י"ח/אייר/תשפ"ב</a:t>
+              <a:t>י"ג/סיון/תשפ"ב</a:t>
             </a:fld>
             <a:endParaRPr lang="he-IL"/>
           </a:p>
@@ -675,7 +676,7 @@
           <a:p>
             <a:fld id="{351EEA5B-5A71-4DF3-A5C7-778567C98FB4}" type="datetimeFigureOut">
               <a:rPr lang="he-IL" smtClean="0"/>
-              <a:t>י"ח/אייר/תשפ"ב</a:t>
+              <a:t>י"ג/סיון/תשפ"ב</a:t>
             </a:fld>
             <a:endParaRPr lang="he-IL"/>
           </a:p>
@@ -875,7 +876,7 @@
           <a:p>
             <a:fld id="{351EEA5B-5A71-4DF3-A5C7-778567C98FB4}" type="datetimeFigureOut">
               <a:rPr lang="he-IL" smtClean="0"/>
-              <a:t>י"ח/אייר/תשפ"ב</a:t>
+              <a:t>י"ג/סיון/תשפ"ב</a:t>
             </a:fld>
             <a:endParaRPr lang="he-IL"/>
           </a:p>
@@ -1151,7 +1152,7 @@
           <a:p>
             <a:fld id="{351EEA5B-5A71-4DF3-A5C7-778567C98FB4}" type="datetimeFigureOut">
               <a:rPr lang="he-IL" smtClean="0"/>
-              <a:t>י"ח/אייר/תשפ"ב</a:t>
+              <a:t>י"ג/סיון/תשפ"ב</a:t>
             </a:fld>
             <a:endParaRPr lang="he-IL"/>
           </a:p>
@@ -1419,7 +1420,7 @@
           <a:p>
             <a:fld id="{351EEA5B-5A71-4DF3-A5C7-778567C98FB4}" type="datetimeFigureOut">
               <a:rPr lang="he-IL" smtClean="0"/>
-              <a:t>י"ח/אייר/תשפ"ב</a:t>
+              <a:t>י"ג/סיון/תשפ"ב</a:t>
             </a:fld>
             <a:endParaRPr lang="he-IL"/>
           </a:p>
@@ -1834,7 +1835,7 @@
           <a:p>
             <a:fld id="{351EEA5B-5A71-4DF3-A5C7-778567C98FB4}" type="datetimeFigureOut">
               <a:rPr lang="he-IL" smtClean="0"/>
-              <a:t>י"ח/אייר/תשפ"ב</a:t>
+              <a:t>י"ג/סיון/תשפ"ב</a:t>
             </a:fld>
             <a:endParaRPr lang="he-IL"/>
           </a:p>
@@ -1976,7 +1977,7 @@
           <a:p>
             <a:fld id="{351EEA5B-5A71-4DF3-A5C7-778567C98FB4}" type="datetimeFigureOut">
               <a:rPr lang="he-IL" smtClean="0"/>
-              <a:t>י"ח/אייר/תשפ"ב</a:t>
+              <a:t>י"ג/סיון/תשפ"ב</a:t>
             </a:fld>
             <a:endParaRPr lang="he-IL"/>
           </a:p>
@@ -2089,7 +2090,7 @@
           <a:p>
             <a:fld id="{351EEA5B-5A71-4DF3-A5C7-778567C98FB4}" type="datetimeFigureOut">
               <a:rPr lang="he-IL" smtClean="0"/>
-              <a:t>י"ח/אייר/תשפ"ב</a:t>
+              <a:t>י"ג/סיון/תשפ"ב</a:t>
             </a:fld>
             <a:endParaRPr lang="he-IL"/>
           </a:p>
@@ -2402,7 +2403,7 @@
           <a:p>
             <a:fld id="{351EEA5B-5A71-4DF3-A5C7-778567C98FB4}" type="datetimeFigureOut">
               <a:rPr lang="he-IL" smtClean="0"/>
-              <a:t>י"ח/אייר/תשפ"ב</a:t>
+              <a:t>י"ג/סיון/תשפ"ב</a:t>
             </a:fld>
             <a:endParaRPr lang="he-IL"/>
           </a:p>
@@ -2691,7 +2692,7 @@
           <a:p>
             <a:fld id="{351EEA5B-5A71-4DF3-A5C7-778567C98FB4}" type="datetimeFigureOut">
               <a:rPr lang="he-IL" smtClean="0"/>
-              <a:t>י"ח/אייר/תשפ"ב</a:t>
+              <a:t>י"ג/סיון/תשפ"ב</a:t>
             </a:fld>
             <a:endParaRPr lang="he-IL"/>
           </a:p>
@@ -2934,7 +2935,7 @@
           <a:p>
             <a:fld id="{351EEA5B-5A71-4DF3-A5C7-778567C98FB4}" type="datetimeFigureOut">
               <a:rPr lang="he-IL" smtClean="0"/>
-              <a:t>י"ח/אייר/תשפ"ב</a:t>
+              <a:t>י"ג/סיון/תשפ"ב</a:t>
             </a:fld>
             <a:endParaRPr lang="he-IL"/>
           </a:p>
@@ -3768,8 +3769,8 @@
         </p:nvSpPr>
         <p:spPr>
           <a:xfrm>
-            <a:off x="2623741" y="0"/>
-            <a:ext cx="6944529" cy="923330"/>
+            <a:off x="1125753" y="0"/>
+            <a:ext cx="9940542" cy="1661993"/>
           </a:xfrm>
           <a:prstGeom prst="rect">
             <a:avLst/>
@@ -3782,7 +3783,7 @@
           </a:bodyPr>
           <a:lstStyle/>
           <a:p>
-            <a:pPr algn="ctr"/>
+            <a:pPr algn="ctr" rtl="1"/>
             <a:r>
               <a:rPr lang="he-IL" sz="5400" b="1" cap="none" spc="0" dirty="0">
                 <a:ln w="9525">
@@ -3803,9 +3804,34 @@
                   </a:outerShdw>
                 </a:effectLst>
               </a:rPr>
-              <a:t>ניסוי במעקב אחר תנועה</a:t>
-            </a:r>
-            <a:endParaRPr lang="en-US" sz="5400" b="1" cap="none" spc="0" dirty="0">
+              <a:t>דרושים נבדקים לניסוי בסיווג מילים</a:t>
+            </a:r>
+          </a:p>
+          <a:p>
+            <a:pPr algn="ctr" rtl="1"/>
+            <a:r>
+              <a:rPr lang="he-IL" sz="4400" b="1" cap="none" spc="0" dirty="0">
+                <a:ln w="9525">
+                  <a:solidFill>
+                    <a:schemeClr val="bg1"/>
+                  </a:solidFill>
+                  <a:prstDash val="solid"/>
+                </a:ln>
+                <a:solidFill>
+                  <a:schemeClr val="accent5"/>
+                </a:solidFill>
+                <a:effectLst>
+                  <a:outerShdw blurRad="12700" dist="38100" dir="2700000" algn="tl" rotWithShape="0">
+                    <a:schemeClr val="accent5">
+                      <a:lumMod val="60000"/>
+                      <a:lumOff val="40000"/>
+                    </a:schemeClr>
+                  </a:outerShdw>
+                </a:effectLst>
+              </a:rPr>
+              <a:t>קליל ומהנה!</a:t>
+            </a:r>
+            <a:endParaRPr lang="en-US" sz="4400" b="1" cap="none" spc="0" dirty="0">
               <a:ln w="9525">
                 <a:solidFill>
                   <a:schemeClr val="bg1"/>
@@ -3841,8 +3867,8 @@
         </p:nvSpPr>
         <p:spPr>
           <a:xfrm>
-            <a:off x="-122548" y="5353329"/>
-            <a:ext cx="12851874" cy="1323439"/>
+            <a:off x="-122548" y="5165229"/>
+            <a:ext cx="12851874" cy="1692771"/>
           </a:xfrm>
           <a:prstGeom prst="rect">
             <a:avLst/>
@@ -3855,7 +3881,7 @@
           </a:bodyPr>
           <a:lstStyle/>
           <a:p>
-            <a:pPr algn="ctr"/>
+            <a:pPr algn="ctr" rtl="1"/>
             <a:r>
               <a:rPr lang="he-IL" sz="3200" b="1" dirty="0">
                 <a:ln>
@@ -3891,7 +3917,7 @@
             </a:endParaRPr>
           </a:p>
           <a:p>
-            <a:pPr algn="ctr"/>
+            <a:pPr algn="ctr" rtl="1"/>
             <a:r>
               <a:rPr lang="he-IL" sz="2400" b="1" dirty="0">
                 <a:ln>
@@ -3908,23 +3934,8 @@
                   </a:schemeClr>
                 </a:solidFill>
               </a:rPr>
-              <a:t>בניין שרת, חדר 118, אוניברסיטת תל אביב</a:t>
-            </a:r>
-            <a:endParaRPr lang="en-US" sz="2400" b="1" dirty="0">
-              <a:ln>
-                <a:solidFill>
-                  <a:schemeClr val="tx1">
-                    <a:lumMod val="65000"/>
-                    <a:lumOff val="35000"/>
-                  </a:schemeClr>
-                </a:solidFill>
-              </a:ln>
-              <a:solidFill>
-                <a:schemeClr val="accent5">
-                  <a:lumMod val="75000"/>
-                </a:schemeClr>
-              </a:solidFill>
-            </a:endParaRPr>
+              <a:t>בניסוי תסווגו מילים באמצעות מקלדת ובאמצעות מערכת למעקב אחר תנועה!</a:t>
+            </a:r>
           </a:p>
           <a:p>
             <a:pPr algn="ctr" rtl="1"/>
@@ -3944,6 +3955,42 @@
                   </a:schemeClr>
                 </a:solidFill>
               </a:rPr>
+              <a:t>בניין שרת, חדר 118, אוניברסיטת תל אביב</a:t>
+            </a:r>
+            <a:endParaRPr lang="en-US" sz="2400" b="1" dirty="0">
+              <a:ln>
+                <a:solidFill>
+                  <a:schemeClr val="tx1">
+                    <a:lumMod val="65000"/>
+                    <a:lumOff val="35000"/>
+                  </a:schemeClr>
+                </a:solidFill>
+              </a:ln>
+              <a:solidFill>
+                <a:schemeClr val="accent5">
+                  <a:lumMod val="75000"/>
+                </a:schemeClr>
+              </a:solidFill>
+            </a:endParaRPr>
+          </a:p>
+          <a:p>
+            <a:pPr algn="ctr" rtl="1"/>
+            <a:r>
+              <a:rPr lang="he-IL" sz="2400" b="1" dirty="0">
+                <a:ln>
+                  <a:solidFill>
+                    <a:schemeClr val="tx1">
+                      <a:lumMod val="65000"/>
+                      <a:lumOff val="35000"/>
+                    </a:schemeClr>
+                  </a:solidFill>
+                </a:ln>
+                <a:solidFill>
+                  <a:schemeClr val="accent5">
+                    <a:lumMod val="75000"/>
+                  </a:schemeClr>
+                </a:solidFill>
+              </a:rPr>
               <a:t>לפרטים: </a:t>
             </a:r>
             <a:r>
@@ -3996,8 +4043,8 @@
         </p:nvSpPr>
         <p:spPr>
           <a:xfrm>
-            <a:off x="3986512" y="938461"/>
-            <a:ext cx="4257897" cy="769441"/>
+            <a:off x="3659500" y="3862774"/>
+            <a:ext cx="4911922" cy="1015663"/>
           </a:xfrm>
           <a:prstGeom prst="rect">
             <a:avLst/>
@@ -4037,7 +4084,23 @@
                   </a:glow>
                 </a:effectLst>
               </a:rPr>
-              <a:t>90 דקות, 60 ש"ח</a:t>
+              <a:t>90 דקות, </a:t>
+            </a:r>
+            <a:r>
+              <a:rPr lang="he-IL" sz="6000" b="1" cap="none" spc="0" dirty="0">
+                <a:ln/>
+                <a:solidFill>
+                  <a:srgbClr val="09FF32"/>
+                </a:solidFill>
+                <a:effectLst>
+                  <a:glow rad="787400">
+                    <a:schemeClr val="bg1">
+                      <a:alpha val="40000"/>
+                    </a:schemeClr>
+                  </a:glow>
+                </a:effectLst>
+              </a:rPr>
+              <a:t>90 ש"ח</a:t>
             </a:r>
             <a:endParaRPr lang="en-US" sz="4400" b="1" cap="none" spc="0" dirty="0">
               <a:ln/>
@@ -4058,7 +4121,7 @@
     </p:spTree>
     <p:extLst>
       <p:ext uri="{BB962C8B-B14F-4D97-AF65-F5344CB8AC3E}">
-        <p14:creationId xmlns:p14="http://schemas.microsoft.com/office/powerpoint/2010/main" val="2712086489"/>
+        <p14:creationId xmlns:p14="http://schemas.microsoft.com/office/powerpoint/2010/main" val="234112344"/>
       </p:ext>
     </p:extLst>
   </p:cSld>
@@ -4208,8 +4271,8 @@
         </p:nvSpPr>
         <p:spPr>
           <a:xfrm>
-            <a:off x="-122548" y="5240205"/>
-            <a:ext cx="12851874" cy="1692771"/>
+            <a:off x="-122548" y="5353329"/>
+            <a:ext cx="12851874" cy="1323439"/>
           </a:xfrm>
           <a:prstGeom prst="rect">
             <a:avLst/>
@@ -4222,7 +4285,7 @@
           </a:bodyPr>
           <a:lstStyle/>
           <a:p>
-            <a:pPr algn="ctr" rtl="1"/>
+            <a:pPr algn="ctr"/>
             <a:r>
               <a:rPr lang="he-IL" sz="3200" b="1" dirty="0">
                 <a:ln>
@@ -4258,7 +4321,7 @@
             </a:endParaRPr>
           </a:p>
           <a:p>
-            <a:pPr algn="ctr" rtl="1"/>
+            <a:pPr algn="ctr"/>
             <a:r>
               <a:rPr lang="he-IL" sz="2400" b="1" dirty="0">
                 <a:ln>
@@ -4277,6 +4340,21 @@
               </a:rPr>
               <a:t>בניין שרת, חדר 118, אוניברסיטת תל אביב</a:t>
             </a:r>
+            <a:endParaRPr lang="en-US" sz="2400" b="1" dirty="0">
+              <a:ln>
+                <a:solidFill>
+                  <a:schemeClr val="tx1">
+                    <a:lumMod val="65000"/>
+                    <a:lumOff val="35000"/>
+                  </a:schemeClr>
+                </a:solidFill>
+              </a:ln>
+              <a:solidFill>
+                <a:schemeClr val="accent5">
+                  <a:lumMod val="75000"/>
+                </a:schemeClr>
+              </a:solidFill>
+            </a:endParaRPr>
           </a:p>
           <a:p>
             <a:pPr algn="ctr" rtl="1"/>
@@ -4296,42 +4374,6 @@
                   </a:schemeClr>
                 </a:solidFill>
               </a:rPr>
-              <a:t>הניסוי נערך ב-2 ימים עוקבים, היום הראשון נמשך 30 דקות והשני 90 דקות</a:t>
-            </a:r>
-            <a:endParaRPr lang="en-US" sz="2400" b="1" dirty="0">
-              <a:ln>
-                <a:solidFill>
-                  <a:schemeClr val="tx1">
-                    <a:lumMod val="65000"/>
-                    <a:lumOff val="35000"/>
-                  </a:schemeClr>
-                </a:solidFill>
-              </a:ln>
-              <a:solidFill>
-                <a:schemeClr val="accent5">
-                  <a:lumMod val="75000"/>
-                </a:schemeClr>
-              </a:solidFill>
-            </a:endParaRPr>
-          </a:p>
-          <a:p>
-            <a:pPr algn="ctr" rtl="1"/>
-            <a:r>
-              <a:rPr lang="he-IL" sz="2400" b="1" dirty="0">
-                <a:ln>
-                  <a:solidFill>
-                    <a:schemeClr val="tx1">
-                      <a:lumMod val="65000"/>
-                      <a:lumOff val="35000"/>
-                    </a:schemeClr>
-                  </a:solidFill>
-                </a:ln>
-                <a:solidFill>
-                  <a:schemeClr val="accent5">
-                    <a:lumMod val="75000"/>
-                  </a:schemeClr>
-                </a:solidFill>
-              </a:rPr>
               <a:t>לפרטים: </a:t>
             </a:r>
             <a:r>
@@ -4384,8 +4426,8 @@
         </p:nvSpPr>
         <p:spPr>
           <a:xfrm>
-            <a:off x="3672324" y="938461"/>
-            <a:ext cx="4886274" cy="769441"/>
+            <a:off x="3986512" y="938461"/>
+            <a:ext cx="4257897" cy="769441"/>
           </a:xfrm>
           <a:prstGeom prst="rect">
             <a:avLst/>
@@ -4410,9 +4452,9 @@
           </a:bodyPr>
           <a:lstStyle/>
           <a:p>
-            <a:pPr algn="ctr" rtl="1"/>
-            <a:r>
-              <a:rPr lang="he-IL" sz="4400" b="1" dirty="0">
+            <a:pPr algn="ctr"/>
+            <a:r>
+              <a:rPr lang="he-IL" sz="4400" b="1" cap="none" spc="0" dirty="0">
                 <a:ln/>
                 <a:solidFill>
                   <a:srgbClr val="09FF32"/>
@@ -4425,23 +4467,7 @@
                   </a:glow>
                 </a:effectLst>
               </a:rPr>
-              <a:t>120 </a:t>
-            </a:r>
-            <a:r>
-              <a:rPr lang="he-IL" sz="4400" b="1" cap="none" spc="0" dirty="0">
-                <a:ln/>
-                <a:solidFill>
-                  <a:srgbClr val="09FF32"/>
-                </a:solidFill>
-                <a:effectLst>
-                  <a:glow rad="787400">
-                    <a:schemeClr val="bg1">
-                      <a:alpha val="40000"/>
-                    </a:schemeClr>
-                  </a:glow>
-                </a:effectLst>
-              </a:rPr>
-              <a:t>דקות, 125 ש"ח</a:t>
+              <a:t>90 דקות, 60 ש"ח</a:t>
             </a:r>
             <a:endParaRPr lang="en-US" sz="4400" b="1" cap="none" spc="0" dirty="0">
               <a:ln/>
@@ -4462,7 +4488,7 @@
     </p:spTree>
     <p:extLst>
       <p:ext uri="{BB962C8B-B14F-4D97-AF65-F5344CB8AC3E}">
-        <p14:creationId xmlns:p14="http://schemas.microsoft.com/office/powerpoint/2010/main" val="3502369317"/>
+        <p14:creationId xmlns:p14="http://schemas.microsoft.com/office/powerpoint/2010/main" val="2712086489"/>
       </p:ext>
     </p:extLst>
   </p:cSld>
@@ -4845,6 +4871,410 @@
                   </a:glow>
                 </a:effectLst>
               </a:rPr>
+              <a:t>דקות, 125 ש"ח</a:t>
+            </a:r>
+            <a:endParaRPr lang="en-US" sz="4400" b="1" cap="none" spc="0" dirty="0">
+              <a:ln/>
+              <a:solidFill>
+                <a:srgbClr val="09FF32"/>
+              </a:solidFill>
+              <a:effectLst>
+                <a:glow rad="787400">
+                  <a:schemeClr val="bg1">
+                    <a:alpha val="40000"/>
+                  </a:schemeClr>
+                </a:glow>
+              </a:effectLst>
+            </a:endParaRPr>
+          </a:p>
+        </p:txBody>
+      </p:sp>
+    </p:spTree>
+    <p:extLst>
+      <p:ext uri="{BB962C8B-B14F-4D97-AF65-F5344CB8AC3E}">
+        <p14:creationId xmlns:p14="http://schemas.microsoft.com/office/powerpoint/2010/main" val="3502369317"/>
+      </p:ext>
+    </p:extLst>
+  </p:cSld>
+  <p:clrMapOvr>
+    <a:masterClrMapping/>
+  </p:clrMapOvr>
+</p:sld>
+</file>
+
+<file path=ppt/slides/slide5.xml><?xml version="1.0" encoding="utf-8"?>
+<p:sld xmlns:a="http://schemas.openxmlformats.org/drawingml/2006/main" xmlns:r="http://schemas.openxmlformats.org/officeDocument/2006/relationships" xmlns:p="http://schemas.openxmlformats.org/presentationml/2006/main">
+  <p:cSld>
+    <p:spTree>
+      <p:nvGrpSpPr>
+        <p:cNvPr id="1" name=""/>
+        <p:cNvGrpSpPr/>
+        <p:nvPr/>
+      </p:nvGrpSpPr>
+      <p:grpSpPr>
+        <a:xfrm>
+          <a:off x="0" y="0"/>
+          <a:ext cx="0" cy="0"/>
+          <a:chOff x="0" y="0"/>
+          <a:chExt cx="0" cy="0"/>
+        </a:xfrm>
+      </p:grpSpPr>
+      <p:pic>
+        <p:nvPicPr>
+          <p:cNvPr id="5" name="Picture 4" descr="A dog looking at a computer&#10;&#10;Description automatically generated with medium confidence">
+            <a:extLst>
+              <a:ext uri="{FF2B5EF4-FFF2-40B4-BE49-F238E27FC236}">
+                <a16:creationId xmlns:a16="http://schemas.microsoft.com/office/drawing/2014/main" id="{787A8A51-6B78-4086-836D-3DE6CB859905}"/>
+              </a:ext>
+            </a:extLst>
+          </p:cNvPr>
+          <p:cNvPicPr>
+            <a:picLocks noChangeAspect="1"/>
+          </p:cNvPicPr>
+          <p:nvPr/>
+        </p:nvPicPr>
+        <p:blipFill>
+          <a:blip r:embed="rId2">
+            <a:extLst>
+              <a:ext uri="{28A0092B-C50C-407E-A947-70E740481C1C}">
+                <a14:useLocalDpi xmlns:a14="http://schemas.microsoft.com/office/drawing/2010/main" val="0"/>
+              </a:ext>
+            </a:extLst>
+          </a:blip>
+          <a:stretch>
+            <a:fillRect/>
+          </a:stretch>
+        </p:blipFill>
+        <p:spPr>
+          <a:xfrm>
+            <a:off x="2183728" y="492094"/>
+            <a:ext cx="9163276" cy="5291252"/>
+          </a:xfrm>
+          <a:prstGeom prst="rect">
+            <a:avLst/>
+          </a:prstGeom>
+        </p:spPr>
+      </p:pic>
+      <p:sp>
+        <p:nvSpPr>
+          <p:cNvPr id="7" name="Rectangle 6">
+            <a:extLst>
+              <a:ext uri="{FF2B5EF4-FFF2-40B4-BE49-F238E27FC236}">
+                <a16:creationId xmlns:a16="http://schemas.microsoft.com/office/drawing/2014/main" id="{D2458800-57BC-4893-BE11-DC146BD84648}"/>
+              </a:ext>
+            </a:extLst>
+          </p:cNvPr>
+          <p:cNvSpPr/>
+          <p:nvPr/>
+        </p:nvSpPr>
+        <p:spPr>
+          <a:xfrm>
+            <a:off x="2623741" y="0"/>
+            <a:ext cx="6944529" cy="923330"/>
+          </a:xfrm>
+          <a:prstGeom prst="rect">
+            <a:avLst/>
+          </a:prstGeom>
+          <a:noFill/>
+        </p:spPr>
+        <p:txBody>
+          <a:bodyPr wrap="none" lIns="91440" tIns="45720" rIns="91440" bIns="45720">
+            <a:spAutoFit/>
+          </a:bodyPr>
+          <a:lstStyle/>
+          <a:p>
+            <a:pPr algn="ctr"/>
+            <a:r>
+              <a:rPr lang="he-IL" sz="5400" b="1" cap="none" spc="0" dirty="0">
+                <a:ln w="9525">
+                  <a:solidFill>
+                    <a:schemeClr val="bg1"/>
+                  </a:solidFill>
+                  <a:prstDash val="solid"/>
+                </a:ln>
+                <a:solidFill>
+                  <a:schemeClr val="accent5"/>
+                </a:solidFill>
+                <a:effectLst>
+                  <a:outerShdw blurRad="12700" dist="38100" dir="2700000" algn="tl" rotWithShape="0">
+                    <a:schemeClr val="accent5">
+                      <a:lumMod val="60000"/>
+                      <a:lumOff val="40000"/>
+                    </a:schemeClr>
+                  </a:outerShdw>
+                </a:effectLst>
+              </a:rPr>
+              <a:t>ניסוי במעקב אחר תנועה</a:t>
+            </a:r>
+            <a:endParaRPr lang="en-US" sz="5400" b="1" cap="none" spc="0" dirty="0">
+              <a:ln w="9525">
+                <a:solidFill>
+                  <a:schemeClr val="bg1"/>
+                </a:solidFill>
+                <a:prstDash val="solid"/>
+              </a:ln>
+              <a:solidFill>
+                <a:schemeClr val="accent5"/>
+              </a:solidFill>
+              <a:effectLst>
+                <a:outerShdw blurRad="12700" dist="38100" dir="2700000" algn="tl" rotWithShape="0">
+                  <a:schemeClr val="accent5">
+                    <a:lumMod val="60000"/>
+                    <a:lumOff val="40000"/>
+                  </a:schemeClr>
+                </a:outerShdw>
+              </a:effectLst>
+            </a:endParaRPr>
+          </a:p>
+        </p:txBody>
+      </p:sp>
+      <p:sp>
+        <p:nvSpPr>
+          <p:cNvPr id="9" name="TextBox 8">
+            <a:extLst>
+              <a:ext uri="{FF2B5EF4-FFF2-40B4-BE49-F238E27FC236}">
+                <a16:creationId xmlns:a16="http://schemas.microsoft.com/office/drawing/2014/main" id="{1487C03B-BC0F-4484-BF6E-CBFA484A2495}"/>
+              </a:ext>
+            </a:extLst>
+          </p:cNvPr>
+          <p:cNvSpPr txBox="1"/>
+          <p:nvPr/>
+        </p:nvSpPr>
+        <p:spPr>
+          <a:xfrm>
+            <a:off x="-122548" y="5240205"/>
+            <a:ext cx="12851874" cy="1692771"/>
+          </a:xfrm>
+          <a:prstGeom prst="rect">
+            <a:avLst/>
+          </a:prstGeom>
+          <a:noFill/>
+        </p:spPr>
+        <p:txBody>
+          <a:bodyPr wrap="square" rtlCol="1">
+            <a:spAutoFit/>
+          </a:bodyPr>
+          <a:lstStyle/>
+          <a:p>
+            <a:pPr algn="ctr" rtl="1"/>
+            <a:r>
+              <a:rPr lang="he-IL" sz="3200" b="1" dirty="0">
+                <a:ln>
+                  <a:solidFill>
+                    <a:schemeClr val="tx1">
+                      <a:lumMod val="65000"/>
+                      <a:lumOff val="35000"/>
+                    </a:schemeClr>
+                  </a:solidFill>
+                </a:ln>
+                <a:solidFill>
+                  <a:schemeClr val="accent5">
+                    <a:lumMod val="75000"/>
+                  </a:schemeClr>
+                </a:solidFill>
+              </a:rPr>
+              <a:t>מיועד לגילאי 18-35, יד ימין דומיננטית, ללא הפרעות קשב וריכוז</a:t>
+            </a:r>
+            <a:endParaRPr lang="en-US" sz="3200" b="1" dirty="0">
+              <a:ln>
+                <a:solidFill>
+                  <a:schemeClr val="tx1">
+                    <a:lumMod val="65000"/>
+                    <a:lumOff val="35000"/>
+                  </a:schemeClr>
+                </a:solidFill>
+              </a:ln>
+              <a:solidFill>
+                <a:schemeClr val="accent5">
+                  <a:lumMod val="75000"/>
+                </a:schemeClr>
+              </a:solidFill>
+            </a:endParaRPr>
+          </a:p>
+          <a:p>
+            <a:pPr algn="ctr" rtl="1"/>
+            <a:r>
+              <a:rPr lang="he-IL" sz="2400" b="1" dirty="0">
+                <a:ln>
+                  <a:solidFill>
+                    <a:schemeClr val="tx1">
+                      <a:lumMod val="65000"/>
+                      <a:lumOff val="35000"/>
+                    </a:schemeClr>
+                  </a:solidFill>
+                </a:ln>
+                <a:solidFill>
+                  <a:schemeClr val="accent5">
+                    <a:lumMod val="75000"/>
+                  </a:schemeClr>
+                </a:solidFill>
+              </a:rPr>
+              <a:t>בניין שרת, חדר 118, אוניברסיטת תל אביב</a:t>
+            </a:r>
+          </a:p>
+          <a:p>
+            <a:pPr algn="ctr" rtl="1"/>
+            <a:r>
+              <a:rPr lang="he-IL" sz="2400" b="1" dirty="0">
+                <a:ln>
+                  <a:solidFill>
+                    <a:schemeClr val="tx1">
+                      <a:lumMod val="65000"/>
+                      <a:lumOff val="35000"/>
+                    </a:schemeClr>
+                  </a:solidFill>
+                </a:ln>
+                <a:solidFill>
+                  <a:schemeClr val="accent5">
+                    <a:lumMod val="75000"/>
+                  </a:schemeClr>
+                </a:solidFill>
+              </a:rPr>
+              <a:t>הניסוי נערך ב-2 ימים עוקבים, היום הראשון נמשך 30 דקות והשני 90 דקות</a:t>
+            </a:r>
+            <a:endParaRPr lang="en-US" sz="2400" b="1" dirty="0">
+              <a:ln>
+                <a:solidFill>
+                  <a:schemeClr val="tx1">
+                    <a:lumMod val="65000"/>
+                    <a:lumOff val="35000"/>
+                  </a:schemeClr>
+                </a:solidFill>
+              </a:ln>
+              <a:solidFill>
+                <a:schemeClr val="accent5">
+                  <a:lumMod val="75000"/>
+                </a:schemeClr>
+              </a:solidFill>
+            </a:endParaRPr>
+          </a:p>
+          <a:p>
+            <a:pPr algn="ctr" rtl="1"/>
+            <a:r>
+              <a:rPr lang="he-IL" sz="2400" b="1" dirty="0">
+                <a:ln>
+                  <a:solidFill>
+                    <a:schemeClr val="tx1">
+                      <a:lumMod val="65000"/>
+                      <a:lumOff val="35000"/>
+                    </a:schemeClr>
+                  </a:solidFill>
+                </a:ln>
+                <a:solidFill>
+                  <a:schemeClr val="accent5">
+                    <a:lumMod val="75000"/>
+                  </a:schemeClr>
+                </a:solidFill>
+              </a:rPr>
+              <a:t>לפרטים: </a:t>
+            </a:r>
+            <a:r>
+              <a:rPr lang="en-US" sz="2400" b="1" u="sng" dirty="0">
+                <a:ln>
+                  <a:solidFill>
+                    <a:schemeClr val="tx1">
+                      <a:lumMod val="65000"/>
+                      <a:lumOff val="35000"/>
+                    </a:schemeClr>
+                  </a:solidFill>
+                </a:ln>
+                <a:solidFill>
+                  <a:schemeClr val="accent5">
+                    <a:lumMod val="75000"/>
+                  </a:schemeClr>
+                </a:solidFill>
+              </a:rPr>
+              <a:t>khenheller@mail.tau.ac.il</a:t>
+            </a:r>
+            <a:endParaRPr lang="he-IL" sz="2400" b="1" u="sng" dirty="0">
+              <a:ln>
+                <a:solidFill>
+                  <a:schemeClr val="tx1">
+                    <a:lumMod val="65000"/>
+                    <a:lumOff val="35000"/>
+                  </a:schemeClr>
+                </a:solidFill>
+              </a:ln>
+              <a:solidFill>
+                <a:schemeClr val="accent5">
+                  <a:lumMod val="75000"/>
+                </a:schemeClr>
+              </a:solidFill>
+            </a:endParaRPr>
+          </a:p>
+        </p:txBody>
+      </p:sp>
+      <p:sp>
+        <p:nvSpPr>
+          <p:cNvPr id="10" name="Rectangle 9">
+            <a:extLst>
+              <a:ext uri="{FF2B5EF4-FFF2-40B4-BE49-F238E27FC236}">
+                <a16:creationId xmlns:a16="http://schemas.microsoft.com/office/drawing/2014/main" id="{A8714759-5C3C-479D-B957-02304E4D0F50}"/>
+              </a:ext>
+            </a:extLst>
+          </p:cNvPr>
+          <p:cNvSpPr/>
+          <p:nvPr/>
+        </p:nvSpPr>
+        <p:spPr>
+          <a:xfrm>
+            <a:off x="3672324" y="938461"/>
+            <a:ext cx="4886274" cy="769441"/>
+          </a:xfrm>
+          <a:prstGeom prst="rect">
+            <a:avLst/>
+          </a:prstGeom>
+          <a:noFill/>
+        </p:spPr>
+        <p:txBody>
+          <a:bodyPr wrap="none" lIns="91440" tIns="45720" rIns="91440" bIns="45720">
+            <a:spAutoFit/>
+            <a:scene3d>
+              <a:camera prst="perspectiveFront"/>
+              <a:lightRig rig="harsh" dir="t"/>
+            </a:scene3d>
+            <a:sp3d extrusionH="57150" prstMaterial="matte">
+              <a:bevelT w="63500" h="12700" prst="slope"/>
+              <a:contourClr>
+                <a:schemeClr val="bg1">
+                  <a:lumMod val="65000"/>
+                </a:schemeClr>
+              </a:contourClr>
+            </a:sp3d>
+          </a:bodyPr>
+          <a:lstStyle/>
+          <a:p>
+            <a:pPr algn="ctr" rtl="1"/>
+            <a:r>
+              <a:rPr lang="he-IL" sz="4400" b="1" dirty="0">
+                <a:ln/>
+                <a:solidFill>
+                  <a:srgbClr val="09FF32"/>
+                </a:solidFill>
+                <a:effectLst>
+                  <a:glow rad="787400">
+                    <a:schemeClr val="bg1">
+                      <a:alpha val="40000"/>
+                    </a:schemeClr>
+                  </a:glow>
+                </a:effectLst>
+              </a:rPr>
+              <a:t>120 </a:t>
+            </a:r>
+            <a:r>
+              <a:rPr lang="he-IL" sz="4400" b="1" cap="none" spc="0" dirty="0">
+                <a:ln/>
+                <a:solidFill>
+                  <a:srgbClr val="09FF32"/>
+                </a:solidFill>
+                <a:effectLst>
+                  <a:glow rad="787400">
+                    <a:schemeClr val="bg1">
+                      <a:alpha val="40000"/>
+                    </a:schemeClr>
+                  </a:glow>
+                </a:effectLst>
+              </a:rPr>
               <a:t>דקות, 100 ש"ח</a:t>
             </a:r>
             <a:endParaRPr lang="en-US" sz="4400" b="1" cap="none" spc="0" dirty="0">
@@ -4876,7 +5306,7 @@
 </p:sld>
 </file>
 
-<file path=ppt/slides/slide5.xml><?xml version="1.0" encoding="utf-8"?>
+<file path=ppt/slides/slide6.xml><?xml version="1.0" encoding="utf-8"?>
 <p:sld xmlns:a="http://schemas.openxmlformats.org/drawingml/2006/main" xmlns:r="http://schemas.openxmlformats.org/officeDocument/2006/relationships" xmlns:p="http://schemas.openxmlformats.org/presentationml/2006/main">
   <p:cSld>
     <p:spTree>

--- a/experiment/subject_recruitment/מודעות גיוס.pptx
+++ b/experiment/subject_recruitment/מודעות גיוס.pptx
@@ -7,10 +7,11 @@
   <p:sldIdLst>
     <p:sldId id="256" r:id="rId2"/>
     <p:sldId id="261" r:id="rId3"/>
-    <p:sldId id="260" r:id="rId4"/>
-    <p:sldId id="257" r:id="rId5"/>
-    <p:sldId id="258" r:id="rId6"/>
-    <p:sldId id="259" r:id="rId7"/>
+    <p:sldId id="262" r:id="rId4"/>
+    <p:sldId id="260" r:id="rId5"/>
+    <p:sldId id="257" r:id="rId6"/>
+    <p:sldId id="258" r:id="rId7"/>
+    <p:sldId id="259" r:id="rId8"/>
   </p:sldIdLst>
   <p:sldSz cx="12192000" cy="6858000"/>
   <p:notesSz cx="6858000" cy="9144000"/>
@@ -266,7 +267,7 @@
           <a:p>
             <a:fld id="{351EEA5B-5A71-4DF3-A5C7-778567C98FB4}" type="datetimeFigureOut">
               <a:rPr lang="he-IL" smtClean="0"/>
-              <a:t>י"ג/סיון/תשפ"ב</a:t>
+              <a:t>כ'/תמוז/תשפ"ב</a:t>
             </a:fld>
             <a:endParaRPr lang="he-IL"/>
           </a:p>
@@ -466,7 +467,7 @@
           <a:p>
             <a:fld id="{351EEA5B-5A71-4DF3-A5C7-778567C98FB4}" type="datetimeFigureOut">
               <a:rPr lang="he-IL" smtClean="0"/>
-              <a:t>י"ג/סיון/תשפ"ב</a:t>
+              <a:t>כ'/תמוז/תשפ"ב</a:t>
             </a:fld>
             <a:endParaRPr lang="he-IL"/>
           </a:p>
@@ -676,7 +677,7 @@
           <a:p>
             <a:fld id="{351EEA5B-5A71-4DF3-A5C7-778567C98FB4}" type="datetimeFigureOut">
               <a:rPr lang="he-IL" smtClean="0"/>
-              <a:t>י"ג/סיון/תשפ"ב</a:t>
+              <a:t>כ'/תמוז/תשפ"ב</a:t>
             </a:fld>
             <a:endParaRPr lang="he-IL"/>
           </a:p>
@@ -876,7 +877,7 @@
           <a:p>
             <a:fld id="{351EEA5B-5A71-4DF3-A5C7-778567C98FB4}" type="datetimeFigureOut">
               <a:rPr lang="he-IL" smtClean="0"/>
-              <a:t>י"ג/סיון/תשפ"ב</a:t>
+              <a:t>כ'/תמוז/תשפ"ב</a:t>
             </a:fld>
             <a:endParaRPr lang="he-IL"/>
           </a:p>
@@ -1152,7 +1153,7 @@
           <a:p>
             <a:fld id="{351EEA5B-5A71-4DF3-A5C7-778567C98FB4}" type="datetimeFigureOut">
               <a:rPr lang="he-IL" smtClean="0"/>
-              <a:t>י"ג/סיון/תשפ"ב</a:t>
+              <a:t>כ'/תמוז/תשפ"ב</a:t>
             </a:fld>
             <a:endParaRPr lang="he-IL"/>
           </a:p>
@@ -1420,7 +1421,7 @@
           <a:p>
             <a:fld id="{351EEA5B-5A71-4DF3-A5C7-778567C98FB4}" type="datetimeFigureOut">
               <a:rPr lang="he-IL" smtClean="0"/>
-              <a:t>י"ג/סיון/תשפ"ב</a:t>
+              <a:t>כ'/תמוז/תשפ"ב</a:t>
             </a:fld>
             <a:endParaRPr lang="he-IL"/>
           </a:p>
@@ -1835,7 +1836,7 @@
           <a:p>
             <a:fld id="{351EEA5B-5A71-4DF3-A5C7-778567C98FB4}" type="datetimeFigureOut">
               <a:rPr lang="he-IL" smtClean="0"/>
-              <a:t>י"ג/סיון/תשפ"ב</a:t>
+              <a:t>כ'/תמוז/תשפ"ב</a:t>
             </a:fld>
             <a:endParaRPr lang="he-IL"/>
           </a:p>
@@ -1977,7 +1978,7 @@
           <a:p>
             <a:fld id="{351EEA5B-5A71-4DF3-A5C7-778567C98FB4}" type="datetimeFigureOut">
               <a:rPr lang="he-IL" smtClean="0"/>
-              <a:t>י"ג/סיון/תשפ"ב</a:t>
+              <a:t>כ'/תמוז/תשפ"ב</a:t>
             </a:fld>
             <a:endParaRPr lang="he-IL"/>
           </a:p>
@@ -2090,7 +2091,7 @@
           <a:p>
             <a:fld id="{351EEA5B-5A71-4DF3-A5C7-778567C98FB4}" type="datetimeFigureOut">
               <a:rPr lang="he-IL" smtClean="0"/>
-              <a:t>י"ג/סיון/תשפ"ב</a:t>
+              <a:t>כ'/תמוז/תשפ"ב</a:t>
             </a:fld>
             <a:endParaRPr lang="he-IL"/>
           </a:p>
@@ -2403,7 +2404,7 @@
           <a:p>
             <a:fld id="{351EEA5B-5A71-4DF3-A5C7-778567C98FB4}" type="datetimeFigureOut">
               <a:rPr lang="he-IL" smtClean="0"/>
-              <a:t>י"ג/סיון/תשפ"ב</a:t>
+              <a:t>כ'/תמוז/תשפ"ב</a:t>
             </a:fld>
             <a:endParaRPr lang="he-IL"/>
           </a:p>
@@ -2692,7 +2693,7 @@
           <a:p>
             <a:fld id="{351EEA5B-5A71-4DF3-A5C7-778567C98FB4}" type="datetimeFigureOut">
               <a:rPr lang="he-IL" smtClean="0"/>
-              <a:t>י"ג/סיון/תשפ"ב</a:t>
+              <a:t>כ'/תמוז/תשפ"ב</a:t>
             </a:fld>
             <a:endParaRPr lang="he-IL"/>
           </a:p>
@@ -2935,7 +2936,7 @@
           <a:p>
             <a:fld id="{351EEA5B-5A71-4DF3-A5C7-778567C98FB4}" type="datetimeFigureOut">
               <a:rPr lang="he-IL" smtClean="0"/>
-              <a:t>י"ג/סיון/תשפ"ב</a:t>
+              <a:t>כ'/תמוז/תשפ"ב</a:t>
             </a:fld>
             <a:endParaRPr lang="he-IL"/>
           </a:p>
@@ -4162,22 +4163,22 @@
           </p:cNvPicPr>
           <p:nvPr/>
         </p:nvPicPr>
-        <p:blipFill>
+        <p:blipFill rotWithShape="1">
           <a:blip r:embed="rId2">
+            <a:alphaModFix amt="50000"/>
             <a:extLst>
               <a:ext uri="{28A0092B-C50C-407E-A947-70E740481C1C}">
                 <a14:useLocalDpi xmlns:a14="http://schemas.microsoft.com/office/drawing/2010/main" val="0"/>
               </a:ext>
             </a:extLst>
           </a:blip>
-          <a:stretch>
-            <a:fillRect/>
-          </a:stretch>
+          <a:srcRect t="9073" r="28203" b="6800"/>
+          <a:stretch/>
         </p:blipFill>
         <p:spPr>
           <a:xfrm>
-            <a:off x="2183728" y="492094"/>
-            <a:ext cx="9163276" cy="5291252"/>
+            <a:off x="7464113" y="4316599"/>
+            <a:ext cx="3487601" cy="2359767"/>
           </a:xfrm>
           <a:prstGeom prst="rect">
             <a:avLst/>
@@ -4198,8 +4199,8 @@
         </p:nvSpPr>
         <p:spPr>
           <a:xfrm>
-            <a:off x="2623741" y="0"/>
-            <a:ext cx="6944529" cy="923330"/>
+            <a:off x="6277464" y="0"/>
+            <a:ext cx="5860900" cy="1323439"/>
           </a:xfrm>
           <a:prstGeom prst="rect">
             <a:avLst/>
@@ -4212,9 +4213,9 @@
           </a:bodyPr>
           <a:lstStyle/>
           <a:p>
-            <a:pPr algn="ctr"/>
-            <a:r>
-              <a:rPr lang="he-IL" sz="5400" b="1" cap="none" spc="0" dirty="0">
+            <a:pPr algn="ctr" rtl="1"/>
+            <a:r>
+              <a:rPr lang="he-IL" sz="8000" b="1" dirty="0">
                 <a:ln w="9525">
                   <a:solidFill>
                     <a:schemeClr val="bg1"/>
@@ -4233,9 +4234,9 @@
                   </a:outerShdw>
                 </a:effectLst>
               </a:rPr>
-              <a:t>ניסוי במעקב אחר תנועה</a:t>
-            </a:r>
-            <a:endParaRPr lang="en-US" sz="5400" b="1" cap="none" spc="0" dirty="0">
+              <a:t>90 ₪ בקלות?</a:t>
+            </a:r>
+            <a:endParaRPr lang="he-IL" sz="4800" b="1" cap="none" spc="0" dirty="0">
               <a:ln w="9525">
                 <a:solidFill>
                   <a:schemeClr val="bg1"/>
@@ -4271,13 +4272,16 @@
         </p:nvSpPr>
         <p:spPr>
           <a:xfrm>
-            <a:off x="-122548" y="5353329"/>
-            <a:ext cx="12851874" cy="1323439"/>
+            <a:off x="5784094" y="2446125"/>
+            <a:ext cx="6828588" cy="1846659"/>
           </a:xfrm>
           <a:prstGeom prst="rect">
             <a:avLst/>
           </a:prstGeom>
           <a:noFill/>
+          <a:ln>
+            <a:noFill/>
+          </a:ln>
         </p:spPr>
         <p:txBody>
           <a:bodyPr wrap="square" rtlCol="1">
@@ -4285,15 +4289,12 @@
           </a:bodyPr>
           <a:lstStyle/>
           <a:p>
-            <a:pPr algn="ctr"/>
-            <a:r>
-              <a:rPr lang="he-IL" sz="3200" b="1" dirty="0">
+            <a:pPr algn="ctr" rtl="1"/>
+            <a:r>
+              <a:rPr lang="he-IL" b="1" dirty="0">
                 <a:ln>
                   <a:solidFill>
-                    <a:schemeClr val="tx1">
-                      <a:lumMod val="65000"/>
-                      <a:lumOff val="35000"/>
-                    </a:schemeClr>
+                    <a:schemeClr val="tx1"/>
                   </a:solidFill>
                 </a:ln>
                 <a:solidFill>
@@ -4302,15 +4303,63 @@
                   </a:schemeClr>
                 </a:solidFill>
               </a:rPr>
-              <a:t>מיועד לגילאי 18-35, יד ימין דומיננטית, ללא הפרעות קשב וריכוז</a:t>
-            </a:r>
-            <a:endParaRPr lang="en-US" sz="3200" b="1" dirty="0">
+              <a:t>קיפצו אלינו ובצעו מטלה ממוחשבת שנמשכת עד שעה וחצי</a:t>
+            </a:r>
+          </a:p>
+          <a:p>
+            <a:pPr algn="ctr" rtl="1"/>
+            <a:r>
+              <a:rPr lang="he-IL" b="1" dirty="0">
+                <a:ln>
+                  <a:solidFill>
+                    <a:schemeClr val="tx1"/>
+                  </a:solidFill>
+                </a:ln>
+                <a:solidFill>
+                  <a:schemeClr val="accent5">
+                    <a:lumMod val="75000"/>
+                  </a:schemeClr>
+                </a:solidFill>
+              </a:rPr>
+              <a:t>ועבורה תקבלו ב-90 ₪ (וגם תתרמו למדע!)</a:t>
+            </a:r>
+          </a:p>
+          <a:p>
+            <a:pPr algn="ctr" rtl="1"/>
+            <a:r>
+              <a:rPr lang="he-IL" sz="1600" b="1" dirty="0">
+                <a:ln>
+                  <a:solidFill>
+                    <a:schemeClr val="tx1"/>
+                  </a:solidFill>
+                </a:ln>
+                <a:solidFill>
+                  <a:schemeClr val="accent5">
+                    <a:lumMod val="75000"/>
+                  </a:schemeClr>
+                </a:solidFill>
+              </a:rPr>
+              <a:t>המחקר נערך במעבדה לחקר מודעות של פרופסור ליעד </a:t>
+            </a:r>
+            <a:r>
+              <a:rPr lang="he-IL" sz="1600" b="1" dirty="0" err="1">
+                <a:ln>
+                  <a:solidFill>
+                    <a:schemeClr val="tx1"/>
+                  </a:solidFill>
+                </a:ln>
+                <a:solidFill>
+                  <a:schemeClr val="accent5">
+                    <a:lumMod val="75000"/>
+                  </a:schemeClr>
+                </a:solidFill>
+              </a:rPr>
+              <a:t>מודריק</a:t>
+            </a:r>
+            <a:endParaRPr lang="he-IL" sz="1600" b="1" dirty="0">
               <a:ln>
                 <a:solidFill>
-                  <a:schemeClr val="tx1">
-                    <a:lumMod val="65000"/>
-                    <a:lumOff val="35000"/>
-                  </a:schemeClr>
+                  <a:schemeClr val="tx1"/>
                 </a:solidFill>
               </a:ln>
               <a:solidFill>
@@ -4321,15 +4370,12 @@
             </a:endParaRPr>
           </a:p>
           <a:p>
-            <a:pPr algn="ctr"/>
-            <a:r>
-              <a:rPr lang="he-IL" sz="2400" b="1" dirty="0">
+            <a:pPr algn="ctr" rtl="1"/>
+            <a:r>
+              <a:rPr lang="he-IL" sz="1600" b="1" dirty="0">
                 <a:ln>
                   <a:solidFill>
-                    <a:schemeClr val="tx1">
-                      <a:lumMod val="65000"/>
-                      <a:lumOff val="35000"/>
-                    </a:schemeClr>
+                    <a:schemeClr val="tx1"/>
                   </a:solidFill>
                 </a:ln>
                 <a:solidFill>
@@ -4338,15 +4384,12 @@
                   </a:schemeClr>
                 </a:solidFill>
               </a:rPr>
-              <a:t>בניין שרת, חדר 118, אוניברסיטת תל אביב</a:t>
-            </a:r>
-            <a:endParaRPr lang="en-US" sz="2400" b="1" dirty="0">
+              <a:t>ומיועד לגילאי 18-35, יד ימין דומיננטית, ללא הפרעות קשב וריכוז</a:t>
+            </a:r>
+            <a:endParaRPr lang="en-US" sz="1600" b="1" dirty="0">
               <a:ln>
                 <a:solidFill>
-                  <a:schemeClr val="tx1">
-                    <a:lumMod val="65000"/>
-                    <a:lumOff val="35000"/>
-                  </a:schemeClr>
+                  <a:schemeClr val="tx1"/>
                 </a:solidFill>
               </a:ln>
               <a:solidFill>
@@ -4359,13 +4402,10 @@
           <a:p>
             <a:pPr algn="ctr" rtl="1"/>
             <a:r>
-              <a:rPr lang="he-IL" sz="2400" b="1" dirty="0">
+              <a:rPr lang="he-IL" sz="1400" b="1" dirty="0">
                 <a:ln>
                   <a:solidFill>
-                    <a:schemeClr val="tx1">
-                      <a:lumMod val="65000"/>
-                      <a:lumOff val="35000"/>
-                    </a:schemeClr>
+                    <a:schemeClr val="tx1"/>
                   </a:solidFill>
                 </a:ln>
                 <a:solidFill>
@@ -4374,33 +4414,12 @@
                   </a:schemeClr>
                 </a:solidFill>
               </a:rPr>
-              <a:t>לפרטים: </a:t>
-            </a:r>
-            <a:r>
-              <a:rPr lang="en-US" sz="2400" b="1" u="sng" dirty="0">
-                <a:ln>
-                  <a:solidFill>
-                    <a:schemeClr val="tx1">
-                      <a:lumMod val="65000"/>
-                      <a:lumOff val="35000"/>
-                    </a:schemeClr>
-                  </a:solidFill>
-                </a:ln>
-                <a:solidFill>
-                  <a:schemeClr val="accent5">
-                    <a:lumMod val="75000"/>
-                  </a:schemeClr>
-                </a:solidFill>
-              </a:rPr>
-              <a:t>khenheller@mail.tau.ac.il</a:t>
-            </a:r>
-            <a:endParaRPr lang="he-IL" sz="2400" b="1" u="sng" dirty="0">
+              <a:t>בניין שרת, חדר 118, אוניברסיטת תל אביב</a:t>
+            </a:r>
+            <a:endParaRPr lang="en-US" sz="1400" b="1" dirty="0">
               <a:ln>
                 <a:solidFill>
-                  <a:schemeClr val="tx1">
-                    <a:lumMod val="65000"/>
-                    <a:lumOff val="35000"/>
-                  </a:schemeClr>
+                  <a:schemeClr val="tx1"/>
                 </a:solidFill>
               </a:ln>
               <a:solidFill>
@@ -4410,14 +4429,97 @@
               </a:solidFill>
             </a:endParaRPr>
           </a:p>
-        </p:txBody>
-      </p:sp>
-      <p:sp>
-        <p:nvSpPr>
-          <p:cNvPr id="10" name="Rectangle 9">
-            <a:extLst>
-              <a:ext uri="{FF2B5EF4-FFF2-40B4-BE49-F238E27FC236}">
-                <a16:creationId xmlns:a16="http://schemas.microsoft.com/office/drawing/2014/main" id="{A8714759-5C3C-479D-B957-02304E4D0F50}"/>
+          <a:p>
+            <a:pPr algn="ctr" rtl="1"/>
+            <a:r>
+              <a:rPr lang="he-IL" sz="3200" b="1" dirty="0">
+                <a:ln>
+                  <a:solidFill>
+                    <a:schemeClr val="tx1"/>
+                  </a:solidFill>
+                </a:ln>
+                <a:solidFill>
+                  <a:schemeClr val="accent5">
+                    <a:lumMod val="75000"/>
+                  </a:schemeClr>
+                </a:solidFill>
+              </a:rPr>
+              <a:t>לפרטים: </a:t>
+            </a:r>
+            <a:r>
+              <a:rPr lang="en-US" sz="3200" b="1" dirty="0">
+                <a:ln>
+                  <a:solidFill>
+                    <a:schemeClr val="tx1"/>
+                  </a:solidFill>
+                </a:ln>
+                <a:solidFill>
+                  <a:schemeClr val="accent5">
+                    <a:lumMod val="75000"/>
+                  </a:schemeClr>
+                </a:solidFill>
+              </a:rPr>
+              <a:t>khenheller@mail.tau.ac.il</a:t>
+            </a:r>
+            <a:endParaRPr lang="he-IL" sz="3200" b="1" dirty="0">
+              <a:ln>
+                <a:solidFill>
+                  <a:schemeClr val="tx1"/>
+                </a:solidFill>
+              </a:ln>
+              <a:solidFill>
+                <a:schemeClr val="accent5">
+                  <a:lumMod val="75000"/>
+                </a:schemeClr>
+              </a:solidFill>
+            </a:endParaRPr>
+          </a:p>
+        </p:txBody>
+      </p:sp>
+      <p:cxnSp>
+        <p:nvCxnSpPr>
+          <p:cNvPr id="8" name="Straight Connector 7">
+            <a:extLst>
+              <a:ext uri="{FF2B5EF4-FFF2-40B4-BE49-F238E27FC236}">
+                <a16:creationId xmlns:a16="http://schemas.microsoft.com/office/drawing/2014/main" id="{8766D4C6-0A69-7B1A-40EB-BF7482FE2B15}"/>
+              </a:ext>
+            </a:extLst>
+          </p:cNvPr>
+          <p:cNvCxnSpPr>
+            <a:cxnSpLocks/>
+          </p:cNvCxnSpPr>
+          <p:nvPr/>
+        </p:nvCxnSpPr>
+        <p:spPr>
+          <a:xfrm>
+            <a:off x="6096000" y="0"/>
+            <a:ext cx="0" cy="6858000"/>
+          </a:xfrm>
+          <a:prstGeom prst="line">
+            <a:avLst/>
+          </a:prstGeom>
+        </p:spPr>
+        <p:style>
+          <a:lnRef idx="1">
+            <a:schemeClr val="accent1"/>
+          </a:lnRef>
+          <a:fillRef idx="0">
+            <a:schemeClr val="accent1"/>
+          </a:fillRef>
+          <a:effectRef idx="0">
+            <a:schemeClr val="accent1"/>
+          </a:effectRef>
+          <a:fontRef idx="minor">
+            <a:schemeClr val="tx1"/>
+          </a:fontRef>
+        </p:style>
+      </p:cxnSp>
+      <p:sp>
+        <p:nvSpPr>
+          <p:cNvPr id="12" name="Rectangle 11">
+            <a:extLst>
+              <a:ext uri="{FF2B5EF4-FFF2-40B4-BE49-F238E27FC236}">
+                <a16:creationId xmlns:a16="http://schemas.microsoft.com/office/drawing/2014/main" id="{DB78AB05-9899-918D-BA4E-623340E87296}"/>
               </a:ext>
             </a:extLst>
           </p:cNvPr>
@@ -4426,8 +4528,8 @@
         </p:nvSpPr>
         <p:spPr>
           <a:xfrm>
-            <a:off x="3986512" y="938461"/>
-            <a:ext cx="4257897" cy="769441"/>
+            <a:off x="6339982" y="1483634"/>
+            <a:ext cx="5735865" cy="707886"/>
           </a:xfrm>
           <a:prstGeom prst="rect">
             <a:avLst/>
@@ -4437,50 +4539,450 @@
         <p:txBody>
           <a:bodyPr wrap="none" lIns="91440" tIns="45720" rIns="91440" bIns="45720">
             <a:spAutoFit/>
-            <a:scene3d>
-              <a:camera prst="perspectiveFront"/>
-              <a:lightRig rig="harsh" dir="t"/>
-            </a:scene3d>
-            <a:sp3d extrusionH="57150" prstMaterial="matte">
-              <a:bevelT w="63500" h="12700" prst="slope"/>
-              <a:contourClr>
-                <a:schemeClr val="bg1">
-                  <a:lumMod val="65000"/>
-                </a:schemeClr>
-              </a:contourClr>
-            </a:sp3d>
           </a:bodyPr>
           <a:lstStyle/>
           <a:p>
-            <a:pPr algn="ctr"/>
-            <a:r>
-              <a:rPr lang="he-IL" sz="4400" b="1" cap="none" spc="0" dirty="0">
-                <a:ln/>
-                <a:solidFill>
-                  <a:srgbClr val="09FF32"/>
+            <a:pPr algn="ctr" rtl="1"/>
+            <a:r>
+              <a:rPr lang="he-IL" sz="4000" b="1" dirty="0">
+                <a:ln w="9525">
+                  <a:solidFill>
+                    <a:schemeClr val="bg1"/>
+                  </a:solidFill>
+                  <a:prstDash val="solid"/>
+                </a:ln>
+                <a:solidFill>
+                  <a:schemeClr val="accent5"/>
                 </a:solidFill>
                 <a:effectLst>
-                  <a:glow rad="787400">
-                    <a:schemeClr val="bg1">
-                      <a:alpha val="40000"/>
+                  <a:outerShdw blurRad="12700" dist="38100" dir="2700000" algn="tl" rotWithShape="0">
+                    <a:schemeClr val="accent5">
+                      <a:lumMod val="60000"/>
+                      <a:lumOff val="40000"/>
                     </a:schemeClr>
-                  </a:glow>
+                  </a:outerShdw>
                 </a:effectLst>
               </a:rPr>
-              <a:t>90 דקות, 60 ש"ח</a:t>
-            </a:r>
-            <a:endParaRPr lang="en-US" sz="4400" b="1" cap="none" spc="0" dirty="0">
-              <a:ln/>
+              <a:t>נמצאים ליד האוניברסיטה?</a:t>
+            </a:r>
+            <a:endParaRPr lang="he-IL" sz="3200" b="1" cap="none" spc="0" dirty="0">
+              <a:ln w="9525">
+                <a:solidFill>
+                  <a:schemeClr val="bg1"/>
+                </a:solidFill>
+                <a:prstDash val="solid"/>
+              </a:ln>
               <a:solidFill>
-                <a:srgbClr val="09FF32"/>
+                <a:schemeClr val="accent5"/>
               </a:solidFill>
               <a:effectLst>
-                <a:glow rad="787400">
-                  <a:schemeClr val="bg1">
-                    <a:alpha val="40000"/>
-                  </a:schemeClr>
-                </a:glow>
+                <a:outerShdw blurRad="12700" dist="38100" dir="2700000" algn="tl" rotWithShape="0">
+                  <a:schemeClr val="accent5">
+                    <a:lumMod val="60000"/>
+                    <a:lumOff val="40000"/>
+                  </a:schemeClr>
+                </a:outerShdw>
               </a:effectLst>
+            </a:endParaRPr>
+          </a:p>
+        </p:txBody>
+      </p:sp>
+      <p:sp>
+        <p:nvSpPr>
+          <p:cNvPr id="18" name="Rectangle 17">
+            <a:extLst>
+              <a:ext uri="{FF2B5EF4-FFF2-40B4-BE49-F238E27FC236}">
+                <a16:creationId xmlns:a16="http://schemas.microsoft.com/office/drawing/2014/main" id="{CCF35DAA-51A9-E68E-B6F5-646B1432F190}"/>
+              </a:ext>
+            </a:extLst>
+          </p:cNvPr>
+          <p:cNvSpPr/>
+          <p:nvPr/>
+        </p:nvSpPr>
+        <p:spPr>
+          <a:xfrm>
+            <a:off x="114455" y="0"/>
+            <a:ext cx="5860900" cy="1323439"/>
+          </a:xfrm>
+          <a:prstGeom prst="rect">
+            <a:avLst/>
+          </a:prstGeom>
+          <a:noFill/>
+        </p:spPr>
+        <p:txBody>
+          <a:bodyPr wrap="none" lIns="91440" tIns="45720" rIns="91440" bIns="45720">
+            <a:spAutoFit/>
+          </a:bodyPr>
+          <a:lstStyle/>
+          <a:p>
+            <a:pPr algn="ctr" rtl="1"/>
+            <a:r>
+              <a:rPr lang="he-IL" sz="8000" b="1" dirty="0">
+                <a:ln w="9525">
+                  <a:solidFill>
+                    <a:schemeClr val="bg1"/>
+                  </a:solidFill>
+                  <a:prstDash val="solid"/>
+                </a:ln>
+                <a:solidFill>
+                  <a:schemeClr val="accent5"/>
+                </a:solidFill>
+                <a:effectLst>
+                  <a:outerShdw blurRad="12700" dist="38100" dir="2700000" algn="tl" rotWithShape="0">
+                    <a:schemeClr val="accent5">
+                      <a:lumMod val="60000"/>
+                      <a:lumOff val="40000"/>
+                    </a:schemeClr>
+                  </a:outerShdw>
+                </a:effectLst>
+              </a:rPr>
+              <a:t>90 ₪ בקלות?</a:t>
+            </a:r>
+            <a:endParaRPr lang="he-IL" sz="4800" b="1" cap="none" spc="0" dirty="0">
+              <a:ln w="9525">
+                <a:solidFill>
+                  <a:schemeClr val="bg1"/>
+                </a:solidFill>
+                <a:prstDash val="solid"/>
+              </a:ln>
+              <a:solidFill>
+                <a:schemeClr val="accent5"/>
+              </a:solidFill>
+              <a:effectLst>
+                <a:outerShdw blurRad="12700" dist="38100" dir="2700000" algn="tl" rotWithShape="0">
+                  <a:schemeClr val="accent5">
+                    <a:lumMod val="60000"/>
+                    <a:lumOff val="40000"/>
+                  </a:schemeClr>
+                </a:outerShdw>
+              </a:effectLst>
+            </a:endParaRPr>
+          </a:p>
+        </p:txBody>
+      </p:sp>
+      <p:sp>
+        <p:nvSpPr>
+          <p:cNvPr id="20" name="Rectangle 19">
+            <a:extLst>
+              <a:ext uri="{FF2B5EF4-FFF2-40B4-BE49-F238E27FC236}">
+                <a16:creationId xmlns:a16="http://schemas.microsoft.com/office/drawing/2014/main" id="{5701BA2D-D970-1A0C-3E7E-A8D0EF6E8BE5}"/>
+              </a:ext>
+            </a:extLst>
+          </p:cNvPr>
+          <p:cNvSpPr/>
+          <p:nvPr/>
+        </p:nvSpPr>
+        <p:spPr>
+          <a:xfrm>
+            <a:off x="176973" y="1483634"/>
+            <a:ext cx="5735865" cy="707886"/>
+          </a:xfrm>
+          <a:prstGeom prst="rect">
+            <a:avLst/>
+          </a:prstGeom>
+          <a:noFill/>
+        </p:spPr>
+        <p:txBody>
+          <a:bodyPr wrap="none" lIns="91440" tIns="45720" rIns="91440" bIns="45720">
+            <a:spAutoFit/>
+          </a:bodyPr>
+          <a:lstStyle/>
+          <a:p>
+            <a:pPr algn="ctr" rtl="1"/>
+            <a:r>
+              <a:rPr lang="he-IL" sz="4000" b="1" dirty="0">
+                <a:ln w="9525">
+                  <a:solidFill>
+                    <a:schemeClr val="bg1"/>
+                  </a:solidFill>
+                  <a:prstDash val="solid"/>
+                </a:ln>
+                <a:solidFill>
+                  <a:schemeClr val="accent5"/>
+                </a:solidFill>
+                <a:effectLst>
+                  <a:outerShdw blurRad="12700" dist="38100" dir="2700000" algn="tl" rotWithShape="0">
+                    <a:schemeClr val="accent5">
+                      <a:lumMod val="60000"/>
+                      <a:lumOff val="40000"/>
+                    </a:schemeClr>
+                  </a:outerShdw>
+                </a:effectLst>
+              </a:rPr>
+              <a:t>נמצאים ליד האוניברסיטה?</a:t>
+            </a:r>
+            <a:endParaRPr lang="he-IL" sz="3200" b="1" cap="none" spc="0" dirty="0">
+              <a:ln w="9525">
+                <a:solidFill>
+                  <a:schemeClr val="bg1"/>
+                </a:solidFill>
+                <a:prstDash val="solid"/>
+              </a:ln>
+              <a:solidFill>
+                <a:schemeClr val="accent5"/>
+              </a:solidFill>
+              <a:effectLst>
+                <a:outerShdw blurRad="12700" dist="38100" dir="2700000" algn="tl" rotWithShape="0">
+                  <a:schemeClr val="accent5">
+                    <a:lumMod val="60000"/>
+                    <a:lumOff val="40000"/>
+                  </a:schemeClr>
+                </a:outerShdw>
+              </a:effectLst>
+            </a:endParaRPr>
+          </a:p>
+        </p:txBody>
+      </p:sp>
+      <p:pic>
+        <p:nvPicPr>
+          <p:cNvPr id="21" name="Picture 20" descr="A dog looking at a computer&#10;&#10;Description automatically generated with medium confidence">
+            <a:extLst>
+              <a:ext uri="{FF2B5EF4-FFF2-40B4-BE49-F238E27FC236}">
+                <a16:creationId xmlns:a16="http://schemas.microsoft.com/office/drawing/2014/main" id="{C4A3B284-B8C8-6CB3-164B-C3C00C82E844}"/>
+              </a:ext>
+            </a:extLst>
+          </p:cNvPr>
+          <p:cNvPicPr>
+            <a:picLocks noChangeAspect="1"/>
+          </p:cNvPicPr>
+          <p:nvPr/>
+        </p:nvPicPr>
+        <p:blipFill rotWithShape="1">
+          <a:blip r:embed="rId2">
+            <a:alphaModFix amt="50000"/>
+            <a:extLst>
+              <a:ext uri="{28A0092B-C50C-407E-A947-70E740481C1C}">
+                <a14:useLocalDpi xmlns:a14="http://schemas.microsoft.com/office/drawing/2010/main" val="0"/>
+              </a:ext>
+            </a:extLst>
+          </a:blip>
+          <a:srcRect t="9073" r="28203" b="6800"/>
+          <a:stretch/>
+        </p:blipFill>
+        <p:spPr>
+          <a:xfrm>
+            <a:off x="1301105" y="4316599"/>
+            <a:ext cx="3487601" cy="2359767"/>
+          </a:xfrm>
+          <a:prstGeom prst="rect">
+            <a:avLst/>
+          </a:prstGeom>
+        </p:spPr>
+      </p:pic>
+      <p:sp>
+        <p:nvSpPr>
+          <p:cNvPr id="22" name="TextBox 21">
+            <a:extLst>
+              <a:ext uri="{FF2B5EF4-FFF2-40B4-BE49-F238E27FC236}">
+                <a16:creationId xmlns:a16="http://schemas.microsoft.com/office/drawing/2014/main" id="{EE86FF65-3329-3687-E196-949365BC24EE}"/>
+              </a:ext>
+            </a:extLst>
+          </p:cNvPr>
+          <p:cNvSpPr txBox="1"/>
+          <p:nvPr/>
+        </p:nvSpPr>
+        <p:spPr>
+          <a:xfrm>
+            <a:off x="-364626" y="2446125"/>
+            <a:ext cx="6828588" cy="1846659"/>
+          </a:xfrm>
+          <a:prstGeom prst="rect">
+            <a:avLst/>
+          </a:prstGeom>
+          <a:noFill/>
+          <a:ln>
+            <a:noFill/>
+          </a:ln>
+        </p:spPr>
+        <p:txBody>
+          <a:bodyPr wrap="square" rtlCol="1">
+            <a:spAutoFit/>
+          </a:bodyPr>
+          <a:lstStyle/>
+          <a:p>
+            <a:pPr algn="ctr" rtl="1"/>
+            <a:r>
+              <a:rPr lang="he-IL" b="1" dirty="0">
+                <a:ln>
+                  <a:solidFill>
+                    <a:schemeClr val="tx1"/>
+                  </a:solidFill>
+                </a:ln>
+                <a:solidFill>
+                  <a:schemeClr val="accent5">
+                    <a:lumMod val="75000"/>
+                  </a:schemeClr>
+                </a:solidFill>
+              </a:rPr>
+              <a:t>קיפצו אלינו ובצעו מטלה ממוחשבת שנמשכת עד שעה וחצי</a:t>
+            </a:r>
+          </a:p>
+          <a:p>
+            <a:pPr algn="ctr" rtl="1"/>
+            <a:r>
+              <a:rPr lang="he-IL" b="1" dirty="0">
+                <a:ln>
+                  <a:solidFill>
+                    <a:schemeClr val="tx1"/>
+                  </a:solidFill>
+                </a:ln>
+                <a:solidFill>
+                  <a:schemeClr val="accent5">
+                    <a:lumMod val="75000"/>
+                  </a:schemeClr>
+                </a:solidFill>
+              </a:rPr>
+              <a:t>ועבורה תקבלו ב-90 ₪ (וגם תתרמו למדע!)</a:t>
+            </a:r>
+          </a:p>
+          <a:p>
+            <a:pPr algn="ctr" rtl="1"/>
+            <a:r>
+              <a:rPr lang="he-IL" sz="1600" b="1" dirty="0">
+                <a:ln>
+                  <a:solidFill>
+                    <a:schemeClr val="tx1"/>
+                  </a:solidFill>
+                </a:ln>
+                <a:solidFill>
+                  <a:schemeClr val="accent5">
+                    <a:lumMod val="75000"/>
+                  </a:schemeClr>
+                </a:solidFill>
+              </a:rPr>
+              <a:t>המחקר נערך במעבדה לחקר מודעות של פרופסור ליעד </a:t>
+            </a:r>
+            <a:r>
+              <a:rPr lang="he-IL" sz="1600" b="1" dirty="0" err="1">
+                <a:ln>
+                  <a:solidFill>
+                    <a:schemeClr val="tx1"/>
+                  </a:solidFill>
+                </a:ln>
+                <a:solidFill>
+                  <a:schemeClr val="accent5">
+                    <a:lumMod val="75000"/>
+                  </a:schemeClr>
+                </a:solidFill>
+              </a:rPr>
+              <a:t>מודריק</a:t>
+            </a:r>
+            <a:endParaRPr lang="he-IL" sz="1600" b="1" dirty="0">
+              <a:ln>
+                <a:solidFill>
+                  <a:schemeClr val="tx1"/>
+                </a:solidFill>
+              </a:ln>
+              <a:solidFill>
+                <a:schemeClr val="accent5">
+                  <a:lumMod val="75000"/>
+                </a:schemeClr>
+              </a:solidFill>
+            </a:endParaRPr>
+          </a:p>
+          <a:p>
+            <a:pPr algn="ctr" rtl="1"/>
+            <a:r>
+              <a:rPr lang="he-IL" sz="1600" b="1" dirty="0">
+                <a:ln>
+                  <a:solidFill>
+                    <a:schemeClr val="tx1"/>
+                  </a:solidFill>
+                </a:ln>
+                <a:solidFill>
+                  <a:schemeClr val="accent5">
+                    <a:lumMod val="75000"/>
+                  </a:schemeClr>
+                </a:solidFill>
+              </a:rPr>
+              <a:t>ומיועד לגילאי 18-35, יד ימין דומיננטית, ללא הפרעות קשב וריכוז</a:t>
+            </a:r>
+            <a:endParaRPr lang="en-US" sz="1600" b="1" dirty="0">
+              <a:ln>
+                <a:solidFill>
+                  <a:schemeClr val="tx1"/>
+                </a:solidFill>
+              </a:ln>
+              <a:solidFill>
+                <a:schemeClr val="accent5">
+                  <a:lumMod val="75000"/>
+                </a:schemeClr>
+              </a:solidFill>
+            </a:endParaRPr>
+          </a:p>
+          <a:p>
+            <a:pPr algn="ctr" rtl="1"/>
+            <a:r>
+              <a:rPr lang="he-IL" sz="1400" b="1" dirty="0">
+                <a:ln>
+                  <a:solidFill>
+                    <a:schemeClr val="tx1"/>
+                  </a:solidFill>
+                </a:ln>
+                <a:solidFill>
+                  <a:schemeClr val="accent5">
+                    <a:lumMod val="75000"/>
+                  </a:schemeClr>
+                </a:solidFill>
+              </a:rPr>
+              <a:t>בניין שרת, חדר 118, אוניברסיטת תל אביב</a:t>
+            </a:r>
+            <a:endParaRPr lang="en-US" sz="1400" b="1" dirty="0">
+              <a:ln>
+                <a:solidFill>
+                  <a:schemeClr val="tx1"/>
+                </a:solidFill>
+              </a:ln>
+              <a:solidFill>
+                <a:schemeClr val="accent5">
+                  <a:lumMod val="75000"/>
+                </a:schemeClr>
+              </a:solidFill>
+            </a:endParaRPr>
+          </a:p>
+          <a:p>
+            <a:pPr algn="ctr" rtl="1"/>
+            <a:r>
+              <a:rPr lang="he-IL" sz="3200" b="1" dirty="0">
+                <a:ln>
+                  <a:solidFill>
+                    <a:schemeClr val="tx1"/>
+                  </a:solidFill>
+                </a:ln>
+                <a:solidFill>
+                  <a:schemeClr val="accent5">
+                    <a:lumMod val="75000"/>
+                  </a:schemeClr>
+                </a:solidFill>
+              </a:rPr>
+              <a:t>לפרטים: </a:t>
+            </a:r>
+            <a:r>
+              <a:rPr lang="en-US" sz="3200" b="1" dirty="0">
+                <a:ln>
+                  <a:solidFill>
+                    <a:schemeClr val="tx1"/>
+                  </a:solidFill>
+                </a:ln>
+                <a:solidFill>
+                  <a:schemeClr val="accent5">
+                    <a:lumMod val="75000"/>
+                  </a:schemeClr>
+                </a:solidFill>
+              </a:rPr>
+              <a:t>khenheller@mail.tau.ac.il</a:t>
+            </a:r>
+            <a:endParaRPr lang="he-IL" sz="3200" b="1" dirty="0">
+              <a:ln>
+                <a:solidFill>
+                  <a:schemeClr val="tx1"/>
+                </a:solidFill>
+              </a:ln>
+              <a:solidFill>
+                <a:schemeClr val="accent5">
+                  <a:lumMod val="75000"/>
+                </a:schemeClr>
+              </a:solidFill>
             </a:endParaRPr>
           </a:p>
         </p:txBody>
@@ -4488,7 +4990,7 @@
     </p:spTree>
     <p:extLst>
       <p:ext uri="{BB962C8B-B14F-4D97-AF65-F5344CB8AC3E}">
-        <p14:creationId xmlns:p14="http://schemas.microsoft.com/office/powerpoint/2010/main" val="2712086489"/>
+        <p14:creationId xmlns:p14="http://schemas.microsoft.com/office/powerpoint/2010/main" val="3785797740"/>
       </p:ext>
     </p:extLst>
   </p:cSld>
@@ -4638,8 +5140,8 @@
         </p:nvSpPr>
         <p:spPr>
           <a:xfrm>
-            <a:off x="-122548" y="5240205"/>
-            <a:ext cx="12851874" cy="1692771"/>
+            <a:off x="-122548" y="5353329"/>
+            <a:ext cx="12851874" cy="1323439"/>
           </a:xfrm>
           <a:prstGeom prst="rect">
             <a:avLst/>
@@ -4652,7 +5154,7 @@
           </a:bodyPr>
           <a:lstStyle/>
           <a:p>
-            <a:pPr algn="ctr" rtl="1"/>
+            <a:pPr algn="ctr"/>
             <a:r>
               <a:rPr lang="he-IL" sz="3200" b="1" dirty="0">
                 <a:ln>
@@ -4688,7 +5190,7 @@
             </a:endParaRPr>
           </a:p>
           <a:p>
-            <a:pPr algn="ctr" rtl="1"/>
+            <a:pPr algn="ctr"/>
             <a:r>
               <a:rPr lang="he-IL" sz="2400" b="1" dirty="0">
                 <a:ln>
@@ -4707,6 +5209,21 @@
               </a:rPr>
               <a:t>בניין שרת, חדר 118, אוניברסיטת תל אביב</a:t>
             </a:r>
+            <a:endParaRPr lang="en-US" sz="2400" b="1" dirty="0">
+              <a:ln>
+                <a:solidFill>
+                  <a:schemeClr val="tx1">
+                    <a:lumMod val="65000"/>
+                    <a:lumOff val="35000"/>
+                  </a:schemeClr>
+                </a:solidFill>
+              </a:ln>
+              <a:solidFill>
+                <a:schemeClr val="accent5">
+                  <a:lumMod val="75000"/>
+                </a:schemeClr>
+              </a:solidFill>
+            </a:endParaRPr>
           </a:p>
           <a:p>
             <a:pPr algn="ctr" rtl="1"/>
@@ -4726,42 +5243,6 @@
                   </a:schemeClr>
                 </a:solidFill>
               </a:rPr>
-              <a:t>הניסוי נערך ב-2 ימים עוקבים, היום הראשון נמשך 30 דקות והשני 90 דקות</a:t>
-            </a:r>
-            <a:endParaRPr lang="en-US" sz="2400" b="1" dirty="0">
-              <a:ln>
-                <a:solidFill>
-                  <a:schemeClr val="tx1">
-                    <a:lumMod val="65000"/>
-                    <a:lumOff val="35000"/>
-                  </a:schemeClr>
-                </a:solidFill>
-              </a:ln>
-              <a:solidFill>
-                <a:schemeClr val="accent5">
-                  <a:lumMod val="75000"/>
-                </a:schemeClr>
-              </a:solidFill>
-            </a:endParaRPr>
-          </a:p>
-          <a:p>
-            <a:pPr algn="ctr" rtl="1"/>
-            <a:r>
-              <a:rPr lang="he-IL" sz="2400" b="1" dirty="0">
-                <a:ln>
-                  <a:solidFill>
-                    <a:schemeClr val="tx1">
-                      <a:lumMod val="65000"/>
-                      <a:lumOff val="35000"/>
-                    </a:schemeClr>
-                  </a:solidFill>
-                </a:ln>
-                <a:solidFill>
-                  <a:schemeClr val="accent5">
-                    <a:lumMod val="75000"/>
-                  </a:schemeClr>
-                </a:solidFill>
-              </a:rPr>
               <a:t>לפרטים: </a:t>
             </a:r>
             <a:r>
@@ -4814,8 +5295,8 @@
         </p:nvSpPr>
         <p:spPr>
           <a:xfrm>
-            <a:off x="3672324" y="938461"/>
-            <a:ext cx="4886274" cy="769441"/>
+            <a:off x="3986512" y="938461"/>
+            <a:ext cx="4257897" cy="769441"/>
           </a:xfrm>
           <a:prstGeom prst="rect">
             <a:avLst/>
@@ -4840,9 +5321,9 @@
           </a:bodyPr>
           <a:lstStyle/>
           <a:p>
-            <a:pPr algn="ctr" rtl="1"/>
-            <a:r>
-              <a:rPr lang="he-IL" sz="4400" b="1" dirty="0">
+            <a:pPr algn="ctr"/>
+            <a:r>
+              <a:rPr lang="he-IL" sz="4400" b="1" cap="none" spc="0" dirty="0">
                 <a:ln/>
                 <a:solidFill>
                   <a:srgbClr val="09FF32"/>
@@ -4855,23 +5336,7 @@
                   </a:glow>
                 </a:effectLst>
               </a:rPr>
-              <a:t>120 </a:t>
-            </a:r>
-            <a:r>
-              <a:rPr lang="he-IL" sz="4400" b="1" cap="none" spc="0" dirty="0">
-                <a:ln/>
-                <a:solidFill>
-                  <a:srgbClr val="09FF32"/>
-                </a:solidFill>
-                <a:effectLst>
-                  <a:glow rad="787400">
-                    <a:schemeClr val="bg1">
-                      <a:alpha val="40000"/>
-                    </a:schemeClr>
-                  </a:glow>
-                </a:effectLst>
-              </a:rPr>
-              <a:t>דקות, 125 ש"ח</a:t>
+              <a:t>90 דקות, 60 ש"ח</a:t>
             </a:r>
             <a:endParaRPr lang="en-US" sz="4400" b="1" cap="none" spc="0" dirty="0">
               <a:ln/>
@@ -4892,7 +5357,7 @@
     </p:spTree>
     <p:extLst>
       <p:ext uri="{BB962C8B-B14F-4D97-AF65-F5344CB8AC3E}">
-        <p14:creationId xmlns:p14="http://schemas.microsoft.com/office/powerpoint/2010/main" val="3502369317"/>
+        <p14:creationId xmlns:p14="http://schemas.microsoft.com/office/powerpoint/2010/main" val="2712086489"/>
       </p:ext>
     </p:extLst>
   </p:cSld>
@@ -5275,6 +5740,410 @@
                   </a:glow>
                 </a:effectLst>
               </a:rPr>
+              <a:t>דקות, 125 ש"ח</a:t>
+            </a:r>
+            <a:endParaRPr lang="en-US" sz="4400" b="1" cap="none" spc="0" dirty="0">
+              <a:ln/>
+              <a:solidFill>
+                <a:srgbClr val="09FF32"/>
+              </a:solidFill>
+              <a:effectLst>
+                <a:glow rad="787400">
+                  <a:schemeClr val="bg1">
+                    <a:alpha val="40000"/>
+                  </a:schemeClr>
+                </a:glow>
+              </a:effectLst>
+            </a:endParaRPr>
+          </a:p>
+        </p:txBody>
+      </p:sp>
+    </p:spTree>
+    <p:extLst>
+      <p:ext uri="{BB962C8B-B14F-4D97-AF65-F5344CB8AC3E}">
+        <p14:creationId xmlns:p14="http://schemas.microsoft.com/office/powerpoint/2010/main" val="3502369317"/>
+      </p:ext>
+    </p:extLst>
+  </p:cSld>
+  <p:clrMapOvr>
+    <a:masterClrMapping/>
+  </p:clrMapOvr>
+</p:sld>
+</file>
+
+<file path=ppt/slides/slide6.xml><?xml version="1.0" encoding="utf-8"?>
+<p:sld xmlns:a="http://schemas.openxmlformats.org/drawingml/2006/main" xmlns:r="http://schemas.openxmlformats.org/officeDocument/2006/relationships" xmlns:p="http://schemas.openxmlformats.org/presentationml/2006/main">
+  <p:cSld>
+    <p:spTree>
+      <p:nvGrpSpPr>
+        <p:cNvPr id="1" name=""/>
+        <p:cNvGrpSpPr/>
+        <p:nvPr/>
+      </p:nvGrpSpPr>
+      <p:grpSpPr>
+        <a:xfrm>
+          <a:off x="0" y="0"/>
+          <a:ext cx="0" cy="0"/>
+          <a:chOff x="0" y="0"/>
+          <a:chExt cx="0" cy="0"/>
+        </a:xfrm>
+      </p:grpSpPr>
+      <p:pic>
+        <p:nvPicPr>
+          <p:cNvPr id="5" name="Picture 4" descr="A dog looking at a computer&#10;&#10;Description automatically generated with medium confidence">
+            <a:extLst>
+              <a:ext uri="{FF2B5EF4-FFF2-40B4-BE49-F238E27FC236}">
+                <a16:creationId xmlns:a16="http://schemas.microsoft.com/office/drawing/2014/main" id="{787A8A51-6B78-4086-836D-3DE6CB859905}"/>
+              </a:ext>
+            </a:extLst>
+          </p:cNvPr>
+          <p:cNvPicPr>
+            <a:picLocks noChangeAspect="1"/>
+          </p:cNvPicPr>
+          <p:nvPr/>
+        </p:nvPicPr>
+        <p:blipFill>
+          <a:blip r:embed="rId2">
+            <a:extLst>
+              <a:ext uri="{28A0092B-C50C-407E-A947-70E740481C1C}">
+                <a14:useLocalDpi xmlns:a14="http://schemas.microsoft.com/office/drawing/2010/main" val="0"/>
+              </a:ext>
+            </a:extLst>
+          </a:blip>
+          <a:stretch>
+            <a:fillRect/>
+          </a:stretch>
+        </p:blipFill>
+        <p:spPr>
+          <a:xfrm>
+            <a:off x="2183728" y="492094"/>
+            <a:ext cx="9163276" cy="5291252"/>
+          </a:xfrm>
+          <a:prstGeom prst="rect">
+            <a:avLst/>
+          </a:prstGeom>
+        </p:spPr>
+      </p:pic>
+      <p:sp>
+        <p:nvSpPr>
+          <p:cNvPr id="7" name="Rectangle 6">
+            <a:extLst>
+              <a:ext uri="{FF2B5EF4-FFF2-40B4-BE49-F238E27FC236}">
+                <a16:creationId xmlns:a16="http://schemas.microsoft.com/office/drawing/2014/main" id="{D2458800-57BC-4893-BE11-DC146BD84648}"/>
+              </a:ext>
+            </a:extLst>
+          </p:cNvPr>
+          <p:cNvSpPr/>
+          <p:nvPr/>
+        </p:nvSpPr>
+        <p:spPr>
+          <a:xfrm>
+            <a:off x="2623741" y="0"/>
+            <a:ext cx="6944529" cy="923330"/>
+          </a:xfrm>
+          <a:prstGeom prst="rect">
+            <a:avLst/>
+          </a:prstGeom>
+          <a:noFill/>
+        </p:spPr>
+        <p:txBody>
+          <a:bodyPr wrap="none" lIns="91440" tIns="45720" rIns="91440" bIns="45720">
+            <a:spAutoFit/>
+          </a:bodyPr>
+          <a:lstStyle/>
+          <a:p>
+            <a:pPr algn="ctr"/>
+            <a:r>
+              <a:rPr lang="he-IL" sz="5400" b="1" cap="none" spc="0" dirty="0">
+                <a:ln w="9525">
+                  <a:solidFill>
+                    <a:schemeClr val="bg1"/>
+                  </a:solidFill>
+                  <a:prstDash val="solid"/>
+                </a:ln>
+                <a:solidFill>
+                  <a:schemeClr val="accent5"/>
+                </a:solidFill>
+                <a:effectLst>
+                  <a:outerShdw blurRad="12700" dist="38100" dir="2700000" algn="tl" rotWithShape="0">
+                    <a:schemeClr val="accent5">
+                      <a:lumMod val="60000"/>
+                      <a:lumOff val="40000"/>
+                    </a:schemeClr>
+                  </a:outerShdw>
+                </a:effectLst>
+              </a:rPr>
+              <a:t>ניסוי במעקב אחר תנועה</a:t>
+            </a:r>
+            <a:endParaRPr lang="en-US" sz="5400" b="1" cap="none" spc="0" dirty="0">
+              <a:ln w="9525">
+                <a:solidFill>
+                  <a:schemeClr val="bg1"/>
+                </a:solidFill>
+                <a:prstDash val="solid"/>
+              </a:ln>
+              <a:solidFill>
+                <a:schemeClr val="accent5"/>
+              </a:solidFill>
+              <a:effectLst>
+                <a:outerShdw blurRad="12700" dist="38100" dir="2700000" algn="tl" rotWithShape="0">
+                  <a:schemeClr val="accent5">
+                    <a:lumMod val="60000"/>
+                    <a:lumOff val="40000"/>
+                  </a:schemeClr>
+                </a:outerShdw>
+              </a:effectLst>
+            </a:endParaRPr>
+          </a:p>
+        </p:txBody>
+      </p:sp>
+      <p:sp>
+        <p:nvSpPr>
+          <p:cNvPr id="9" name="TextBox 8">
+            <a:extLst>
+              <a:ext uri="{FF2B5EF4-FFF2-40B4-BE49-F238E27FC236}">
+                <a16:creationId xmlns:a16="http://schemas.microsoft.com/office/drawing/2014/main" id="{1487C03B-BC0F-4484-BF6E-CBFA484A2495}"/>
+              </a:ext>
+            </a:extLst>
+          </p:cNvPr>
+          <p:cNvSpPr txBox="1"/>
+          <p:nvPr/>
+        </p:nvSpPr>
+        <p:spPr>
+          <a:xfrm>
+            <a:off x="-122548" y="5240205"/>
+            <a:ext cx="12851874" cy="1692771"/>
+          </a:xfrm>
+          <a:prstGeom prst="rect">
+            <a:avLst/>
+          </a:prstGeom>
+          <a:noFill/>
+        </p:spPr>
+        <p:txBody>
+          <a:bodyPr wrap="square" rtlCol="1">
+            <a:spAutoFit/>
+          </a:bodyPr>
+          <a:lstStyle/>
+          <a:p>
+            <a:pPr algn="ctr" rtl="1"/>
+            <a:r>
+              <a:rPr lang="he-IL" sz="3200" b="1" dirty="0">
+                <a:ln>
+                  <a:solidFill>
+                    <a:schemeClr val="tx1">
+                      <a:lumMod val="65000"/>
+                      <a:lumOff val="35000"/>
+                    </a:schemeClr>
+                  </a:solidFill>
+                </a:ln>
+                <a:solidFill>
+                  <a:schemeClr val="accent5">
+                    <a:lumMod val="75000"/>
+                  </a:schemeClr>
+                </a:solidFill>
+              </a:rPr>
+              <a:t>מיועד לגילאי 18-35, יד ימין דומיננטית, ללא הפרעות קשב וריכוז</a:t>
+            </a:r>
+            <a:endParaRPr lang="en-US" sz="3200" b="1" dirty="0">
+              <a:ln>
+                <a:solidFill>
+                  <a:schemeClr val="tx1">
+                    <a:lumMod val="65000"/>
+                    <a:lumOff val="35000"/>
+                  </a:schemeClr>
+                </a:solidFill>
+              </a:ln>
+              <a:solidFill>
+                <a:schemeClr val="accent5">
+                  <a:lumMod val="75000"/>
+                </a:schemeClr>
+              </a:solidFill>
+            </a:endParaRPr>
+          </a:p>
+          <a:p>
+            <a:pPr algn="ctr" rtl="1"/>
+            <a:r>
+              <a:rPr lang="he-IL" sz="2400" b="1" dirty="0">
+                <a:ln>
+                  <a:solidFill>
+                    <a:schemeClr val="tx1">
+                      <a:lumMod val="65000"/>
+                      <a:lumOff val="35000"/>
+                    </a:schemeClr>
+                  </a:solidFill>
+                </a:ln>
+                <a:solidFill>
+                  <a:schemeClr val="accent5">
+                    <a:lumMod val="75000"/>
+                  </a:schemeClr>
+                </a:solidFill>
+              </a:rPr>
+              <a:t>בניין שרת, חדר 118, אוניברסיטת תל אביב</a:t>
+            </a:r>
+          </a:p>
+          <a:p>
+            <a:pPr algn="ctr" rtl="1"/>
+            <a:r>
+              <a:rPr lang="he-IL" sz="2400" b="1" dirty="0">
+                <a:ln>
+                  <a:solidFill>
+                    <a:schemeClr val="tx1">
+                      <a:lumMod val="65000"/>
+                      <a:lumOff val="35000"/>
+                    </a:schemeClr>
+                  </a:solidFill>
+                </a:ln>
+                <a:solidFill>
+                  <a:schemeClr val="accent5">
+                    <a:lumMod val="75000"/>
+                  </a:schemeClr>
+                </a:solidFill>
+              </a:rPr>
+              <a:t>הניסוי נערך ב-2 ימים עוקבים, היום הראשון נמשך 30 דקות והשני 90 דקות</a:t>
+            </a:r>
+            <a:endParaRPr lang="en-US" sz="2400" b="1" dirty="0">
+              <a:ln>
+                <a:solidFill>
+                  <a:schemeClr val="tx1">
+                    <a:lumMod val="65000"/>
+                    <a:lumOff val="35000"/>
+                  </a:schemeClr>
+                </a:solidFill>
+              </a:ln>
+              <a:solidFill>
+                <a:schemeClr val="accent5">
+                  <a:lumMod val="75000"/>
+                </a:schemeClr>
+              </a:solidFill>
+            </a:endParaRPr>
+          </a:p>
+          <a:p>
+            <a:pPr algn="ctr" rtl="1"/>
+            <a:r>
+              <a:rPr lang="he-IL" sz="2400" b="1" dirty="0">
+                <a:ln>
+                  <a:solidFill>
+                    <a:schemeClr val="tx1">
+                      <a:lumMod val="65000"/>
+                      <a:lumOff val="35000"/>
+                    </a:schemeClr>
+                  </a:solidFill>
+                </a:ln>
+                <a:solidFill>
+                  <a:schemeClr val="accent5">
+                    <a:lumMod val="75000"/>
+                  </a:schemeClr>
+                </a:solidFill>
+              </a:rPr>
+              <a:t>לפרטים: </a:t>
+            </a:r>
+            <a:r>
+              <a:rPr lang="en-US" sz="2400" b="1" u="sng" dirty="0">
+                <a:ln>
+                  <a:solidFill>
+                    <a:schemeClr val="tx1">
+                      <a:lumMod val="65000"/>
+                      <a:lumOff val="35000"/>
+                    </a:schemeClr>
+                  </a:solidFill>
+                </a:ln>
+                <a:solidFill>
+                  <a:schemeClr val="accent5">
+                    <a:lumMod val="75000"/>
+                  </a:schemeClr>
+                </a:solidFill>
+              </a:rPr>
+              <a:t>khenheller@mail.tau.ac.il</a:t>
+            </a:r>
+            <a:endParaRPr lang="he-IL" sz="2400" b="1" u="sng" dirty="0">
+              <a:ln>
+                <a:solidFill>
+                  <a:schemeClr val="tx1">
+                    <a:lumMod val="65000"/>
+                    <a:lumOff val="35000"/>
+                  </a:schemeClr>
+                </a:solidFill>
+              </a:ln>
+              <a:solidFill>
+                <a:schemeClr val="accent5">
+                  <a:lumMod val="75000"/>
+                </a:schemeClr>
+              </a:solidFill>
+            </a:endParaRPr>
+          </a:p>
+        </p:txBody>
+      </p:sp>
+      <p:sp>
+        <p:nvSpPr>
+          <p:cNvPr id="10" name="Rectangle 9">
+            <a:extLst>
+              <a:ext uri="{FF2B5EF4-FFF2-40B4-BE49-F238E27FC236}">
+                <a16:creationId xmlns:a16="http://schemas.microsoft.com/office/drawing/2014/main" id="{A8714759-5C3C-479D-B957-02304E4D0F50}"/>
+              </a:ext>
+            </a:extLst>
+          </p:cNvPr>
+          <p:cNvSpPr/>
+          <p:nvPr/>
+        </p:nvSpPr>
+        <p:spPr>
+          <a:xfrm>
+            <a:off x="3672324" y="938461"/>
+            <a:ext cx="4886274" cy="769441"/>
+          </a:xfrm>
+          <a:prstGeom prst="rect">
+            <a:avLst/>
+          </a:prstGeom>
+          <a:noFill/>
+        </p:spPr>
+        <p:txBody>
+          <a:bodyPr wrap="none" lIns="91440" tIns="45720" rIns="91440" bIns="45720">
+            <a:spAutoFit/>
+            <a:scene3d>
+              <a:camera prst="perspectiveFront"/>
+              <a:lightRig rig="harsh" dir="t"/>
+            </a:scene3d>
+            <a:sp3d extrusionH="57150" prstMaterial="matte">
+              <a:bevelT w="63500" h="12700" prst="slope"/>
+              <a:contourClr>
+                <a:schemeClr val="bg1">
+                  <a:lumMod val="65000"/>
+                </a:schemeClr>
+              </a:contourClr>
+            </a:sp3d>
+          </a:bodyPr>
+          <a:lstStyle/>
+          <a:p>
+            <a:pPr algn="ctr" rtl="1"/>
+            <a:r>
+              <a:rPr lang="he-IL" sz="4400" b="1" dirty="0">
+                <a:ln/>
+                <a:solidFill>
+                  <a:srgbClr val="09FF32"/>
+                </a:solidFill>
+                <a:effectLst>
+                  <a:glow rad="787400">
+                    <a:schemeClr val="bg1">
+                      <a:alpha val="40000"/>
+                    </a:schemeClr>
+                  </a:glow>
+                </a:effectLst>
+              </a:rPr>
+              <a:t>120 </a:t>
+            </a:r>
+            <a:r>
+              <a:rPr lang="he-IL" sz="4400" b="1" cap="none" spc="0" dirty="0">
+                <a:ln/>
+                <a:solidFill>
+                  <a:srgbClr val="09FF32"/>
+                </a:solidFill>
+                <a:effectLst>
+                  <a:glow rad="787400">
+                    <a:schemeClr val="bg1">
+                      <a:alpha val="40000"/>
+                    </a:schemeClr>
+                  </a:glow>
+                </a:effectLst>
+              </a:rPr>
               <a:t>דקות, 100 ש"ח</a:t>
             </a:r>
             <a:endParaRPr lang="en-US" sz="4400" b="1" cap="none" spc="0" dirty="0">
@@ -5306,7 +6175,7 @@
 </p:sld>
 </file>
 
-<file path=ppt/slides/slide6.xml><?xml version="1.0" encoding="utf-8"?>
+<file path=ppt/slides/slide7.xml><?xml version="1.0" encoding="utf-8"?>
 <p:sld xmlns:a="http://schemas.openxmlformats.org/drawingml/2006/main" xmlns:r="http://schemas.openxmlformats.org/officeDocument/2006/relationships" xmlns:p="http://schemas.openxmlformats.org/presentationml/2006/main">
   <p:cSld>
     <p:spTree>

--- a/experiment/subject_recruitment/מודעות גיוס.pptx
+++ b/experiment/subject_recruitment/מודעות גיוס.pptx
@@ -8,10 +8,11 @@
     <p:sldId id="256" r:id="rId2"/>
     <p:sldId id="261" r:id="rId3"/>
     <p:sldId id="262" r:id="rId4"/>
-    <p:sldId id="260" r:id="rId5"/>
-    <p:sldId id="257" r:id="rId6"/>
-    <p:sldId id="258" r:id="rId7"/>
-    <p:sldId id="259" r:id="rId8"/>
+    <p:sldId id="263" r:id="rId5"/>
+    <p:sldId id="260" r:id="rId6"/>
+    <p:sldId id="257" r:id="rId7"/>
+    <p:sldId id="258" r:id="rId8"/>
+    <p:sldId id="259" r:id="rId9"/>
   </p:sldIdLst>
   <p:sldSz cx="12192000" cy="6858000"/>
   <p:notesSz cx="6858000" cy="9144000"/>
@@ -267,7 +268,7 @@
           <a:p>
             <a:fld id="{351EEA5B-5A71-4DF3-A5C7-778567C98FB4}" type="datetimeFigureOut">
               <a:rPr lang="he-IL" smtClean="0"/>
-              <a:t>כ'/תמוז/תשפ"ב</a:t>
+              <a:t>ה'/אב/תשפ"ב</a:t>
             </a:fld>
             <a:endParaRPr lang="he-IL"/>
           </a:p>
@@ -467,7 +468,7 @@
           <a:p>
             <a:fld id="{351EEA5B-5A71-4DF3-A5C7-778567C98FB4}" type="datetimeFigureOut">
               <a:rPr lang="he-IL" smtClean="0"/>
-              <a:t>כ'/תמוז/תשפ"ב</a:t>
+              <a:t>ה'/אב/תשפ"ב</a:t>
             </a:fld>
             <a:endParaRPr lang="he-IL"/>
           </a:p>
@@ -677,7 +678,7 @@
           <a:p>
             <a:fld id="{351EEA5B-5A71-4DF3-A5C7-778567C98FB4}" type="datetimeFigureOut">
               <a:rPr lang="he-IL" smtClean="0"/>
-              <a:t>כ'/תמוז/תשפ"ב</a:t>
+              <a:t>ה'/אב/תשפ"ב</a:t>
             </a:fld>
             <a:endParaRPr lang="he-IL"/>
           </a:p>
@@ -877,7 +878,7 @@
           <a:p>
             <a:fld id="{351EEA5B-5A71-4DF3-A5C7-778567C98FB4}" type="datetimeFigureOut">
               <a:rPr lang="he-IL" smtClean="0"/>
-              <a:t>כ'/תמוז/תשפ"ב</a:t>
+              <a:t>ה'/אב/תשפ"ב</a:t>
             </a:fld>
             <a:endParaRPr lang="he-IL"/>
           </a:p>
@@ -1153,7 +1154,7 @@
           <a:p>
             <a:fld id="{351EEA5B-5A71-4DF3-A5C7-778567C98FB4}" type="datetimeFigureOut">
               <a:rPr lang="he-IL" smtClean="0"/>
-              <a:t>כ'/תמוז/תשפ"ב</a:t>
+              <a:t>ה'/אב/תשפ"ב</a:t>
             </a:fld>
             <a:endParaRPr lang="he-IL"/>
           </a:p>
@@ -1421,7 +1422,7 @@
           <a:p>
             <a:fld id="{351EEA5B-5A71-4DF3-A5C7-778567C98FB4}" type="datetimeFigureOut">
               <a:rPr lang="he-IL" smtClean="0"/>
-              <a:t>כ'/תמוז/תשפ"ב</a:t>
+              <a:t>ה'/אב/תשפ"ב</a:t>
             </a:fld>
             <a:endParaRPr lang="he-IL"/>
           </a:p>
@@ -1836,7 +1837,7 @@
           <a:p>
             <a:fld id="{351EEA5B-5A71-4DF3-A5C7-778567C98FB4}" type="datetimeFigureOut">
               <a:rPr lang="he-IL" smtClean="0"/>
-              <a:t>כ'/תמוז/תשפ"ב</a:t>
+              <a:t>ה'/אב/תשפ"ב</a:t>
             </a:fld>
             <a:endParaRPr lang="he-IL"/>
           </a:p>
@@ -1978,7 +1979,7 @@
           <a:p>
             <a:fld id="{351EEA5B-5A71-4DF3-A5C7-778567C98FB4}" type="datetimeFigureOut">
               <a:rPr lang="he-IL" smtClean="0"/>
-              <a:t>כ'/תמוז/תשפ"ב</a:t>
+              <a:t>ה'/אב/תשפ"ב</a:t>
             </a:fld>
             <a:endParaRPr lang="he-IL"/>
           </a:p>
@@ -2091,7 +2092,7 @@
           <a:p>
             <a:fld id="{351EEA5B-5A71-4DF3-A5C7-778567C98FB4}" type="datetimeFigureOut">
               <a:rPr lang="he-IL" smtClean="0"/>
-              <a:t>כ'/תמוז/תשפ"ב</a:t>
+              <a:t>ה'/אב/תשפ"ב</a:t>
             </a:fld>
             <a:endParaRPr lang="he-IL"/>
           </a:p>
@@ -2404,7 +2405,7 @@
           <a:p>
             <a:fld id="{351EEA5B-5A71-4DF3-A5C7-778567C98FB4}" type="datetimeFigureOut">
               <a:rPr lang="he-IL" smtClean="0"/>
-              <a:t>כ'/תמוז/תשפ"ב</a:t>
+              <a:t>ה'/אב/תשפ"ב</a:t>
             </a:fld>
             <a:endParaRPr lang="he-IL"/>
           </a:p>
@@ -2693,7 +2694,7 @@
           <a:p>
             <a:fld id="{351EEA5B-5A71-4DF3-A5C7-778567C98FB4}" type="datetimeFigureOut">
               <a:rPr lang="he-IL" smtClean="0"/>
-              <a:t>כ'/תמוז/תשפ"ב</a:t>
+              <a:t>ה'/אב/תשפ"ב</a:t>
             </a:fld>
             <a:endParaRPr lang="he-IL"/>
           </a:p>
@@ -2936,7 +2937,7 @@
           <a:p>
             <a:fld id="{351EEA5B-5A71-4DF3-A5C7-778567C98FB4}" type="datetimeFigureOut">
               <a:rPr lang="he-IL" smtClean="0"/>
-              <a:t>כ'/תמוז/תשפ"ב</a:t>
+              <a:t>ה'/אב/תשפ"ב</a:t>
             </a:fld>
             <a:endParaRPr lang="he-IL"/>
           </a:p>
@@ -4321,7 +4322,7 @@
                   </a:schemeClr>
                 </a:solidFill>
               </a:rPr>
-              <a:t>ועבורה תקבלו ב-90 ₪ (וגם תתרמו למדע!)</a:t>
+              <a:t>ועבורה תקבלו 90 ₪ (וגם תתרמו למדע!)</a:t>
             </a:r>
           </a:p>
           <a:p>
@@ -4339,7 +4340,7 @@
                   </a:schemeClr>
                 </a:solidFill>
               </a:rPr>
-              <a:t>המחקר נערך במעבדה לחקר מודעות של פרופסור ליעד </a:t>
+              <a:t>אנו עורכים מחקר במעבדה לחקר מודעות של פרופסור ליעד </a:t>
             </a:r>
             <a:r>
               <a:rPr lang="he-IL" sz="1600" b="1" dirty="0" err="1">
@@ -4384,7 +4385,7 @@
                   </a:schemeClr>
                 </a:solidFill>
               </a:rPr>
-              <a:t>ומיועד לגילאי 18-35, יד ימין דומיננטית, ללא הפרעות קשב וריכוז</a:t>
+              <a:t>המיועד לגילאי 18-35, יד ימין דומיננטית, ללא הפרעות קשב וריכוז</a:t>
             </a:r>
             <a:endParaRPr lang="en-US" sz="1600" b="1" dirty="0">
               <a:ln>
@@ -4528,8 +4529,8 @@
         </p:nvSpPr>
         <p:spPr>
           <a:xfrm>
-            <a:off x="6339982" y="1483634"/>
-            <a:ext cx="5735865" cy="707886"/>
+            <a:off x="6243003" y="1483634"/>
+            <a:ext cx="5929828" cy="584775"/>
           </a:xfrm>
           <a:prstGeom prst="rect">
             <a:avLst/>
@@ -4544,7 +4545,7 @@
           <a:p>
             <a:pPr algn="ctr" rtl="1"/>
             <a:r>
-              <a:rPr lang="he-IL" sz="4000" b="1" dirty="0">
+              <a:rPr lang="he-IL" sz="3200" b="1" dirty="0">
                 <a:ln w="9525">
                   <a:solidFill>
                     <a:schemeClr val="bg1"/>
@@ -4563,9 +4564,9 @@
                   </a:outerShdw>
                 </a:effectLst>
               </a:rPr>
-              <a:t>נמצאים ליד האוניברסיטה?</a:t>
-            </a:r>
-            <a:endParaRPr lang="he-IL" sz="3200" b="1" cap="none" spc="0" dirty="0">
+              <a:t>נמצאים ליד אוניברסיטת תל אביב?</a:t>
+            </a:r>
+            <a:endParaRPr lang="he-IL" sz="2400" b="1" cap="none" spc="0" dirty="0">
               <a:ln w="9525">
                 <a:solidFill>
                   <a:schemeClr val="bg1"/>
@@ -4771,10 +4772,10 @@
       </p:pic>
       <p:sp>
         <p:nvSpPr>
-          <p:cNvPr id="22" name="TextBox 21">
-            <a:extLst>
-              <a:ext uri="{FF2B5EF4-FFF2-40B4-BE49-F238E27FC236}">
-                <a16:creationId xmlns:a16="http://schemas.microsoft.com/office/drawing/2014/main" id="{EE86FF65-3329-3687-E196-949365BC24EE}"/>
+          <p:cNvPr id="11" name="TextBox 10">
+            <a:extLst>
+              <a:ext uri="{FF2B5EF4-FFF2-40B4-BE49-F238E27FC236}">
+                <a16:creationId xmlns:a16="http://schemas.microsoft.com/office/drawing/2014/main" id="{8AB38212-ADA8-D376-5C3F-3E348E60DDF5}"/>
               </a:ext>
             </a:extLst>
           </p:cNvPr>
@@ -4783,7 +4784,7 @@
         </p:nvSpPr>
         <p:spPr>
           <a:xfrm>
-            <a:off x="-364626" y="2446125"/>
+            <a:off x="-369389" y="2446125"/>
             <a:ext cx="6828588" cy="1846659"/>
           </a:xfrm>
           <a:prstGeom prst="rect">
@@ -4832,7 +4833,7 @@
                   </a:schemeClr>
                 </a:solidFill>
               </a:rPr>
-              <a:t>ועבורה תקבלו ב-90 ₪ (וגם תתרמו למדע!)</a:t>
+              <a:t>ועבורה תקבלו 90 ₪ (וגם תתרמו למדע!)</a:t>
             </a:r>
           </a:p>
           <a:p>
@@ -4850,7 +4851,7 @@
                   </a:schemeClr>
                 </a:solidFill>
               </a:rPr>
-              <a:t>המחקר נערך במעבדה לחקר מודעות של פרופסור ליעד </a:t>
+              <a:t>אנו עורכים מחקר במעבדה לחקר מודעות של פרופסור ליעד </a:t>
             </a:r>
             <a:r>
               <a:rPr lang="he-IL" sz="1600" b="1" dirty="0" err="1">
@@ -4895,7 +4896,7 @@
                   </a:schemeClr>
                 </a:solidFill>
               </a:rPr>
-              <a:t>ומיועד לגילאי 18-35, יד ימין דומיננטית, ללא הפרעות קשב וריכוז</a:t>
+              <a:t>המיועד לגילאי 18-35, יד ימין דומיננטית, ללא הפרעות קשב וריכוז</a:t>
             </a:r>
             <a:endParaRPr lang="en-US" sz="1600" b="1" dirty="0">
               <a:ln>
@@ -5031,22 +5032,22 @@
           </p:cNvPicPr>
           <p:nvPr/>
         </p:nvPicPr>
-        <p:blipFill>
+        <p:blipFill rotWithShape="1">
           <a:blip r:embed="rId2">
+            <a:alphaModFix amt="50000"/>
             <a:extLst>
               <a:ext uri="{28A0092B-C50C-407E-A947-70E740481C1C}">
                 <a14:useLocalDpi xmlns:a14="http://schemas.microsoft.com/office/drawing/2010/main" val="0"/>
               </a:ext>
             </a:extLst>
           </a:blip>
-          <a:stretch>
-            <a:fillRect/>
-          </a:stretch>
+          <a:srcRect t="9073" r="28203" b="6800"/>
+          <a:stretch/>
         </p:blipFill>
         <p:spPr>
           <a:xfrm>
-            <a:off x="2183728" y="492094"/>
-            <a:ext cx="9163276" cy="5291252"/>
+            <a:off x="7464113" y="4316599"/>
+            <a:ext cx="3487601" cy="2359767"/>
           </a:xfrm>
           <a:prstGeom prst="rect">
             <a:avLst/>
@@ -5067,8 +5068,8 @@
         </p:nvSpPr>
         <p:spPr>
           <a:xfrm>
-            <a:off x="2623741" y="0"/>
-            <a:ext cx="6944529" cy="923330"/>
+            <a:off x="6359733" y="0"/>
+            <a:ext cx="5551521" cy="1938992"/>
           </a:xfrm>
           <a:prstGeom prst="rect">
             <a:avLst/>
@@ -5081,9 +5082,9 @@
           </a:bodyPr>
           <a:lstStyle/>
           <a:p>
-            <a:pPr algn="ctr"/>
-            <a:r>
-              <a:rPr lang="he-IL" sz="5400" b="1" cap="none" spc="0" dirty="0">
+            <a:pPr algn="ctr" rtl="1"/>
+            <a:r>
+              <a:rPr lang="he-IL" sz="6000" b="1" dirty="0">
                 <a:ln w="9525">
                   <a:solidFill>
                     <a:schemeClr val="bg1"/>
@@ -5102,9 +5103,34 @@
                   </a:outerShdw>
                 </a:effectLst>
               </a:rPr>
-              <a:t>ניסוי במעקב אחר תנועה</a:t>
-            </a:r>
-            <a:endParaRPr lang="en-US" sz="5400" b="1" cap="none" spc="0" dirty="0">
+              <a:t>רוצים להרוויח</a:t>
+            </a:r>
+          </a:p>
+          <a:p>
+            <a:pPr algn="ctr" rtl="1"/>
+            <a:r>
+              <a:rPr lang="he-IL" sz="6000" b="1" dirty="0">
+                <a:ln w="9525">
+                  <a:solidFill>
+                    <a:schemeClr val="bg1"/>
+                  </a:solidFill>
+                  <a:prstDash val="solid"/>
+                </a:ln>
+                <a:solidFill>
+                  <a:schemeClr val="accent5"/>
+                </a:solidFill>
+                <a:effectLst>
+                  <a:outerShdw blurRad="12700" dist="38100" dir="2700000" algn="tl" rotWithShape="0">
+                    <a:schemeClr val="accent5">
+                      <a:lumMod val="60000"/>
+                      <a:lumOff val="40000"/>
+                    </a:schemeClr>
+                  </a:outerShdw>
+                </a:effectLst>
+              </a:rPr>
+              <a:t>90₪ ב90 דקות?</a:t>
+            </a:r>
+            <a:endParaRPr lang="he-IL" sz="3600" b="1" cap="none" spc="0" dirty="0">
               <a:ln w="9525">
                 <a:solidFill>
                   <a:schemeClr val="bg1"/>
@@ -5140,13 +5166,16 @@
         </p:nvSpPr>
         <p:spPr>
           <a:xfrm>
-            <a:off x="-122548" y="5353329"/>
-            <a:ext cx="12851874" cy="1323439"/>
+            <a:off x="5784094" y="2446125"/>
+            <a:ext cx="6828588" cy="1846659"/>
           </a:xfrm>
           <a:prstGeom prst="rect">
             <a:avLst/>
           </a:prstGeom>
           <a:noFill/>
+          <a:ln>
+            <a:noFill/>
+          </a:ln>
         </p:spPr>
         <p:txBody>
           <a:bodyPr wrap="square" rtlCol="1">
@@ -5154,15 +5183,12 @@
           </a:bodyPr>
           <a:lstStyle/>
           <a:p>
-            <a:pPr algn="ctr"/>
-            <a:r>
-              <a:rPr lang="he-IL" sz="3200" b="1" dirty="0">
+            <a:pPr algn="ctr" rtl="1"/>
+            <a:r>
+              <a:rPr lang="he-IL" b="1" dirty="0">
                 <a:ln>
                   <a:solidFill>
-                    <a:schemeClr val="tx1">
-                      <a:lumMod val="65000"/>
-                      <a:lumOff val="35000"/>
-                    </a:schemeClr>
+                    <a:schemeClr val="tx1"/>
                   </a:solidFill>
                 </a:ln>
                 <a:solidFill>
@@ -5171,15 +5197,63 @@
                   </a:schemeClr>
                 </a:solidFill>
               </a:rPr>
-              <a:t>מיועד לגילאי 18-35, יד ימין דומיננטית, ללא הפרעות קשב וריכוז</a:t>
-            </a:r>
-            <a:endParaRPr lang="en-US" sz="3200" b="1" dirty="0">
+              <a:t>קיפצו אלינו ובצעו מטלה ממוחשבת שנמשכת עד שעה וחצי</a:t>
+            </a:r>
+          </a:p>
+          <a:p>
+            <a:pPr algn="ctr" rtl="1"/>
+            <a:r>
+              <a:rPr lang="he-IL" b="1" dirty="0">
+                <a:ln>
+                  <a:solidFill>
+                    <a:schemeClr val="tx1"/>
+                  </a:solidFill>
+                </a:ln>
+                <a:solidFill>
+                  <a:schemeClr val="accent5">
+                    <a:lumMod val="75000"/>
+                  </a:schemeClr>
+                </a:solidFill>
+              </a:rPr>
+              <a:t>ועבורה תקבלו 90 ₪ (וגם תתרמו למדע!)</a:t>
+            </a:r>
+          </a:p>
+          <a:p>
+            <a:pPr algn="ctr" rtl="1"/>
+            <a:r>
+              <a:rPr lang="he-IL" sz="1600" b="1" dirty="0">
+                <a:ln>
+                  <a:solidFill>
+                    <a:schemeClr val="tx1"/>
+                  </a:solidFill>
+                </a:ln>
+                <a:solidFill>
+                  <a:schemeClr val="accent5">
+                    <a:lumMod val="75000"/>
+                  </a:schemeClr>
+                </a:solidFill>
+              </a:rPr>
+              <a:t>אנו עורכים מחקר במעבדה לחקר מודעות של פרופסור ליעד </a:t>
+            </a:r>
+            <a:r>
+              <a:rPr lang="he-IL" sz="1600" b="1" dirty="0" err="1">
+                <a:ln>
+                  <a:solidFill>
+                    <a:schemeClr val="tx1"/>
+                  </a:solidFill>
+                </a:ln>
+                <a:solidFill>
+                  <a:schemeClr val="accent5">
+                    <a:lumMod val="75000"/>
+                  </a:schemeClr>
+                </a:solidFill>
+              </a:rPr>
+              <a:t>מודריק</a:t>
+            </a:r>
+            <a:endParaRPr lang="he-IL" sz="1600" b="1" dirty="0">
               <a:ln>
                 <a:solidFill>
-                  <a:schemeClr val="tx1">
-                    <a:lumMod val="65000"/>
-                    <a:lumOff val="35000"/>
-                  </a:schemeClr>
+                  <a:schemeClr val="tx1"/>
                 </a:solidFill>
               </a:ln>
               <a:solidFill>
@@ -5190,15 +5264,12 @@
             </a:endParaRPr>
           </a:p>
           <a:p>
-            <a:pPr algn="ctr"/>
-            <a:r>
-              <a:rPr lang="he-IL" sz="2400" b="1" dirty="0">
+            <a:pPr algn="ctr" rtl="1"/>
+            <a:r>
+              <a:rPr lang="he-IL" sz="1600" b="1" dirty="0">
                 <a:ln>
                   <a:solidFill>
-                    <a:schemeClr val="tx1">
-                      <a:lumMod val="65000"/>
-                      <a:lumOff val="35000"/>
-                    </a:schemeClr>
+                    <a:schemeClr val="tx1"/>
                   </a:solidFill>
                 </a:ln>
                 <a:solidFill>
@@ -5207,15 +5278,12 @@
                   </a:schemeClr>
                 </a:solidFill>
               </a:rPr>
-              <a:t>בניין שרת, חדר 118, אוניברסיטת תל אביב</a:t>
-            </a:r>
-            <a:endParaRPr lang="en-US" sz="2400" b="1" dirty="0">
+              <a:t>המיועד לגילאי 18-35, יד ימין דומיננטית, ללא הפרעות קשב וריכוז</a:t>
+            </a:r>
+            <a:endParaRPr lang="en-US" sz="1600" b="1" dirty="0">
               <a:ln>
                 <a:solidFill>
-                  <a:schemeClr val="tx1">
-                    <a:lumMod val="65000"/>
-                    <a:lumOff val="35000"/>
-                  </a:schemeClr>
+                  <a:schemeClr val="tx1"/>
                 </a:solidFill>
               </a:ln>
               <a:solidFill>
@@ -5228,13 +5296,10 @@
           <a:p>
             <a:pPr algn="ctr" rtl="1"/>
             <a:r>
-              <a:rPr lang="he-IL" sz="2400" b="1" dirty="0">
+              <a:rPr lang="he-IL" sz="1400" b="1" dirty="0">
                 <a:ln>
                   <a:solidFill>
-                    <a:schemeClr val="tx1">
-                      <a:lumMod val="65000"/>
-                      <a:lumOff val="35000"/>
-                    </a:schemeClr>
+                    <a:schemeClr val="tx1"/>
                   </a:solidFill>
                 </a:ln>
                 <a:solidFill>
@@ -5243,33 +5308,12 @@
                   </a:schemeClr>
                 </a:solidFill>
               </a:rPr>
-              <a:t>לפרטים: </a:t>
-            </a:r>
-            <a:r>
-              <a:rPr lang="en-US" sz="2400" b="1" u="sng" dirty="0">
-                <a:ln>
-                  <a:solidFill>
-                    <a:schemeClr val="tx1">
-                      <a:lumMod val="65000"/>
-                      <a:lumOff val="35000"/>
-                    </a:schemeClr>
-                  </a:solidFill>
-                </a:ln>
-                <a:solidFill>
-                  <a:schemeClr val="accent5">
-                    <a:lumMod val="75000"/>
-                  </a:schemeClr>
-                </a:solidFill>
-              </a:rPr>
-              <a:t>khenheller@mail.tau.ac.il</a:t>
-            </a:r>
-            <a:endParaRPr lang="he-IL" sz="2400" b="1" u="sng" dirty="0">
+              <a:t>בניין שרת, חדר 118, אוניברסיטת תל אביב</a:t>
+            </a:r>
+            <a:endParaRPr lang="en-US" sz="1400" b="1" dirty="0">
               <a:ln>
                 <a:solidFill>
-                  <a:schemeClr val="tx1">
-                    <a:lumMod val="65000"/>
-                    <a:lumOff val="35000"/>
-                  </a:schemeClr>
+                  <a:schemeClr val="tx1"/>
                 </a:solidFill>
               </a:ln>
               <a:solidFill>
@@ -5279,14 +5323,97 @@
               </a:solidFill>
             </a:endParaRPr>
           </a:p>
-        </p:txBody>
-      </p:sp>
-      <p:sp>
-        <p:nvSpPr>
-          <p:cNvPr id="10" name="Rectangle 9">
-            <a:extLst>
-              <a:ext uri="{FF2B5EF4-FFF2-40B4-BE49-F238E27FC236}">
-                <a16:creationId xmlns:a16="http://schemas.microsoft.com/office/drawing/2014/main" id="{A8714759-5C3C-479D-B957-02304E4D0F50}"/>
+          <a:p>
+            <a:pPr algn="ctr" rtl="1"/>
+            <a:r>
+              <a:rPr lang="he-IL" sz="3200" b="1" dirty="0">
+                <a:ln>
+                  <a:solidFill>
+                    <a:schemeClr val="tx1"/>
+                  </a:solidFill>
+                </a:ln>
+                <a:solidFill>
+                  <a:schemeClr val="accent5">
+                    <a:lumMod val="75000"/>
+                  </a:schemeClr>
+                </a:solidFill>
+              </a:rPr>
+              <a:t>לפרטים: </a:t>
+            </a:r>
+            <a:r>
+              <a:rPr lang="en-US" sz="3200" b="1" dirty="0">
+                <a:ln>
+                  <a:solidFill>
+                    <a:schemeClr val="tx1"/>
+                  </a:solidFill>
+                </a:ln>
+                <a:solidFill>
+                  <a:schemeClr val="accent5">
+                    <a:lumMod val="75000"/>
+                  </a:schemeClr>
+                </a:solidFill>
+              </a:rPr>
+              <a:t>khenheller@mail.tau.ac.il</a:t>
+            </a:r>
+            <a:endParaRPr lang="he-IL" sz="3200" b="1" dirty="0">
+              <a:ln>
+                <a:solidFill>
+                  <a:schemeClr val="tx1"/>
+                </a:solidFill>
+              </a:ln>
+              <a:solidFill>
+                <a:schemeClr val="accent5">
+                  <a:lumMod val="75000"/>
+                </a:schemeClr>
+              </a:solidFill>
+            </a:endParaRPr>
+          </a:p>
+        </p:txBody>
+      </p:sp>
+      <p:cxnSp>
+        <p:nvCxnSpPr>
+          <p:cNvPr id="8" name="Straight Connector 7">
+            <a:extLst>
+              <a:ext uri="{FF2B5EF4-FFF2-40B4-BE49-F238E27FC236}">
+                <a16:creationId xmlns:a16="http://schemas.microsoft.com/office/drawing/2014/main" id="{8766D4C6-0A69-7B1A-40EB-BF7482FE2B15}"/>
+              </a:ext>
+            </a:extLst>
+          </p:cNvPr>
+          <p:cNvCxnSpPr>
+            <a:cxnSpLocks/>
+          </p:cNvCxnSpPr>
+          <p:nvPr/>
+        </p:nvCxnSpPr>
+        <p:spPr>
+          <a:xfrm>
+            <a:off x="6096000" y="0"/>
+            <a:ext cx="0" cy="6858000"/>
+          </a:xfrm>
+          <a:prstGeom prst="line">
+            <a:avLst/>
+          </a:prstGeom>
+        </p:spPr>
+        <p:style>
+          <a:lnRef idx="1">
+            <a:schemeClr val="accent1"/>
+          </a:lnRef>
+          <a:fillRef idx="0">
+            <a:schemeClr val="accent1"/>
+          </a:fillRef>
+          <a:effectRef idx="0">
+            <a:schemeClr val="accent1"/>
+          </a:effectRef>
+          <a:fontRef idx="minor">
+            <a:schemeClr val="tx1"/>
+          </a:fontRef>
+        </p:style>
+      </p:cxnSp>
+      <p:sp>
+        <p:nvSpPr>
+          <p:cNvPr id="12" name="Rectangle 11">
+            <a:extLst>
+              <a:ext uri="{FF2B5EF4-FFF2-40B4-BE49-F238E27FC236}">
+                <a16:creationId xmlns:a16="http://schemas.microsoft.com/office/drawing/2014/main" id="{DB78AB05-9899-918D-BA4E-623340E87296}"/>
               </a:ext>
             </a:extLst>
           </p:cNvPr>
@@ -5295,8 +5422,8 @@
         </p:nvSpPr>
         <p:spPr>
           <a:xfrm>
-            <a:off x="3986512" y="938461"/>
-            <a:ext cx="4257897" cy="769441"/>
+            <a:off x="6243003" y="1827347"/>
+            <a:ext cx="5929828" cy="584775"/>
           </a:xfrm>
           <a:prstGeom prst="rect">
             <a:avLst/>
@@ -5306,50 +5433,450 @@
         <p:txBody>
           <a:bodyPr wrap="none" lIns="91440" tIns="45720" rIns="91440" bIns="45720">
             <a:spAutoFit/>
-            <a:scene3d>
-              <a:camera prst="perspectiveFront"/>
-              <a:lightRig rig="harsh" dir="t"/>
-            </a:scene3d>
-            <a:sp3d extrusionH="57150" prstMaterial="matte">
-              <a:bevelT w="63500" h="12700" prst="slope"/>
-              <a:contourClr>
-                <a:schemeClr val="bg1">
-                  <a:lumMod val="65000"/>
-                </a:schemeClr>
-              </a:contourClr>
-            </a:sp3d>
           </a:bodyPr>
           <a:lstStyle/>
           <a:p>
-            <a:pPr algn="ctr"/>
-            <a:r>
-              <a:rPr lang="he-IL" sz="4400" b="1" cap="none" spc="0" dirty="0">
-                <a:ln/>
-                <a:solidFill>
-                  <a:srgbClr val="09FF32"/>
+            <a:pPr algn="ctr" rtl="1"/>
+            <a:r>
+              <a:rPr lang="he-IL" sz="3200" b="1" dirty="0">
+                <a:ln w="9525">
+                  <a:solidFill>
+                    <a:schemeClr val="bg1"/>
+                  </a:solidFill>
+                  <a:prstDash val="solid"/>
+                </a:ln>
+                <a:solidFill>
+                  <a:schemeClr val="accent5"/>
                 </a:solidFill>
                 <a:effectLst>
-                  <a:glow rad="787400">
-                    <a:schemeClr val="bg1">
-                      <a:alpha val="40000"/>
+                  <a:outerShdw blurRad="12700" dist="38100" dir="2700000" algn="tl" rotWithShape="0">
+                    <a:schemeClr val="accent5">
+                      <a:lumMod val="60000"/>
+                      <a:lumOff val="40000"/>
                     </a:schemeClr>
-                  </a:glow>
+                  </a:outerShdw>
                 </a:effectLst>
               </a:rPr>
-              <a:t>90 דקות, 60 ש"ח</a:t>
-            </a:r>
-            <a:endParaRPr lang="en-US" sz="4400" b="1" cap="none" spc="0" dirty="0">
-              <a:ln/>
+              <a:t>נמצאים ליד אוניברסיטת תל אביב?</a:t>
+            </a:r>
+            <a:endParaRPr lang="he-IL" sz="2400" b="1" cap="none" spc="0" dirty="0">
+              <a:ln w="9525">
+                <a:solidFill>
+                  <a:schemeClr val="bg1"/>
+                </a:solidFill>
+                <a:prstDash val="solid"/>
+              </a:ln>
               <a:solidFill>
-                <a:srgbClr val="09FF32"/>
+                <a:schemeClr val="accent5"/>
               </a:solidFill>
               <a:effectLst>
-                <a:glow rad="787400">
-                  <a:schemeClr val="bg1">
-                    <a:alpha val="40000"/>
-                  </a:schemeClr>
-                </a:glow>
+                <a:outerShdw blurRad="12700" dist="38100" dir="2700000" algn="tl" rotWithShape="0">
+                  <a:schemeClr val="accent5">
+                    <a:lumMod val="60000"/>
+                    <a:lumOff val="40000"/>
+                  </a:schemeClr>
+                </a:outerShdw>
               </a:effectLst>
+            </a:endParaRPr>
+          </a:p>
+        </p:txBody>
+      </p:sp>
+      <p:sp>
+        <p:nvSpPr>
+          <p:cNvPr id="18" name="Rectangle 17">
+            <a:extLst>
+              <a:ext uri="{FF2B5EF4-FFF2-40B4-BE49-F238E27FC236}">
+                <a16:creationId xmlns:a16="http://schemas.microsoft.com/office/drawing/2014/main" id="{CCF35DAA-51A9-E68E-B6F5-646B1432F190}"/>
+              </a:ext>
+            </a:extLst>
+          </p:cNvPr>
+          <p:cNvSpPr/>
+          <p:nvPr/>
+        </p:nvSpPr>
+        <p:spPr>
+          <a:xfrm>
+            <a:off x="114455" y="0"/>
+            <a:ext cx="5860900" cy="1323439"/>
+          </a:xfrm>
+          <a:prstGeom prst="rect">
+            <a:avLst/>
+          </a:prstGeom>
+          <a:noFill/>
+        </p:spPr>
+        <p:txBody>
+          <a:bodyPr wrap="none" lIns="91440" tIns="45720" rIns="91440" bIns="45720">
+            <a:spAutoFit/>
+          </a:bodyPr>
+          <a:lstStyle/>
+          <a:p>
+            <a:pPr algn="ctr" rtl="1"/>
+            <a:r>
+              <a:rPr lang="he-IL" sz="8000" b="1" dirty="0">
+                <a:ln w="9525">
+                  <a:solidFill>
+                    <a:schemeClr val="bg1"/>
+                  </a:solidFill>
+                  <a:prstDash val="solid"/>
+                </a:ln>
+                <a:solidFill>
+                  <a:schemeClr val="accent5"/>
+                </a:solidFill>
+                <a:effectLst>
+                  <a:outerShdw blurRad="12700" dist="38100" dir="2700000" algn="tl" rotWithShape="0">
+                    <a:schemeClr val="accent5">
+                      <a:lumMod val="60000"/>
+                      <a:lumOff val="40000"/>
+                    </a:schemeClr>
+                  </a:outerShdw>
+                </a:effectLst>
+              </a:rPr>
+              <a:t>90 ₪ בקלות?</a:t>
+            </a:r>
+            <a:endParaRPr lang="he-IL" sz="4800" b="1" cap="none" spc="0" dirty="0">
+              <a:ln w="9525">
+                <a:solidFill>
+                  <a:schemeClr val="bg1"/>
+                </a:solidFill>
+                <a:prstDash val="solid"/>
+              </a:ln>
+              <a:solidFill>
+                <a:schemeClr val="accent5"/>
+              </a:solidFill>
+              <a:effectLst>
+                <a:outerShdw blurRad="12700" dist="38100" dir="2700000" algn="tl" rotWithShape="0">
+                  <a:schemeClr val="accent5">
+                    <a:lumMod val="60000"/>
+                    <a:lumOff val="40000"/>
+                  </a:schemeClr>
+                </a:outerShdw>
+              </a:effectLst>
+            </a:endParaRPr>
+          </a:p>
+        </p:txBody>
+      </p:sp>
+      <p:sp>
+        <p:nvSpPr>
+          <p:cNvPr id="20" name="Rectangle 19">
+            <a:extLst>
+              <a:ext uri="{FF2B5EF4-FFF2-40B4-BE49-F238E27FC236}">
+                <a16:creationId xmlns:a16="http://schemas.microsoft.com/office/drawing/2014/main" id="{5701BA2D-D970-1A0C-3E7E-A8D0EF6E8BE5}"/>
+              </a:ext>
+            </a:extLst>
+          </p:cNvPr>
+          <p:cNvSpPr/>
+          <p:nvPr/>
+        </p:nvSpPr>
+        <p:spPr>
+          <a:xfrm>
+            <a:off x="176973" y="1483634"/>
+            <a:ext cx="5735865" cy="707886"/>
+          </a:xfrm>
+          <a:prstGeom prst="rect">
+            <a:avLst/>
+          </a:prstGeom>
+          <a:noFill/>
+        </p:spPr>
+        <p:txBody>
+          <a:bodyPr wrap="none" lIns="91440" tIns="45720" rIns="91440" bIns="45720">
+            <a:spAutoFit/>
+          </a:bodyPr>
+          <a:lstStyle/>
+          <a:p>
+            <a:pPr algn="ctr" rtl="1"/>
+            <a:r>
+              <a:rPr lang="he-IL" sz="4000" b="1" dirty="0">
+                <a:ln w="9525">
+                  <a:solidFill>
+                    <a:schemeClr val="bg1"/>
+                  </a:solidFill>
+                  <a:prstDash val="solid"/>
+                </a:ln>
+                <a:solidFill>
+                  <a:schemeClr val="accent5"/>
+                </a:solidFill>
+                <a:effectLst>
+                  <a:outerShdw blurRad="12700" dist="38100" dir="2700000" algn="tl" rotWithShape="0">
+                    <a:schemeClr val="accent5">
+                      <a:lumMod val="60000"/>
+                      <a:lumOff val="40000"/>
+                    </a:schemeClr>
+                  </a:outerShdw>
+                </a:effectLst>
+              </a:rPr>
+              <a:t>נמצאים ליד האוניברסיטה?</a:t>
+            </a:r>
+            <a:endParaRPr lang="he-IL" sz="3200" b="1" cap="none" spc="0" dirty="0">
+              <a:ln w="9525">
+                <a:solidFill>
+                  <a:schemeClr val="bg1"/>
+                </a:solidFill>
+                <a:prstDash val="solid"/>
+              </a:ln>
+              <a:solidFill>
+                <a:schemeClr val="accent5"/>
+              </a:solidFill>
+              <a:effectLst>
+                <a:outerShdw blurRad="12700" dist="38100" dir="2700000" algn="tl" rotWithShape="0">
+                  <a:schemeClr val="accent5">
+                    <a:lumMod val="60000"/>
+                    <a:lumOff val="40000"/>
+                  </a:schemeClr>
+                </a:outerShdw>
+              </a:effectLst>
+            </a:endParaRPr>
+          </a:p>
+        </p:txBody>
+      </p:sp>
+      <p:pic>
+        <p:nvPicPr>
+          <p:cNvPr id="21" name="Picture 20" descr="A dog looking at a computer&#10;&#10;Description automatically generated with medium confidence">
+            <a:extLst>
+              <a:ext uri="{FF2B5EF4-FFF2-40B4-BE49-F238E27FC236}">
+                <a16:creationId xmlns:a16="http://schemas.microsoft.com/office/drawing/2014/main" id="{C4A3B284-B8C8-6CB3-164B-C3C00C82E844}"/>
+              </a:ext>
+            </a:extLst>
+          </p:cNvPr>
+          <p:cNvPicPr>
+            <a:picLocks noChangeAspect="1"/>
+          </p:cNvPicPr>
+          <p:nvPr/>
+        </p:nvPicPr>
+        <p:blipFill rotWithShape="1">
+          <a:blip r:embed="rId2">
+            <a:alphaModFix amt="50000"/>
+            <a:extLst>
+              <a:ext uri="{28A0092B-C50C-407E-A947-70E740481C1C}">
+                <a14:useLocalDpi xmlns:a14="http://schemas.microsoft.com/office/drawing/2010/main" val="0"/>
+              </a:ext>
+            </a:extLst>
+          </a:blip>
+          <a:srcRect t="9073" r="28203" b="6800"/>
+          <a:stretch/>
+        </p:blipFill>
+        <p:spPr>
+          <a:xfrm>
+            <a:off x="1301105" y="4316599"/>
+            <a:ext cx="3487601" cy="2359767"/>
+          </a:xfrm>
+          <a:prstGeom prst="rect">
+            <a:avLst/>
+          </a:prstGeom>
+        </p:spPr>
+      </p:pic>
+      <p:sp>
+        <p:nvSpPr>
+          <p:cNvPr id="11" name="TextBox 10">
+            <a:extLst>
+              <a:ext uri="{FF2B5EF4-FFF2-40B4-BE49-F238E27FC236}">
+                <a16:creationId xmlns:a16="http://schemas.microsoft.com/office/drawing/2014/main" id="{8AB38212-ADA8-D376-5C3F-3E348E60DDF5}"/>
+              </a:ext>
+            </a:extLst>
+          </p:cNvPr>
+          <p:cNvSpPr txBox="1"/>
+          <p:nvPr/>
+        </p:nvSpPr>
+        <p:spPr>
+          <a:xfrm>
+            <a:off x="-369389" y="2446125"/>
+            <a:ext cx="6828588" cy="1846659"/>
+          </a:xfrm>
+          <a:prstGeom prst="rect">
+            <a:avLst/>
+          </a:prstGeom>
+          <a:noFill/>
+          <a:ln>
+            <a:noFill/>
+          </a:ln>
+        </p:spPr>
+        <p:txBody>
+          <a:bodyPr wrap="square" rtlCol="1">
+            <a:spAutoFit/>
+          </a:bodyPr>
+          <a:lstStyle/>
+          <a:p>
+            <a:pPr algn="ctr" rtl="1"/>
+            <a:r>
+              <a:rPr lang="he-IL" b="1" dirty="0">
+                <a:ln>
+                  <a:solidFill>
+                    <a:schemeClr val="tx1"/>
+                  </a:solidFill>
+                </a:ln>
+                <a:solidFill>
+                  <a:schemeClr val="accent5">
+                    <a:lumMod val="75000"/>
+                  </a:schemeClr>
+                </a:solidFill>
+              </a:rPr>
+              <a:t>קיפצו אלינו ובצעו מטלה ממוחשבת שנמשכת עד שעה וחצי</a:t>
+            </a:r>
+          </a:p>
+          <a:p>
+            <a:pPr algn="ctr" rtl="1"/>
+            <a:r>
+              <a:rPr lang="he-IL" b="1" dirty="0">
+                <a:ln>
+                  <a:solidFill>
+                    <a:schemeClr val="tx1"/>
+                  </a:solidFill>
+                </a:ln>
+                <a:solidFill>
+                  <a:schemeClr val="accent5">
+                    <a:lumMod val="75000"/>
+                  </a:schemeClr>
+                </a:solidFill>
+              </a:rPr>
+              <a:t>ועבורה תקבלו 90 ₪ (וגם תתרמו למדע!)</a:t>
+            </a:r>
+          </a:p>
+          <a:p>
+            <a:pPr algn="ctr" rtl="1"/>
+            <a:r>
+              <a:rPr lang="he-IL" sz="1600" b="1" dirty="0">
+                <a:ln>
+                  <a:solidFill>
+                    <a:schemeClr val="tx1"/>
+                  </a:solidFill>
+                </a:ln>
+                <a:solidFill>
+                  <a:schemeClr val="accent5">
+                    <a:lumMod val="75000"/>
+                  </a:schemeClr>
+                </a:solidFill>
+              </a:rPr>
+              <a:t>אנו עורכים מחקר במעבדה לחקר מודעות של פרופסור ליעד </a:t>
+            </a:r>
+            <a:r>
+              <a:rPr lang="he-IL" sz="1600" b="1" dirty="0" err="1">
+                <a:ln>
+                  <a:solidFill>
+                    <a:schemeClr val="tx1"/>
+                  </a:solidFill>
+                </a:ln>
+                <a:solidFill>
+                  <a:schemeClr val="accent5">
+                    <a:lumMod val="75000"/>
+                  </a:schemeClr>
+                </a:solidFill>
+              </a:rPr>
+              <a:t>מודריק</a:t>
+            </a:r>
+            <a:endParaRPr lang="he-IL" sz="1600" b="1" dirty="0">
+              <a:ln>
+                <a:solidFill>
+                  <a:schemeClr val="tx1"/>
+                </a:solidFill>
+              </a:ln>
+              <a:solidFill>
+                <a:schemeClr val="accent5">
+                  <a:lumMod val="75000"/>
+                </a:schemeClr>
+              </a:solidFill>
+            </a:endParaRPr>
+          </a:p>
+          <a:p>
+            <a:pPr algn="ctr" rtl="1"/>
+            <a:r>
+              <a:rPr lang="he-IL" sz="1600" b="1" dirty="0">
+                <a:ln>
+                  <a:solidFill>
+                    <a:schemeClr val="tx1"/>
+                  </a:solidFill>
+                </a:ln>
+                <a:solidFill>
+                  <a:schemeClr val="accent5">
+                    <a:lumMod val="75000"/>
+                  </a:schemeClr>
+                </a:solidFill>
+              </a:rPr>
+              <a:t>המיועד לגילאי 18-35, יד ימין דומיננטית, ללא הפרעות קשב וריכוז</a:t>
+            </a:r>
+            <a:endParaRPr lang="en-US" sz="1600" b="1" dirty="0">
+              <a:ln>
+                <a:solidFill>
+                  <a:schemeClr val="tx1"/>
+                </a:solidFill>
+              </a:ln>
+              <a:solidFill>
+                <a:schemeClr val="accent5">
+                  <a:lumMod val="75000"/>
+                </a:schemeClr>
+              </a:solidFill>
+            </a:endParaRPr>
+          </a:p>
+          <a:p>
+            <a:pPr algn="ctr" rtl="1"/>
+            <a:r>
+              <a:rPr lang="he-IL" sz="1400" b="1" dirty="0">
+                <a:ln>
+                  <a:solidFill>
+                    <a:schemeClr val="tx1"/>
+                  </a:solidFill>
+                </a:ln>
+                <a:solidFill>
+                  <a:schemeClr val="accent5">
+                    <a:lumMod val="75000"/>
+                  </a:schemeClr>
+                </a:solidFill>
+              </a:rPr>
+              <a:t>בניין שרת, חדר 118, אוניברסיטת תל אביב</a:t>
+            </a:r>
+            <a:endParaRPr lang="en-US" sz="1400" b="1" dirty="0">
+              <a:ln>
+                <a:solidFill>
+                  <a:schemeClr val="tx1"/>
+                </a:solidFill>
+              </a:ln>
+              <a:solidFill>
+                <a:schemeClr val="accent5">
+                  <a:lumMod val="75000"/>
+                </a:schemeClr>
+              </a:solidFill>
+            </a:endParaRPr>
+          </a:p>
+          <a:p>
+            <a:pPr algn="ctr" rtl="1"/>
+            <a:r>
+              <a:rPr lang="he-IL" sz="3200" b="1" dirty="0">
+                <a:ln>
+                  <a:solidFill>
+                    <a:schemeClr val="tx1"/>
+                  </a:solidFill>
+                </a:ln>
+                <a:solidFill>
+                  <a:schemeClr val="accent5">
+                    <a:lumMod val="75000"/>
+                  </a:schemeClr>
+                </a:solidFill>
+              </a:rPr>
+              <a:t>לפרטים: </a:t>
+            </a:r>
+            <a:r>
+              <a:rPr lang="en-US" sz="3200" b="1" dirty="0">
+                <a:ln>
+                  <a:solidFill>
+                    <a:schemeClr val="tx1"/>
+                  </a:solidFill>
+                </a:ln>
+                <a:solidFill>
+                  <a:schemeClr val="accent5">
+                    <a:lumMod val="75000"/>
+                  </a:schemeClr>
+                </a:solidFill>
+              </a:rPr>
+              <a:t>khenheller@mail.tau.ac.il</a:t>
+            </a:r>
+            <a:endParaRPr lang="he-IL" sz="3200" b="1" dirty="0">
+              <a:ln>
+                <a:solidFill>
+                  <a:schemeClr val="tx1"/>
+                </a:solidFill>
+              </a:ln>
+              <a:solidFill>
+                <a:schemeClr val="accent5">
+                  <a:lumMod val="75000"/>
+                </a:schemeClr>
+              </a:solidFill>
             </a:endParaRPr>
           </a:p>
         </p:txBody>
@@ -5357,7 +5884,7 @@
     </p:spTree>
     <p:extLst>
       <p:ext uri="{BB962C8B-B14F-4D97-AF65-F5344CB8AC3E}">
-        <p14:creationId xmlns:p14="http://schemas.microsoft.com/office/powerpoint/2010/main" val="2712086489"/>
+        <p14:creationId xmlns:p14="http://schemas.microsoft.com/office/powerpoint/2010/main" val="3498472698"/>
       </p:ext>
     </p:extLst>
   </p:cSld>
@@ -5507,8 +6034,8 @@
         </p:nvSpPr>
         <p:spPr>
           <a:xfrm>
-            <a:off x="-122548" y="5240205"/>
-            <a:ext cx="12851874" cy="1692771"/>
+            <a:off x="-122548" y="5353329"/>
+            <a:ext cx="12851874" cy="1323439"/>
           </a:xfrm>
           <a:prstGeom prst="rect">
             <a:avLst/>
@@ -5521,7 +6048,7 @@
           </a:bodyPr>
           <a:lstStyle/>
           <a:p>
-            <a:pPr algn="ctr" rtl="1"/>
+            <a:pPr algn="ctr"/>
             <a:r>
               <a:rPr lang="he-IL" sz="3200" b="1" dirty="0">
                 <a:ln>
@@ -5557,7 +6084,7 @@
             </a:endParaRPr>
           </a:p>
           <a:p>
-            <a:pPr algn="ctr" rtl="1"/>
+            <a:pPr algn="ctr"/>
             <a:r>
               <a:rPr lang="he-IL" sz="2400" b="1" dirty="0">
                 <a:ln>
@@ -5576,6 +6103,21 @@
               </a:rPr>
               <a:t>בניין שרת, חדר 118, אוניברסיטת תל אביב</a:t>
             </a:r>
+            <a:endParaRPr lang="en-US" sz="2400" b="1" dirty="0">
+              <a:ln>
+                <a:solidFill>
+                  <a:schemeClr val="tx1">
+                    <a:lumMod val="65000"/>
+                    <a:lumOff val="35000"/>
+                  </a:schemeClr>
+                </a:solidFill>
+              </a:ln>
+              <a:solidFill>
+                <a:schemeClr val="accent5">
+                  <a:lumMod val="75000"/>
+                </a:schemeClr>
+              </a:solidFill>
+            </a:endParaRPr>
           </a:p>
           <a:p>
             <a:pPr algn="ctr" rtl="1"/>
@@ -5595,42 +6137,6 @@
                   </a:schemeClr>
                 </a:solidFill>
               </a:rPr>
-              <a:t>הניסוי נערך ב-2 ימים עוקבים, היום הראשון נמשך 30 דקות והשני 90 דקות</a:t>
-            </a:r>
-            <a:endParaRPr lang="en-US" sz="2400" b="1" dirty="0">
-              <a:ln>
-                <a:solidFill>
-                  <a:schemeClr val="tx1">
-                    <a:lumMod val="65000"/>
-                    <a:lumOff val="35000"/>
-                  </a:schemeClr>
-                </a:solidFill>
-              </a:ln>
-              <a:solidFill>
-                <a:schemeClr val="accent5">
-                  <a:lumMod val="75000"/>
-                </a:schemeClr>
-              </a:solidFill>
-            </a:endParaRPr>
-          </a:p>
-          <a:p>
-            <a:pPr algn="ctr" rtl="1"/>
-            <a:r>
-              <a:rPr lang="he-IL" sz="2400" b="1" dirty="0">
-                <a:ln>
-                  <a:solidFill>
-                    <a:schemeClr val="tx1">
-                      <a:lumMod val="65000"/>
-                      <a:lumOff val="35000"/>
-                    </a:schemeClr>
-                  </a:solidFill>
-                </a:ln>
-                <a:solidFill>
-                  <a:schemeClr val="accent5">
-                    <a:lumMod val="75000"/>
-                  </a:schemeClr>
-                </a:solidFill>
-              </a:rPr>
               <a:t>לפרטים: </a:t>
             </a:r>
             <a:r>
@@ -5683,8 +6189,8 @@
         </p:nvSpPr>
         <p:spPr>
           <a:xfrm>
-            <a:off x="3672324" y="938461"/>
-            <a:ext cx="4886274" cy="769441"/>
+            <a:off x="3986512" y="938461"/>
+            <a:ext cx="4257897" cy="769441"/>
           </a:xfrm>
           <a:prstGeom prst="rect">
             <a:avLst/>
@@ -5709,9 +6215,9 @@
           </a:bodyPr>
           <a:lstStyle/>
           <a:p>
-            <a:pPr algn="ctr" rtl="1"/>
-            <a:r>
-              <a:rPr lang="he-IL" sz="4400" b="1" dirty="0">
+            <a:pPr algn="ctr"/>
+            <a:r>
+              <a:rPr lang="he-IL" sz="4400" b="1" cap="none" spc="0" dirty="0">
                 <a:ln/>
                 <a:solidFill>
                   <a:srgbClr val="09FF32"/>
@@ -5724,23 +6230,7 @@
                   </a:glow>
                 </a:effectLst>
               </a:rPr>
-              <a:t>120 </a:t>
-            </a:r>
-            <a:r>
-              <a:rPr lang="he-IL" sz="4400" b="1" cap="none" spc="0" dirty="0">
-                <a:ln/>
-                <a:solidFill>
-                  <a:srgbClr val="09FF32"/>
-                </a:solidFill>
-                <a:effectLst>
-                  <a:glow rad="787400">
-                    <a:schemeClr val="bg1">
-                      <a:alpha val="40000"/>
-                    </a:schemeClr>
-                  </a:glow>
-                </a:effectLst>
-              </a:rPr>
-              <a:t>דקות, 125 ש"ח</a:t>
+              <a:t>90 דקות, 60 ש"ח</a:t>
             </a:r>
             <a:endParaRPr lang="en-US" sz="4400" b="1" cap="none" spc="0" dirty="0">
               <a:ln/>
@@ -5761,7 +6251,7 @@
     </p:spTree>
     <p:extLst>
       <p:ext uri="{BB962C8B-B14F-4D97-AF65-F5344CB8AC3E}">
-        <p14:creationId xmlns:p14="http://schemas.microsoft.com/office/powerpoint/2010/main" val="3502369317"/>
+        <p14:creationId xmlns:p14="http://schemas.microsoft.com/office/powerpoint/2010/main" val="2712086489"/>
       </p:ext>
     </p:extLst>
   </p:cSld>
@@ -6144,6 +6634,410 @@
                   </a:glow>
                 </a:effectLst>
               </a:rPr>
+              <a:t>דקות, 125 ש"ח</a:t>
+            </a:r>
+            <a:endParaRPr lang="en-US" sz="4400" b="1" cap="none" spc="0" dirty="0">
+              <a:ln/>
+              <a:solidFill>
+                <a:srgbClr val="09FF32"/>
+              </a:solidFill>
+              <a:effectLst>
+                <a:glow rad="787400">
+                  <a:schemeClr val="bg1">
+                    <a:alpha val="40000"/>
+                  </a:schemeClr>
+                </a:glow>
+              </a:effectLst>
+            </a:endParaRPr>
+          </a:p>
+        </p:txBody>
+      </p:sp>
+    </p:spTree>
+    <p:extLst>
+      <p:ext uri="{BB962C8B-B14F-4D97-AF65-F5344CB8AC3E}">
+        <p14:creationId xmlns:p14="http://schemas.microsoft.com/office/powerpoint/2010/main" val="3502369317"/>
+      </p:ext>
+    </p:extLst>
+  </p:cSld>
+  <p:clrMapOvr>
+    <a:masterClrMapping/>
+  </p:clrMapOvr>
+</p:sld>
+</file>
+
+<file path=ppt/slides/slide7.xml><?xml version="1.0" encoding="utf-8"?>
+<p:sld xmlns:a="http://schemas.openxmlformats.org/drawingml/2006/main" xmlns:r="http://schemas.openxmlformats.org/officeDocument/2006/relationships" xmlns:p="http://schemas.openxmlformats.org/presentationml/2006/main">
+  <p:cSld>
+    <p:spTree>
+      <p:nvGrpSpPr>
+        <p:cNvPr id="1" name=""/>
+        <p:cNvGrpSpPr/>
+        <p:nvPr/>
+      </p:nvGrpSpPr>
+      <p:grpSpPr>
+        <a:xfrm>
+          <a:off x="0" y="0"/>
+          <a:ext cx="0" cy="0"/>
+          <a:chOff x="0" y="0"/>
+          <a:chExt cx="0" cy="0"/>
+        </a:xfrm>
+      </p:grpSpPr>
+      <p:pic>
+        <p:nvPicPr>
+          <p:cNvPr id="5" name="Picture 4" descr="A dog looking at a computer&#10;&#10;Description automatically generated with medium confidence">
+            <a:extLst>
+              <a:ext uri="{FF2B5EF4-FFF2-40B4-BE49-F238E27FC236}">
+                <a16:creationId xmlns:a16="http://schemas.microsoft.com/office/drawing/2014/main" id="{787A8A51-6B78-4086-836D-3DE6CB859905}"/>
+              </a:ext>
+            </a:extLst>
+          </p:cNvPr>
+          <p:cNvPicPr>
+            <a:picLocks noChangeAspect="1"/>
+          </p:cNvPicPr>
+          <p:nvPr/>
+        </p:nvPicPr>
+        <p:blipFill>
+          <a:blip r:embed="rId2">
+            <a:extLst>
+              <a:ext uri="{28A0092B-C50C-407E-A947-70E740481C1C}">
+                <a14:useLocalDpi xmlns:a14="http://schemas.microsoft.com/office/drawing/2010/main" val="0"/>
+              </a:ext>
+            </a:extLst>
+          </a:blip>
+          <a:stretch>
+            <a:fillRect/>
+          </a:stretch>
+        </p:blipFill>
+        <p:spPr>
+          <a:xfrm>
+            <a:off x="2183728" y="492094"/>
+            <a:ext cx="9163276" cy="5291252"/>
+          </a:xfrm>
+          <a:prstGeom prst="rect">
+            <a:avLst/>
+          </a:prstGeom>
+        </p:spPr>
+      </p:pic>
+      <p:sp>
+        <p:nvSpPr>
+          <p:cNvPr id="7" name="Rectangle 6">
+            <a:extLst>
+              <a:ext uri="{FF2B5EF4-FFF2-40B4-BE49-F238E27FC236}">
+                <a16:creationId xmlns:a16="http://schemas.microsoft.com/office/drawing/2014/main" id="{D2458800-57BC-4893-BE11-DC146BD84648}"/>
+              </a:ext>
+            </a:extLst>
+          </p:cNvPr>
+          <p:cNvSpPr/>
+          <p:nvPr/>
+        </p:nvSpPr>
+        <p:spPr>
+          <a:xfrm>
+            <a:off x="2623741" y="0"/>
+            <a:ext cx="6944529" cy="923330"/>
+          </a:xfrm>
+          <a:prstGeom prst="rect">
+            <a:avLst/>
+          </a:prstGeom>
+          <a:noFill/>
+        </p:spPr>
+        <p:txBody>
+          <a:bodyPr wrap="none" lIns="91440" tIns="45720" rIns="91440" bIns="45720">
+            <a:spAutoFit/>
+          </a:bodyPr>
+          <a:lstStyle/>
+          <a:p>
+            <a:pPr algn="ctr"/>
+            <a:r>
+              <a:rPr lang="he-IL" sz="5400" b="1" cap="none" spc="0" dirty="0">
+                <a:ln w="9525">
+                  <a:solidFill>
+                    <a:schemeClr val="bg1"/>
+                  </a:solidFill>
+                  <a:prstDash val="solid"/>
+                </a:ln>
+                <a:solidFill>
+                  <a:schemeClr val="accent5"/>
+                </a:solidFill>
+                <a:effectLst>
+                  <a:outerShdw blurRad="12700" dist="38100" dir="2700000" algn="tl" rotWithShape="0">
+                    <a:schemeClr val="accent5">
+                      <a:lumMod val="60000"/>
+                      <a:lumOff val="40000"/>
+                    </a:schemeClr>
+                  </a:outerShdw>
+                </a:effectLst>
+              </a:rPr>
+              <a:t>ניסוי במעקב אחר תנועה</a:t>
+            </a:r>
+            <a:endParaRPr lang="en-US" sz="5400" b="1" cap="none" spc="0" dirty="0">
+              <a:ln w="9525">
+                <a:solidFill>
+                  <a:schemeClr val="bg1"/>
+                </a:solidFill>
+                <a:prstDash val="solid"/>
+              </a:ln>
+              <a:solidFill>
+                <a:schemeClr val="accent5"/>
+              </a:solidFill>
+              <a:effectLst>
+                <a:outerShdw blurRad="12700" dist="38100" dir="2700000" algn="tl" rotWithShape="0">
+                  <a:schemeClr val="accent5">
+                    <a:lumMod val="60000"/>
+                    <a:lumOff val="40000"/>
+                  </a:schemeClr>
+                </a:outerShdw>
+              </a:effectLst>
+            </a:endParaRPr>
+          </a:p>
+        </p:txBody>
+      </p:sp>
+      <p:sp>
+        <p:nvSpPr>
+          <p:cNvPr id="9" name="TextBox 8">
+            <a:extLst>
+              <a:ext uri="{FF2B5EF4-FFF2-40B4-BE49-F238E27FC236}">
+                <a16:creationId xmlns:a16="http://schemas.microsoft.com/office/drawing/2014/main" id="{1487C03B-BC0F-4484-BF6E-CBFA484A2495}"/>
+              </a:ext>
+            </a:extLst>
+          </p:cNvPr>
+          <p:cNvSpPr txBox="1"/>
+          <p:nvPr/>
+        </p:nvSpPr>
+        <p:spPr>
+          <a:xfrm>
+            <a:off x="-122548" y="5240205"/>
+            <a:ext cx="12851874" cy="1692771"/>
+          </a:xfrm>
+          <a:prstGeom prst="rect">
+            <a:avLst/>
+          </a:prstGeom>
+          <a:noFill/>
+        </p:spPr>
+        <p:txBody>
+          <a:bodyPr wrap="square" rtlCol="1">
+            <a:spAutoFit/>
+          </a:bodyPr>
+          <a:lstStyle/>
+          <a:p>
+            <a:pPr algn="ctr" rtl="1"/>
+            <a:r>
+              <a:rPr lang="he-IL" sz="3200" b="1" dirty="0">
+                <a:ln>
+                  <a:solidFill>
+                    <a:schemeClr val="tx1">
+                      <a:lumMod val="65000"/>
+                      <a:lumOff val="35000"/>
+                    </a:schemeClr>
+                  </a:solidFill>
+                </a:ln>
+                <a:solidFill>
+                  <a:schemeClr val="accent5">
+                    <a:lumMod val="75000"/>
+                  </a:schemeClr>
+                </a:solidFill>
+              </a:rPr>
+              <a:t>מיועד לגילאי 18-35, יד ימין דומיננטית, ללא הפרעות קשב וריכוז</a:t>
+            </a:r>
+            <a:endParaRPr lang="en-US" sz="3200" b="1" dirty="0">
+              <a:ln>
+                <a:solidFill>
+                  <a:schemeClr val="tx1">
+                    <a:lumMod val="65000"/>
+                    <a:lumOff val="35000"/>
+                  </a:schemeClr>
+                </a:solidFill>
+              </a:ln>
+              <a:solidFill>
+                <a:schemeClr val="accent5">
+                  <a:lumMod val="75000"/>
+                </a:schemeClr>
+              </a:solidFill>
+            </a:endParaRPr>
+          </a:p>
+          <a:p>
+            <a:pPr algn="ctr" rtl="1"/>
+            <a:r>
+              <a:rPr lang="he-IL" sz="2400" b="1" dirty="0">
+                <a:ln>
+                  <a:solidFill>
+                    <a:schemeClr val="tx1">
+                      <a:lumMod val="65000"/>
+                      <a:lumOff val="35000"/>
+                    </a:schemeClr>
+                  </a:solidFill>
+                </a:ln>
+                <a:solidFill>
+                  <a:schemeClr val="accent5">
+                    <a:lumMod val="75000"/>
+                  </a:schemeClr>
+                </a:solidFill>
+              </a:rPr>
+              <a:t>בניין שרת, חדר 118, אוניברסיטת תל אביב</a:t>
+            </a:r>
+          </a:p>
+          <a:p>
+            <a:pPr algn="ctr" rtl="1"/>
+            <a:r>
+              <a:rPr lang="he-IL" sz="2400" b="1" dirty="0">
+                <a:ln>
+                  <a:solidFill>
+                    <a:schemeClr val="tx1">
+                      <a:lumMod val="65000"/>
+                      <a:lumOff val="35000"/>
+                    </a:schemeClr>
+                  </a:solidFill>
+                </a:ln>
+                <a:solidFill>
+                  <a:schemeClr val="accent5">
+                    <a:lumMod val="75000"/>
+                  </a:schemeClr>
+                </a:solidFill>
+              </a:rPr>
+              <a:t>הניסוי נערך ב-2 ימים עוקבים, היום הראשון נמשך 30 דקות והשני 90 דקות</a:t>
+            </a:r>
+            <a:endParaRPr lang="en-US" sz="2400" b="1" dirty="0">
+              <a:ln>
+                <a:solidFill>
+                  <a:schemeClr val="tx1">
+                    <a:lumMod val="65000"/>
+                    <a:lumOff val="35000"/>
+                  </a:schemeClr>
+                </a:solidFill>
+              </a:ln>
+              <a:solidFill>
+                <a:schemeClr val="accent5">
+                  <a:lumMod val="75000"/>
+                </a:schemeClr>
+              </a:solidFill>
+            </a:endParaRPr>
+          </a:p>
+          <a:p>
+            <a:pPr algn="ctr" rtl="1"/>
+            <a:r>
+              <a:rPr lang="he-IL" sz="2400" b="1" dirty="0">
+                <a:ln>
+                  <a:solidFill>
+                    <a:schemeClr val="tx1">
+                      <a:lumMod val="65000"/>
+                      <a:lumOff val="35000"/>
+                    </a:schemeClr>
+                  </a:solidFill>
+                </a:ln>
+                <a:solidFill>
+                  <a:schemeClr val="accent5">
+                    <a:lumMod val="75000"/>
+                  </a:schemeClr>
+                </a:solidFill>
+              </a:rPr>
+              <a:t>לפרטים: </a:t>
+            </a:r>
+            <a:r>
+              <a:rPr lang="en-US" sz="2400" b="1" u="sng" dirty="0">
+                <a:ln>
+                  <a:solidFill>
+                    <a:schemeClr val="tx1">
+                      <a:lumMod val="65000"/>
+                      <a:lumOff val="35000"/>
+                    </a:schemeClr>
+                  </a:solidFill>
+                </a:ln>
+                <a:solidFill>
+                  <a:schemeClr val="accent5">
+                    <a:lumMod val="75000"/>
+                  </a:schemeClr>
+                </a:solidFill>
+              </a:rPr>
+              <a:t>khenheller@mail.tau.ac.il</a:t>
+            </a:r>
+            <a:endParaRPr lang="he-IL" sz="2400" b="1" u="sng" dirty="0">
+              <a:ln>
+                <a:solidFill>
+                  <a:schemeClr val="tx1">
+                    <a:lumMod val="65000"/>
+                    <a:lumOff val="35000"/>
+                  </a:schemeClr>
+                </a:solidFill>
+              </a:ln>
+              <a:solidFill>
+                <a:schemeClr val="accent5">
+                  <a:lumMod val="75000"/>
+                </a:schemeClr>
+              </a:solidFill>
+            </a:endParaRPr>
+          </a:p>
+        </p:txBody>
+      </p:sp>
+      <p:sp>
+        <p:nvSpPr>
+          <p:cNvPr id="10" name="Rectangle 9">
+            <a:extLst>
+              <a:ext uri="{FF2B5EF4-FFF2-40B4-BE49-F238E27FC236}">
+                <a16:creationId xmlns:a16="http://schemas.microsoft.com/office/drawing/2014/main" id="{A8714759-5C3C-479D-B957-02304E4D0F50}"/>
+              </a:ext>
+            </a:extLst>
+          </p:cNvPr>
+          <p:cNvSpPr/>
+          <p:nvPr/>
+        </p:nvSpPr>
+        <p:spPr>
+          <a:xfrm>
+            <a:off x="3672324" y="938461"/>
+            <a:ext cx="4886274" cy="769441"/>
+          </a:xfrm>
+          <a:prstGeom prst="rect">
+            <a:avLst/>
+          </a:prstGeom>
+          <a:noFill/>
+        </p:spPr>
+        <p:txBody>
+          <a:bodyPr wrap="none" lIns="91440" tIns="45720" rIns="91440" bIns="45720">
+            <a:spAutoFit/>
+            <a:scene3d>
+              <a:camera prst="perspectiveFront"/>
+              <a:lightRig rig="harsh" dir="t"/>
+            </a:scene3d>
+            <a:sp3d extrusionH="57150" prstMaterial="matte">
+              <a:bevelT w="63500" h="12700" prst="slope"/>
+              <a:contourClr>
+                <a:schemeClr val="bg1">
+                  <a:lumMod val="65000"/>
+                </a:schemeClr>
+              </a:contourClr>
+            </a:sp3d>
+          </a:bodyPr>
+          <a:lstStyle/>
+          <a:p>
+            <a:pPr algn="ctr" rtl="1"/>
+            <a:r>
+              <a:rPr lang="he-IL" sz="4400" b="1" dirty="0">
+                <a:ln/>
+                <a:solidFill>
+                  <a:srgbClr val="09FF32"/>
+                </a:solidFill>
+                <a:effectLst>
+                  <a:glow rad="787400">
+                    <a:schemeClr val="bg1">
+                      <a:alpha val="40000"/>
+                    </a:schemeClr>
+                  </a:glow>
+                </a:effectLst>
+              </a:rPr>
+              <a:t>120 </a:t>
+            </a:r>
+            <a:r>
+              <a:rPr lang="he-IL" sz="4400" b="1" cap="none" spc="0" dirty="0">
+                <a:ln/>
+                <a:solidFill>
+                  <a:srgbClr val="09FF32"/>
+                </a:solidFill>
+                <a:effectLst>
+                  <a:glow rad="787400">
+                    <a:schemeClr val="bg1">
+                      <a:alpha val="40000"/>
+                    </a:schemeClr>
+                  </a:glow>
+                </a:effectLst>
+              </a:rPr>
               <a:t>דקות, 100 ש"ח</a:t>
             </a:r>
             <a:endParaRPr lang="en-US" sz="4400" b="1" cap="none" spc="0" dirty="0">
@@ -6175,7 +7069,7 @@
 </p:sld>
 </file>
 
-<file path=ppt/slides/slide7.xml><?xml version="1.0" encoding="utf-8"?>
+<file path=ppt/slides/slide8.xml><?xml version="1.0" encoding="utf-8"?>
 <p:sld xmlns:a="http://schemas.openxmlformats.org/drawingml/2006/main" xmlns:r="http://schemas.openxmlformats.org/officeDocument/2006/relationships" xmlns:p="http://schemas.openxmlformats.org/presentationml/2006/main">
   <p:cSld>
     <p:spTree>
